--- a/images/outreach/SBGN_poster.pptx
+++ b/images/outreach/SBGN_poster.pptx
@@ -124,15 +124,6 @@
 </p:cmAuthorLst>
 </file>
 
-<file path=ppt/revisionInfo.xml><?xml version="1.0" encoding="utf-8"?>
-<p1510:revInfo xmlns:a="http://schemas.openxmlformats.org/drawingml/2006/main" xmlns:r="http://schemas.openxmlformats.org/officeDocument/2006/relationships" xmlns:p1510="http://schemas.microsoft.com/office/powerpoint/2015/10/main">
-  <p1510:revLst>
-    <p1510:client id="{67852A15-2803-4498-8C2E-43873DD5196A}" v="3" dt="2018-06-06T07:00:09.251"/>
-    <p1510:client id="{A4FC25B4-E565-4CB6-9F41-B41426D4DBE9}" v="3" dt="2018-06-22T08:10:10.456"/>
-  </p1510:revLst>
-</p1510:revInfo>
-</file>
-
 <file path=ppt/slideLayouts/slideLayout1.xml><?xml version="1.0" encoding="utf-8"?>
 <p:sldLayout xmlns:a="http://schemas.openxmlformats.org/drawingml/2006/main" xmlns:r="http://schemas.openxmlformats.org/officeDocument/2006/relationships" xmlns:p="http://schemas.openxmlformats.org/presentationml/2006/main" type="title" preserve="1">
   <p:cSld name="Title Slide">
@@ -262,7 +253,7 @@
           <a:p>
             <a:fld id="{846CE7D5-CF57-46EF-B807-FDD0502418D4}" type="datetimeFigureOut">
               <a:rPr lang="en-US" smtClean="0"/>
-              <a:t>8/16/2018</a:t>
+              <a:t>7/11/2019</a:t>
             </a:fld>
             <a:endParaRPr lang="en-US"/>
           </a:p>
@@ -430,7 +421,7 @@
           <a:p>
             <a:fld id="{846CE7D5-CF57-46EF-B807-FDD0502418D4}" type="datetimeFigureOut">
               <a:rPr lang="en-US" smtClean="0"/>
-              <a:t>8/16/2018</a:t>
+              <a:t>7/11/2019</a:t>
             </a:fld>
             <a:endParaRPr lang="en-US"/>
           </a:p>
@@ -608,7 +599,7 @@
           <a:p>
             <a:fld id="{846CE7D5-CF57-46EF-B807-FDD0502418D4}" type="datetimeFigureOut">
               <a:rPr lang="en-US" smtClean="0"/>
-              <a:t>8/16/2018</a:t>
+              <a:t>7/11/2019</a:t>
             </a:fld>
             <a:endParaRPr lang="en-US"/>
           </a:p>
@@ -776,7 +767,7 @@
           <a:p>
             <a:fld id="{846CE7D5-CF57-46EF-B807-FDD0502418D4}" type="datetimeFigureOut">
               <a:rPr lang="en-US" smtClean="0"/>
-              <a:t>8/16/2018</a:t>
+              <a:t>7/11/2019</a:t>
             </a:fld>
             <a:endParaRPr lang="en-US"/>
           </a:p>
@@ -1019,7 +1010,7 @@
           <a:p>
             <a:fld id="{846CE7D5-CF57-46EF-B807-FDD0502418D4}" type="datetimeFigureOut">
               <a:rPr lang="en-US" smtClean="0"/>
-              <a:t>8/16/2018</a:t>
+              <a:t>7/11/2019</a:t>
             </a:fld>
             <a:endParaRPr lang="en-US"/>
           </a:p>
@@ -1248,7 +1239,7 @@
           <a:p>
             <a:fld id="{846CE7D5-CF57-46EF-B807-FDD0502418D4}" type="datetimeFigureOut">
               <a:rPr lang="en-US" smtClean="0"/>
-              <a:t>8/16/2018</a:t>
+              <a:t>7/11/2019</a:t>
             </a:fld>
             <a:endParaRPr lang="en-US"/>
           </a:p>
@@ -1612,7 +1603,7 @@
           <a:p>
             <a:fld id="{846CE7D5-CF57-46EF-B807-FDD0502418D4}" type="datetimeFigureOut">
               <a:rPr lang="en-US" smtClean="0"/>
-              <a:t>8/16/2018</a:t>
+              <a:t>7/11/2019</a:t>
             </a:fld>
             <a:endParaRPr lang="en-US"/>
           </a:p>
@@ -1729,7 +1720,7 @@
           <a:p>
             <a:fld id="{846CE7D5-CF57-46EF-B807-FDD0502418D4}" type="datetimeFigureOut">
               <a:rPr lang="en-US" smtClean="0"/>
-              <a:t>8/16/2018</a:t>
+              <a:t>7/11/2019</a:t>
             </a:fld>
             <a:endParaRPr lang="en-US"/>
           </a:p>
@@ -1824,7 +1815,7 @@
           <a:p>
             <a:fld id="{846CE7D5-CF57-46EF-B807-FDD0502418D4}" type="datetimeFigureOut">
               <a:rPr lang="en-US" smtClean="0"/>
-              <a:t>8/16/2018</a:t>
+              <a:t>7/11/2019</a:t>
             </a:fld>
             <a:endParaRPr lang="en-US"/>
           </a:p>
@@ -2099,7 +2090,7 @@
           <a:p>
             <a:fld id="{846CE7D5-CF57-46EF-B807-FDD0502418D4}" type="datetimeFigureOut">
               <a:rPr lang="en-US" smtClean="0"/>
-              <a:t>8/16/2018</a:t>
+              <a:t>7/11/2019</a:t>
             </a:fld>
             <a:endParaRPr lang="en-US"/>
           </a:p>
@@ -2351,7 +2342,7 @@
           <a:p>
             <a:fld id="{846CE7D5-CF57-46EF-B807-FDD0502418D4}" type="datetimeFigureOut">
               <a:rPr lang="en-US" smtClean="0"/>
-              <a:t>8/16/2018</a:t>
+              <a:t>7/11/2019</a:t>
             </a:fld>
             <a:endParaRPr lang="en-US"/>
           </a:p>
@@ -2562,7 +2553,7 @@
           <a:p>
             <a:fld id="{846CE7D5-CF57-46EF-B807-FDD0502418D4}" type="datetimeFigureOut">
               <a:rPr lang="en-US" smtClean="0"/>
-              <a:t>8/16/2018</a:t>
+              <a:t>7/11/2019</a:t>
             </a:fld>
             <a:endParaRPr lang="en-US"/>
           </a:p>
@@ -2967,119 +2958,6 @@
           <a:chExt cx="0" cy="0"/>
         </a:xfrm>
       </p:grpSpPr>
-      <p:sp>
-        <p:nvSpPr>
-          <p:cNvPr id="88" name="Gruppieren">
-            <a:extLst>
-              <a:ext uri="{FF2B5EF4-FFF2-40B4-BE49-F238E27FC236}">
-                <a16:creationId xmlns:a16="http://schemas.microsoft.com/office/drawing/2014/main" id="{94ED6B85-C22C-4842-A3AC-C57430DB1DA7}"/>
-              </a:ext>
-            </a:extLst>
-          </p:cNvPr>
-          <p:cNvSpPr/>
-          <p:nvPr/>
-        </p:nvSpPr>
-        <p:spPr>
-          <a:xfrm>
-            <a:off x="19974076" y="22178569"/>
-            <a:ext cx="8784352" cy="1331895"/>
-          </a:xfrm>
-          <a:prstGeom prst="roundRect">
-            <a:avLst>
-              <a:gd name="adj" fmla="val 14105"/>
-            </a:avLst>
-          </a:prstGeom>
-          <a:solidFill>
-            <a:schemeClr val="accent6">
-              <a:lumMod val="40000"/>
-              <a:lumOff val="60000"/>
-            </a:schemeClr>
-          </a:solidFill>
-          <a:ln w="12700">
-            <a:miter lim="400000"/>
-          </a:ln>
-          <a:effectLst>
-            <a:outerShdw blurRad="63500" dist="19050" dir="5400000" rotWithShape="0">
-              <a:srgbClr val="000000">
-                <a:alpha val="63000"/>
-              </a:srgbClr>
-            </a:outerShdw>
-          </a:effectLst>
-        </p:spPr>
-        <p:txBody>
-          <a:bodyPr lIns="45719" rIns="45719" anchor="ctr"/>
-          <a:lstStyle/>
-          <a:p>
-            <a:pPr algn="ctr">
-              <a:defRPr sz="3700">
-                <a:solidFill>
-                  <a:srgbClr val="FFFFFF"/>
-                </a:solidFill>
-              </a:defRPr>
-            </a:pPr>
-            <a:endParaRPr/>
-          </a:p>
-        </p:txBody>
-      </p:sp>
-      <p:sp>
-        <p:nvSpPr>
-          <p:cNvPr id="92" name="Abgerundetes Rechteck">
-            <a:extLst>
-              <a:ext uri="{FF2B5EF4-FFF2-40B4-BE49-F238E27FC236}">
-                <a16:creationId xmlns:a16="http://schemas.microsoft.com/office/drawing/2014/main" id="{B29C2811-1BF9-2C44-B0BC-F17E7791E46C}"/>
-              </a:ext>
-            </a:extLst>
-          </p:cNvPr>
-          <p:cNvSpPr/>
-          <p:nvPr/>
-        </p:nvSpPr>
-        <p:spPr>
-          <a:xfrm>
-            <a:off x="19965552" y="20870973"/>
-            <a:ext cx="8770447" cy="1248071"/>
-          </a:xfrm>
-          <a:prstGeom prst="roundRect">
-            <a:avLst>
-              <a:gd name="adj" fmla="val 16539"/>
-            </a:avLst>
-          </a:prstGeom>
-          <a:solidFill>
-            <a:schemeClr val="accent2">
-              <a:lumMod val="40000"/>
-              <a:lumOff val="60000"/>
-            </a:schemeClr>
-          </a:solidFill>
-          <a:ln w="12700">
-            <a:miter lim="400000"/>
-          </a:ln>
-          <a:effectLst>
-            <a:outerShdw blurRad="63500" dist="25400" dir="5400000" rotWithShape="0">
-              <a:srgbClr val="000000">
-                <a:alpha val="63000"/>
-              </a:srgbClr>
-            </a:outerShdw>
-          </a:effectLst>
-        </p:spPr>
-        <p:txBody>
-          <a:bodyPr lIns="50800" tIns="50800" rIns="50800" bIns="50800" anchor="ctr"/>
-          <a:lstStyle/>
-          <a:p>
-            <a:pPr marL="40639" marR="40639" algn="ctr">
-              <a:defRPr sz="3800">
-                <a:solidFill>
-                  <a:srgbClr val="FFFFFF"/>
-                </a:solidFill>
-                <a:uFill>
-                  <a:solidFill>
-                    <a:srgbClr val="000000"/>
-                  </a:solidFill>
-                </a:uFill>
-              </a:defRPr>
-            </a:pPr>
-            <a:endParaRPr/>
-          </a:p>
-        </p:txBody>
-      </p:sp>
       <p:pic>
         <p:nvPicPr>
           <p:cNvPr id="6" name="Picture 6" descr="A close up of a logo&#10;&#10;Description generated with very high confidence">
@@ -3102,7 +2980,7 @@
         </p:blipFill>
         <p:spPr>
           <a:xfrm>
-            <a:off x="9692272" y="14760280"/>
+            <a:off x="9692272" y="14558184"/>
             <a:ext cx="6296592" cy="2526164"/>
           </a:xfrm>
           <a:prstGeom prst="rect">
@@ -3132,7 +3010,7 @@
         </p:blipFill>
         <p:spPr>
           <a:xfrm>
-            <a:off x="5903345" y="22274521"/>
+            <a:off x="5903345" y="22072429"/>
             <a:ext cx="6972574" cy="3240269"/>
           </a:xfrm>
           <a:prstGeom prst="rect">
@@ -3162,7 +3040,7 @@
         </p:blipFill>
         <p:spPr>
           <a:xfrm>
-            <a:off x="3097783" y="14265740"/>
+            <a:off x="3097783" y="14063644"/>
             <a:ext cx="5467226" cy="4228993"/>
           </a:xfrm>
           <a:prstGeom prst="rect">
@@ -3184,7 +3062,7 @@
         </p:nvSpPr>
         <p:spPr>
           <a:xfrm rot="17520000">
-            <a:off x="5184175" y="19471988"/>
+            <a:off x="5184175" y="19298762"/>
             <a:ext cx="8482013" cy="8797841"/>
           </a:xfrm>
           <a:prstGeom prst="chord">
@@ -3236,7 +3114,7 @@
         </p:nvSpPr>
         <p:spPr>
           <a:xfrm rot="10320000">
-            <a:off x="8574200" y="13430344"/>
+            <a:off x="8574200" y="13228252"/>
             <a:ext cx="8453129" cy="8826718"/>
           </a:xfrm>
           <a:prstGeom prst="chord">
@@ -3288,7 +3166,7 @@
         </p:nvSpPr>
         <p:spPr>
           <a:xfrm rot="3120000">
-            <a:off x="1646009" y="13544884"/>
+            <a:off x="1646009" y="13371659"/>
             <a:ext cx="8453129" cy="8797841"/>
           </a:xfrm>
           <a:prstGeom prst="chord">
@@ -3340,7 +3218,7 @@
         </p:nvSpPr>
         <p:spPr>
           <a:xfrm>
-            <a:off x="5489658" y="23178790"/>
+            <a:off x="5489657" y="22976694"/>
             <a:ext cx="8076193" cy="5471832"/>
           </a:xfrm>
           <a:prstGeom prst="rect">
@@ -3362,6 +3240,7 @@
                 <a:solidFill>
                   <a:srgbClr val="4472C4"/>
                 </a:solidFill>
+                <a:latin typeface="Times New Roman"/>
                 <a:cs typeface="Times New Roman"/>
               </a:rPr>
               <a:t>The Process Description</a:t>
@@ -3383,7 +3262,7 @@
         </p:nvSpPr>
         <p:spPr>
           <a:xfrm rot="19992971">
-            <a:off x="1363747" y="13614454"/>
+            <a:off x="1363747" y="13412360"/>
             <a:ext cx="6504328" cy="3578058"/>
           </a:xfrm>
           <a:prstGeom prst="rect">
@@ -3405,6 +3284,7 @@
                 <a:solidFill>
                   <a:srgbClr val="4472C4"/>
                 </a:solidFill>
+                <a:latin typeface="Times New Roman"/>
                 <a:cs typeface="Times New Roman"/>
               </a:rPr>
               <a:t>The Entity Relationship</a:t>
@@ -3432,7 +3312,7 @@
         </p:nvSpPr>
         <p:spPr>
           <a:xfrm rot="2898930">
-            <a:off x="10491554" y="13772199"/>
+            <a:off x="10491552" y="13598975"/>
             <a:ext cx="7773959" cy="5129424"/>
           </a:xfrm>
           <a:prstGeom prst="rect">
@@ -3454,6 +3334,7 @@
                 <a:solidFill>
                   <a:srgbClr val="4472C4"/>
                 </a:solidFill>
+                <a:latin typeface="Times New Roman"/>
                 <a:cs typeface="Times New Roman"/>
               </a:rPr>
               <a:t>The Activity Flow</a:t>
@@ -3488,8 +3369,8 @@
           </a:stretch>
         </p:blipFill>
         <p:spPr>
-          <a:xfrm rot="16140000">
-            <a:off x="17237663" y="33271676"/>
+          <a:xfrm rot="16080000">
+            <a:off x="17192846" y="33011516"/>
             <a:ext cx="2857500" cy="2857500"/>
           </a:xfrm>
           <a:prstGeom prst="rect">
@@ -3511,7 +3392,7 @@
         </p:nvSpPr>
         <p:spPr>
           <a:xfrm>
-            <a:off x="8792044" y="26715264"/>
+            <a:off x="8792045" y="26513172"/>
             <a:ext cx="1530072" cy="523220"/>
           </a:xfrm>
           <a:prstGeom prst="rect">
@@ -3624,6 +3505,7 @@
             <a:pPr algn="ctr"/>
             <a:r>
               <a:rPr lang="en-US" sz="2800" dirty="0">
+                <a:latin typeface="Times New Roman"/>
                 <a:cs typeface="Times New Roman"/>
               </a:rPr>
               <a:t>Directed</a:t>
@@ -3646,7 +3528,7 @@
         </p:nvSpPr>
         <p:spPr>
           <a:xfrm>
-            <a:off x="8768122" y="27096244"/>
+            <a:off x="8768122" y="26894149"/>
             <a:ext cx="1818912" cy="523220"/>
           </a:xfrm>
           <a:prstGeom prst="rect">
@@ -3759,6 +3641,7 @@
             <a:pPr algn="ctr"/>
             <a:r>
               <a:rPr lang="en-US" sz="2800" dirty="0">
+                <a:latin typeface="Times New Roman"/>
                 <a:cs typeface="Times New Roman"/>
               </a:rPr>
               <a:t>Sequential</a:t>
@@ -3780,7 +3663,7 @@
         </p:nvSpPr>
         <p:spPr>
           <a:xfrm>
-            <a:off x="8766613" y="27470842"/>
+            <a:off x="8766613" y="27268745"/>
             <a:ext cx="2107752" cy="523220"/>
           </a:xfrm>
           <a:prstGeom prst="rect">
@@ -3893,6 +3776,7 @@
             <a:pPr algn="ctr"/>
             <a:r>
               <a:rPr lang="en-US" sz="2800" dirty="0">
+                <a:latin typeface="Times New Roman"/>
                 <a:cs typeface="Times New Roman"/>
               </a:rPr>
               <a:t>Mechanistic</a:t>
@@ -3914,7 +3798,7 @@
         </p:nvSpPr>
         <p:spPr>
           <a:xfrm>
-            <a:off x="3692961" y="20367048"/>
+            <a:off x="3692961" y="20164954"/>
             <a:ext cx="2170481" cy="523220"/>
           </a:xfrm>
           <a:prstGeom prst="rect">
@@ -4026,6 +3910,7 @@
           <a:p>
             <a:r>
               <a:rPr lang="en-US" sz="2800" dirty="0">
+                <a:latin typeface="Times New Roman"/>
                 <a:cs typeface="Times New Roman"/>
               </a:rPr>
               <a:t>Mechanistic</a:t>
@@ -4050,7 +3935,7 @@
         </p:nvSpPr>
         <p:spPr>
           <a:xfrm>
-            <a:off x="3698067" y="19998960"/>
+            <a:off x="3698067" y="19796864"/>
             <a:ext cx="2194404" cy="523220"/>
           </a:xfrm>
           <a:prstGeom prst="rect">
@@ -4162,6 +4047,7 @@
           <a:p>
             <a:r>
               <a:rPr lang="en-US" sz="2800" dirty="0">
+                <a:latin typeface="Times New Roman"/>
                 <a:cs typeface="Times New Roman"/>
               </a:rPr>
               <a:t>Directed</a:t>
@@ -4184,7 +4070,7 @@
         </p:nvSpPr>
         <p:spPr>
           <a:xfrm>
-            <a:off x="3683613" y="20892087"/>
+            <a:off x="3683613" y="20689992"/>
             <a:ext cx="2107752" cy="523220"/>
           </a:xfrm>
           <a:prstGeom prst="rect">
@@ -4296,6 +4182,7 @@
           <a:p>
             <a:r>
               <a:rPr lang="en-US" sz="2800" dirty="0">
+                <a:latin typeface="Times New Roman"/>
                 <a:cs typeface="Times New Roman"/>
               </a:rPr>
               <a:t>Sequential</a:t>
@@ -4318,7 +4205,7 @@
         </p:nvSpPr>
         <p:spPr>
           <a:xfrm>
-            <a:off x="13583307" y="19688187"/>
+            <a:off x="13583308" y="19486094"/>
             <a:ext cx="1530072" cy="523220"/>
           </a:xfrm>
           <a:prstGeom prst="rect">
@@ -4431,6 +4318,7 @@
             <a:pPr algn="ctr"/>
             <a:r>
               <a:rPr lang="en-US" sz="2800" dirty="0">
+                <a:latin typeface="Times New Roman"/>
                 <a:cs typeface="Times New Roman"/>
               </a:rPr>
               <a:t>Directed</a:t>
@@ -4453,7 +4341,7 @@
         </p:nvSpPr>
         <p:spPr>
           <a:xfrm>
-            <a:off x="13565851" y="20580952"/>
+            <a:off x="13565850" y="20378858"/>
             <a:ext cx="2169950" cy="523220"/>
           </a:xfrm>
           <a:prstGeom prst="rect">
@@ -4566,6 +4454,7 @@
             <a:pPr algn="ctr"/>
             <a:r>
               <a:rPr lang="en-US" sz="2800" dirty="0">
+                <a:latin typeface="Times New Roman"/>
                 <a:cs typeface="Times New Roman"/>
               </a:rPr>
               <a:t>Mechanistic</a:t>
@@ -4587,7 +4476,7 @@
         </p:nvSpPr>
         <p:spPr>
           <a:xfrm>
-            <a:off x="13421141" y="20062854"/>
+            <a:off x="13421142" y="19860759"/>
             <a:ext cx="2107752" cy="523220"/>
           </a:xfrm>
           <a:prstGeom prst="rect">
@@ -4700,6 +4589,7 @@
             <a:pPr algn="ctr"/>
             <a:r>
               <a:rPr lang="en-US" sz="2800" dirty="0">
+                <a:latin typeface="Times New Roman"/>
                 <a:cs typeface="Times New Roman"/>
               </a:rPr>
               <a:t>Sequential</a:t>
@@ -4721,8 +4611,8 @@
         </p:nvSpPr>
         <p:spPr>
           <a:xfrm>
-            <a:off x="7485" y="39590029"/>
-            <a:ext cx="30231678" cy="3206319"/>
+            <a:off x="7485" y="39036015"/>
+            <a:ext cx="30231678" cy="3760334"/>
           </a:xfrm>
           <a:prstGeom prst="round2SameRect">
             <a:avLst/>
@@ -4780,8 +4670,8 @@
         </p:nvCxnSpPr>
         <p:spPr>
           <a:xfrm>
-            <a:off x="21516325" y="39590410"/>
-            <a:ext cx="68804" cy="3180067"/>
+            <a:off x="21493903" y="38850231"/>
+            <a:ext cx="23959" cy="4122113"/>
           </a:xfrm>
           <a:prstGeom prst="straightConnector1">
             <a:avLst/>
@@ -4824,7 +4714,7 @@
         <p:spPr>
           <a:xfrm flipV="1">
             <a:off x="13978" y="2916"/>
-            <a:ext cx="30247638" cy="6962327"/>
+            <a:ext cx="30225216" cy="6267008"/>
           </a:xfrm>
           <a:prstGeom prst="round2SameRect">
             <a:avLst/>
@@ -4864,7 +4754,7 @@
           <a:lstStyle/>
           <a:p>
             <a:pPr algn="ctr"/>
-            <a:endParaRPr lang="en-US" dirty="0"/>
+            <a:endParaRPr lang="en-US"/>
           </a:p>
         </p:txBody>
       </p:sp>
@@ -4882,8 +4772,8 @@
         </p:nvSpPr>
         <p:spPr>
           <a:xfrm>
-            <a:off x="1059464" y="215448"/>
-            <a:ext cx="22370252" cy="2766188"/>
+            <a:off x="1059463" y="260293"/>
+            <a:ext cx="29200353" cy="2766188"/>
           </a:xfrm>
           <a:prstGeom prst="rect">
             <a:avLst/>
@@ -4899,36 +4789,30 @@
           <a:lstStyle/>
           <a:p>
             <a:r>
-              <a:rPr lang="en-US" sz="8500" b="1" dirty="0">
+              <a:rPr lang="en-US" sz="8500" dirty="0">
+                <a:latin typeface="Georgia"/>
                 <a:ea typeface="Verdana"/>
                 <a:cs typeface="Angsana New"/>
               </a:rPr>
-              <a:t>The Systems Biology Graphical Notation:</a:t>
-            </a:r>
-          </a:p>
-          <a:p>
-            <a:r>
-              <a:rPr lang="en-US" sz="8500" b="1" dirty="0">
+              <a:t>The Systems Biology Graphical Notation: a </a:t>
+            </a:r>
+            <a:r>
+              <a:rPr lang="en-US" sz="8500" dirty="0" err="1">
+                <a:latin typeface="Georgia"/>
                 <a:ea typeface="Verdana"/>
                 <a:cs typeface="Angsana New"/>
               </a:rPr>
-              <a:t>a </a:t>
-            </a:r>
-            <a:r>
-              <a:rPr lang="en-US" sz="8500" b="1" dirty="0" err="1">
+              <a:t>standardised</a:t>
+            </a:r>
+            <a:r>
+              <a:rPr lang="en-US" sz="8500" dirty="0">
+                <a:latin typeface="Georgia"/>
                 <a:ea typeface="Verdana"/>
                 <a:cs typeface="Angsana New"/>
               </a:rPr>
-              <a:t>standardised</a:t>
-            </a:r>
-            <a:r>
-              <a:rPr lang="en-US" sz="8500" b="1" dirty="0">
-                <a:ea typeface="Verdana"/>
-                <a:cs typeface="Angsana New"/>
-              </a:rPr>
               <a:t> representation of biological maps</a:t>
             </a:r>
-            <a:endParaRPr lang="en-US" sz="8500" b="1" dirty="0">
+            <a:endParaRPr lang="en-US" sz="8500">
               <a:cs typeface="Calibri"/>
             </a:endParaRPr>
           </a:p>
@@ -4948,8 +4832,8 @@
         </p:nvSpPr>
         <p:spPr>
           <a:xfrm>
-            <a:off x="1137274" y="2985098"/>
-            <a:ext cx="23804748" cy="3806170"/>
+            <a:off x="1159696" y="2985070"/>
+            <a:ext cx="28594394" cy="2831544"/>
           </a:xfrm>
           <a:prstGeom prst="rect">
             <a:avLst/>
@@ -4965,260 +4849,218 @@
           <a:lstStyle/>
           <a:p>
             <a:r>
-              <a:rPr lang="en-US" sz="3600" dirty="0" err="1">
+              <a:rPr lang="en-US" sz="2800" dirty="0" err="1">
+                <a:latin typeface="Times New Roman"/>
                 <a:cs typeface="Times New Roman"/>
               </a:rPr>
               <a:t>Vasundra</a:t>
             </a:r>
             <a:r>
-              <a:rPr lang="en-US" sz="3600" dirty="0">
+              <a:rPr lang="en-US" sz="2800" dirty="0">
+                <a:latin typeface="Times New Roman"/>
                 <a:cs typeface="Times New Roman"/>
               </a:rPr>
               <a:t> Touré</a:t>
             </a:r>
             <a:r>
-              <a:rPr lang="en-US" sz="3600" baseline="30000" dirty="0">
+              <a:rPr lang="en-US" sz="2800" baseline="30000" dirty="0">
+                <a:latin typeface="Times New Roman"/>
                 <a:cs typeface="Times New Roman"/>
               </a:rPr>
               <a:t>1</a:t>
             </a:r>
             <a:r>
-              <a:rPr lang="en-US" sz="3600" dirty="0">
+              <a:rPr lang="en-US" sz="2800" dirty="0">
+                <a:latin typeface="Times New Roman"/>
                 <a:cs typeface="Times New Roman"/>
               </a:rPr>
               <a:t>, Alexander Mazein</a:t>
             </a:r>
             <a:r>
-              <a:rPr lang="en-US" sz="3600" baseline="30000" dirty="0">
+              <a:rPr lang="en-US" sz="2800" baseline="30000" dirty="0">
+                <a:latin typeface="Times New Roman"/>
                 <a:cs typeface="Times New Roman"/>
               </a:rPr>
               <a:t>2</a:t>
             </a:r>
             <a:r>
-              <a:rPr lang="en-US" sz="3600" dirty="0">
+              <a:rPr lang="en-US" sz="2800" dirty="0">
+                <a:latin typeface="Times New Roman"/>
                 <a:cs typeface="Times New Roman"/>
               </a:rPr>
               <a:t>, Adrien Rougny</a:t>
             </a:r>
             <a:r>
-              <a:rPr lang="en-US" sz="3600" baseline="30000" dirty="0">
+              <a:rPr lang="en-US" sz="2800" baseline="30000" dirty="0">
+                <a:latin typeface="Times New Roman"/>
                 <a:cs typeface="Times New Roman"/>
               </a:rPr>
               <a:t>3</a:t>
             </a:r>
             <a:r>
-              <a:rPr lang="en-US" sz="3600" dirty="0">
+              <a:rPr lang="en-US" sz="2800" dirty="0">
+                <a:latin typeface="Times New Roman"/>
                 <a:cs typeface="Times New Roman"/>
               </a:rPr>
               <a:t>, Andreas Dräger</a:t>
             </a:r>
             <a:r>
-              <a:rPr lang="en-US" sz="3600" baseline="30000" dirty="0">
-                <a:cs typeface="Times New Roman"/>
-              </a:rPr>
-              <a:t>4,5</a:t>
-            </a:r>
-            <a:r>
-              <a:rPr lang="en-US" sz="3600" dirty="0">
+              <a:rPr lang="en-US" sz="2800" baseline="30000" dirty="0">
+                <a:latin typeface="Times New Roman"/>
+                <a:cs typeface="Times New Roman"/>
+              </a:rPr>
+              <a:t>4</a:t>
+            </a:r>
+            <a:r>
+              <a:rPr lang="en-US" sz="2800" dirty="0">
+                <a:latin typeface="Times New Roman"/>
                 <a:cs typeface="Times New Roman"/>
               </a:rPr>
               <a:t>, Ugur Dogrusoz</a:t>
             </a:r>
             <a:r>
-              <a:rPr lang="en-US" sz="3600" baseline="30000" dirty="0">
+              <a:rPr lang="en-US" sz="2800" baseline="30000" dirty="0">
+                <a:latin typeface="Times New Roman"/>
+                <a:cs typeface="Times New Roman"/>
+              </a:rPr>
+              <a:t>5</a:t>
+            </a:r>
+            <a:r>
+              <a:rPr lang="en-US" sz="2800" dirty="0">
+                <a:latin typeface="Times New Roman"/>
+                <a:cs typeface="Times New Roman"/>
+              </a:rPr>
+              <a:t>, Augustin Luna</a:t>
+            </a:r>
+            <a:r>
+              <a:rPr lang="en-US" sz="2800" baseline="30000" dirty="0">
+                <a:latin typeface="Times New Roman"/>
                 <a:cs typeface="Times New Roman"/>
               </a:rPr>
               <a:t>6</a:t>
             </a:r>
-            <a:r>
-              <a:rPr lang="en-US" sz="3600" dirty="0">
-                <a:cs typeface="Times New Roman"/>
-              </a:rPr>
-              <a:t>, Augustin Luna</a:t>
-            </a:r>
-            <a:r>
-              <a:rPr lang="en-US" sz="3600" baseline="30000" dirty="0">
-                <a:cs typeface="Times New Roman"/>
-              </a:rPr>
-              <a:t>7</a:t>
-            </a:r>
-            <a:r>
-              <a:rPr lang="en-US" sz="3600" dirty="0">
-                <a:cs typeface="Times New Roman"/>
-              </a:rPr>
-              <a:t>, Nicolas Le Novère</a:t>
-            </a:r>
-            <a:r>
-              <a:rPr lang="en-US" sz="3600" baseline="30000" dirty="0">
-                <a:cs typeface="Times New Roman"/>
-              </a:rPr>
-              <a:t>8</a:t>
-            </a:r>
-            <a:endParaRPr lang="en-US" sz="3600" dirty="0">
+            <a:endParaRPr lang="en-US" sz="2800" dirty="0">
+              <a:latin typeface="Times New Roman"/>
               <a:cs typeface="Times New Roman"/>
             </a:endParaRPr>
           </a:p>
           <a:p>
             <a:r>
-              <a:rPr lang="en-US" sz="2800" baseline="30000" dirty="0">
+              <a:rPr lang="en-US" sz="2500" baseline="30000" dirty="0">
+                <a:latin typeface="Times New Roman"/>
                 <a:cs typeface="Times New Roman"/>
               </a:rPr>
               <a:t>1 Department of Biology, Norwegian University of Science and Technology, Trondheim, Norway</a:t>
             </a:r>
-            <a:endParaRPr lang="en-US" sz="2800" dirty="0">
-              <a:cs typeface="Calibri"/>
-            </a:endParaRPr>
-          </a:p>
-          <a:p>
-            <a:r>
-              <a:rPr lang="en-US" sz="2800" baseline="30000" dirty="0">
-                <a:cs typeface="Times New Roman"/>
-              </a:rPr>
-              <a:t>2 European Institute for Systems Biology and Medicine, CIRI UMR5308, CNRS-ENS-UCBL-INSERM, </a:t>
-            </a:r>
-            <a:r>
-              <a:rPr lang="en-US" sz="2800" baseline="30000" dirty="0" err="1">
-                <a:cs typeface="Times New Roman"/>
-              </a:rPr>
-              <a:t>Université</a:t>
-            </a:r>
-            <a:r>
-              <a:rPr lang="en-US" sz="2800" baseline="30000" dirty="0">
-                <a:cs typeface="Times New Roman"/>
-              </a:rPr>
-              <a:t> de Lyon, 50 Avenue Tony Garnier, 69007 Lyon, France</a:t>
-            </a:r>
-            <a:endParaRPr lang="en-US" sz="2800">
-              <a:cs typeface="Calibri"/>
-            </a:endParaRPr>
-          </a:p>
-          <a:p>
-            <a:r>
-              <a:rPr lang="en-US" sz="2800" baseline="30000" dirty="0">
-                <a:cs typeface="Times New Roman"/>
-              </a:rPr>
-              <a:t>3 Biotechnology Research Institute for Drug Discovery, National Institute of Advanced Industrial Science and Technology, </a:t>
-            </a:r>
-            <a:r>
-              <a:rPr lang="en-US" sz="2800" baseline="30000" dirty="0" err="1">
-                <a:cs typeface="Times New Roman"/>
-              </a:rPr>
-              <a:t>Aomi</a:t>
-            </a:r>
-            <a:r>
-              <a:rPr lang="en-US" sz="2800" baseline="30000" dirty="0">
-                <a:cs typeface="Times New Roman"/>
-              </a:rPr>
-              <a:t>, Tokyo 135-0064, Japan</a:t>
-            </a:r>
-            <a:endParaRPr lang="en-US" sz="2800" dirty="0">
-              <a:cs typeface="Calibri"/>
-            </a:endParaRPr>
-          </a:p>
-          <a:p>
-            <a:r>
-              <a:rPr lang="en-US" sz="2800" baseline="30000" dirty="0">
-                <a:cs typeface="Times New Roman"/>
-              </a:rPr>
-              <a:t>4 </a:t>
-            </a:r>
-            <a:r>
-              <a:rPr lang="en-US" sz="2800" baseline="30000" dirty="0"/>
-              <a:t>Computational Systems Biology of Infection and Antimicrobial-Resistant Pathogens, Center for Bioinformatics Tübingen (ZBIT), 72076 Tübingen, Germany</a:t>
-            </a:r>
-            <a:endParaRPr lang="en-US" sz="2800" baseline="30000" dirty="0">
-              <a:cs typeface="Calibri"/>
-            </a:endParaRPr>
-          </a:p>
-          <a:p>
-            <a:r>
-              <a:rPr lang="en-US" sz="2800" baseline="30000" dirty="0">
-                <a:cs typeface="Calibri"/>
-              </a:rPr>
-              <a:t>5 Department for Computer Science, University of Tübingen, 72076 Tübingen, Germany</a:t>
-            </a:r>
-            <a:endParaRPr lang="en-US" sz="2800" baseline="30000" dirty="0">
+            <a:endParaRPr lang="en-US" sz="2500" dirty="0">
+              <a:latin typeface="Times New Roman"/>
               <a:cs typeface="Times New Roman"/>
             </a:endParaRPr>
           </a:p>
           <a:p>
             <a:r>
-              <a:rPr lang="en-US" sz="2800" baseline="30000" dirty="0">
-                <a:cs typeface="Times New Roman"/>
-              </a:rPr>
-              <a:t>6 Computer Engineering Department, </a:t>
-            </a:r>
-            <a:r>
-              <a:rPr lang="en-US" sz="2800" baseline="30000" dirty="0" err="1">
-                <a:cs typeface="Times New Roman"/>
-              </a:rPr>
-              <a:t>Bilkent</a:t>
-            </a:r>
-            <a:r>
-              <a:rPr lang="en-US" sz="2800" baseline="30000" dirty="0">
-                <a:cs typeface="Times New Roman"/>
-              </a:rPr>
-              <a:t> University, Ankara 06800, Turkey</a:t>
-            </a:r>
-            <a:endParaRPr lang="en-US" sz="2800" dirty="0">
-              <a:cs typeface="Calibri"/>
+              <a:rPr lang="en-US" sz="2500" baseline="30000" dirty="0">
+                <a:latin typeface="Times New Roman"/>
+                <a:cs typeface="Times New Roman"/>
+              </a:rPr>
+              <a:t>2 European Institute for Systems Biology and Medicine, CIRI UMR5308, CNRS-ENS-UCBL-INSERM, </a:t>
+            </a:r>
+            <a:r>
+              <a:rPr lang="en-US" sz="2500" baseline="30000" dirty="0" err="1">
+                <a:latin typeface="Times New Roman"/>
+                <a:cs typeface="Times New Roman"/>
+              </a:rPr>
+              <a:t>Université</a:t>
+            </a:r>
+            <a:r>
+              <a:rPr lang="en-US" sz="2500" baseline="30000" dirty="0">
+                <a:latin typeface="Times New Roman"/>
+                <a:cs typeface="Times New Roman"/>
+              </a:rPr>
+              <a:t> de Lyon, 50 Avenue Tony Garnier, 69007 Lyon, France</a:t>
+            </a:r>
+            <a:endParaRPr lang="en-US" sz="2500">
+              <a:latin typeface="Times New Roman"/>
+              <a:cs typeface="Times New Roman"/>
             </a:endParaRPr>
           </a:p>
           <a:p>
             <a:r>
-              <a:rPr lang="en-US" sz="2800" baseline="30000" dirty="0">
-                <a:cs typeface="Times New Roman"/>
-              </a:rPr>
-              <a:t>7 </a:t>
-            </a:r>
-            <a:r>
-              <a:rPr lang="en-US" sz="2800" baseline="30000" dirty="0" err="1">
+              <a:rPr lang="en-US" sz="2500" baseline="30000" dirty="0">
+                <a:latin typeface="Times New Roman"/>
+                <a:cs typeface="Times New Roman"/>
+              </a:rPr>
+              <a:t>3 Biotechnology Research Institute for Drug Discovery, National Institute of Advanced Industrial Science and Technology, </a:t>
+            </a:r>
+            <a:r>
+              <a:rPr lang="en-US" sz="2500" baseline="30000" dirty="0" err="1">
+                <a:latin typeface="Times New Roman"/>
+                <a:cs typeface="Times New Roman"/>
+              </a:rPr>
+              <a:t>Aomi</a:t>
+            </a:r>
+            <a:r>
+              <a:rPr lang="en-US" sz="2500" baseline="30000" dirty="0">
+                <a:latin typeface="Times New Roman"/>
+                <a:cs typeface="Times New Roman"/>
+              </a:rPr>
+              <a:t>, Tokyo 135-0064, Japan</a:t>
+            </a:r>
+            <a:endParaRPr lang="en-US" sz="2500">
+              <a:latin typeface="Times New Roman"/>
+              <a:cs typeface="Times New Roman"/>
+            </a:endParaRPr>
+          </a:p>
+          <a:p>
+            <a:r>
+              <a:rPr lang="en-US" sz="2500" baseline="30000" dirty="0">
+                <a:latin typeface="Times New Roman"/>
+                <a:cs typeface="Times New Roman"/>
+              </a:rPr>
+              <a:t>4 Center for Bioinformatics Tübingen (ZBIT), University of Tübingen, Tübingen, Germany</a:t>
+            </a:r>
+            <a:endParaRPr lang="en-US" sz="2500" dirty="0">
+              <a:latin typeface="Times New Roman"/>
+              <a:cs typeface="Times New Roman"/>
+            </a:endParaRPr>
+          </a:p>
+          <a:p>
+            <a:r>
+              <a:rPr lang="en-US" sz="2500" baseline="30000" dirty="0">
+                <a:latin typeface="Times New Roman"/>
+                <a:cs typeface="Times New Roman"/>
+              </a:rPr>
+              <a:t>5 Computer Engineering Department, Bilkent University, Ankara 06800, Turkey</a:t>
+            </a:r>
+            <a:endParaRPr lang="en-US" sz="2500">
+              <a:latin typeface="Times New Roman"/>
+              <a:cs typeface="Times New Roman"/>
+            </a:endParaRPr>
+          </a:p>
+          <a:p>
+            <a:r>
+              <a:rPr lang="en-US" sz="2500" baseline="30000" dirty="0">
+                <a:latin typeface="Times New Roman"/>
+                <a:cs typeface="Times New Roman"/>
+              </a:rPr>
+              <a:t>6 </a:t>
+            </a:r>
+            <a:r>
+              <a:rPr lang="en-US" sz="2500" baseline="30000" dirty="0" err="1">
+                <a:latin typeface="Times New Roman"/>
                 <a:cs typeface="Times New Roman"/>
               </a:rPr>
               <a:t>cBio</a:t>
             </a:r>
             <a:r>
-              <a:rPr lang="en-US" sz="2800" baseline="30000" dirty="0">
+              <a:rPr lang="en-US" sz="2500" baseline="30000" dirty="0">
+                <a:latin typeface="Times New Roman"/>
                 <a:cs typeface="Times New Roman"/>
               </a:rPr>
               <a:t> Center, Dana-Farber Cancer Institute, Boston, MA; Department of Cell Biology, Harvard Medical School, Boston, MA 02215, USA</a:t>
             </a:r>
-            <a:endParaRPr lang="en-US" sz="2800">
-              <a:cs typeface="Calibri"/>
-            </a:endParaRPr>
-          </a:p>
-          <a:p>
-            <a:r>
-              <a:rPr lang="en-US" sz="2800" baseline="30000" dirty="0">
-                <a:cs typeface="Times New Roman"/>
-              </a:rPr>
-              <a:t>8 The </a:t>
-            </a:r>
-            <a:r>
-              <a:rPr lang="en-US" sz="2800" baseline="30000" dirty="0" err="1">
-                <a:cs typeface="Times New Roman"/>
-              </a:rPr>
-              <a:t>Babraham</a:t>
-            </a:r>
-            <a:r>
-              <a:rPr lang="en-US" sz="2800" baseline="30000" dirty="0">
-                <a:cs typeface="Times New Roman"/>
-              </a:rPr>
-              <a:t> Institute, Cambridge, </a:t>
-            </a:r>
-            <a:r>
-              <a:rPr lang="en-US" sz="2800" baseline="30000" dirty="0" err="1">
-                <a:cs typeface="Times New Roman"/>
-              </a:rPr>
-              <a:t>Cambridgeshire</a:t>
-            </a:r>
-            <a:r>
-              <a:rPr lang="en-US" sz="2800" baseline="30000" dirty="0">
-                <a:cs typeface="Times New Roman"/>
-              </a:rPr>
-              <a:t>, UK</a:t>
-            </a:r>
-            <a:endParaRPr lang="en-US" sz="2800" dirty="0">
+            <a:endParaRPr lang="en-US" sz="2500" dirty="0">
+              <a:latin typeface="Times New Roman"/>
               <a:cs typeface="Times New Roman"/>
             </a:endParaRPr>
           </a:p>
@@ -5246,7 +5088,7 @@
         </p:blipFill>
         <p:spPr>
           <a:xfrm>
-            <a:off x="7259552" y="19382059"/>
+            <a:off x="7259552" y="19179964"/>
             <a:ext cx="4251737" cy="2058473"/>
           </a:xfrm>
           <a:prstGeom prst="rect">
@@ -5268,7 +5110,7 @@
         </p:nvSpPr>
         <p:spPr>
           <a:xfrm>
-            <a:off x="6100345" y="25597900"/>
+            <a:off x="6100345" y="25395803"/>
             <a:ext cx="6989933" cy="954107"/>
           </a:xfrm>
           <a:prstGeom prst="rect">
@@ -5286,6 +5128,7 @@
           <a:p>
             <a:r>
               <a:rPr lang="en-US" sz="2800" dirty="0">
+                <a:latin typeface="Times New Roman"/>
                 <a:cs typeface="Times New Roman"/>
               </a:rPr>
               <a:t>Based on reactions and well-suited for detailed sequential biochemical mechanisms.</a:t>
@@ -5310,7 +5153,7 @@
         </p:nvSpPr>
         <p:spPr>
           <a:xfrm>
-            <a:off x="11484488" y="17776127"/>
+            <a:off x="11484487" y="17574033"/>
             <a:ext cx="6152296" cy="1384995"/>
           </a:xfrm>
           <a:prstGeom prst="rect">
@@ -5328,17 +5171,20 @@
           <a:p>
             <a:r>
               <a:rPr lang="en-US" sz="2800" dirty="0">
+                <a:latin typeface="Times New Roman"/>
                 <a:cs typeface="Times New Roman"/>
               </a:rPr>
               <a:t>Cascades of influences between the activities carried by biomolecular </a:t>
             </a:r>
             <a:endParaRPr lang="en-US">
+              <a:latin typeface="Calibri"/>
               <a:cs typeface="Calibri"/>
             </a:endParaRPr>
           </a:p>
           <a:p>
             <a:r>
               <a:rPr lang="en-US" sz="2800" dirty="0">
+                <a:latin typeface="Times New Roman"/>
                 <a:cs typeface="Times New Roman"/>
               </a:rPr>
               <a:t>entities (e.g., stimulation, inhibition).</a:t>
@@ -5363,7 +5209,7 @@
         </p:nvSpPr>
         <p:spPr>
           <a:xfrm>
-            <a:off x="1941966" y="18572006"/>
+            <a:off x="1941966" y="18369914"/>
             <a:ext cx="5632385" cy="1384995"/>
           </a:xfrm>
           <a:prstGeom prst="rect">
@@ -5381,6 +5227,7 @@
           <a:p>
             <a:r>
               <a:rPr lang="en-US" sz="2800" dirty="0">
+                <a:latin typeface="Times New Roman"/>
                 <a:cs typeface="Times New Roman"/>
               </a:rPr>
               <a:t>Independent interactions between </a:t>
@@ -5390,22 +5237,26 @@
           <a:p>
             <a:r>
               <a:rPr lang="en-US" sz="2800" dirty="0">
+                <a:latin typeface="Times New Roman"/>
                 <a:cs typeface="Times New Roman"/>
               </a:rPr>
               <a:t>features of biological entities that</a:t>
             </a:r>
             <a:endParaRPr lang="en-US" dirty="0">
+              <a:latin typeface="Calibri"/>
               <a:cs typeface="Calibri"/>
             </a:endParaRPr>
           </a:p>
           <a:p>
             <a:r>
               <a:rPr lang="en-US" sz="2800" dirty="0">
+                <a:latin typeface="Times New Roman"/>
                 <a:cs typeface="Times New Roman"/>
               </a:rPr>
               <a:t>avoids combinatorial explosions.</a:t>
             </a:r>
             <a:endParaRPr lang="en-US" dirty="0">
+              <a:latin typeface="Calibri"/>
               <a:cs typeface="Calibri"/>
             </a:endParaRPr>
           </a:p>
@@ -5425,7 +5276,7 @@
         </p:nvSpPr>
         <p:spPr>
           <a:xfrm>
-            <a:off x="1146970" y="6911263"/>
+            <a:off x="1146970" y="6326700"/>
             <a:ext cx="28022713" cy="3354765"/>
           </a:xfrm>
           <a:prstGeom prst="rect">
@@ -5444,12 +5295,14 @@
             <a:pPr algn="just"/>
             <a:r>
               <a:rPr lang="en-US" sz="5200" b="1" dirty="0">
+                <a:latin typeface="Times New Roman"/>
                 <a:cs typeface="Times New Roman"/>
               </a:rPr>
               <a:t>V</a:t>
             </a:r>
             <a:r>
               <a:rPr lang="en-US" sz="4000" dirty="0">
+                <a:latin typeface="Times New Roman"/>
                 <a:cs typeface="Times New Roman"/>
               </a:rPr>
               <a:t>isualization of biological processes plays an essential role in life science research. Over time, diverse forms of diagrammatic representations, akin to circuit diagrams, have evolved without well-defined semantics potentially leading to ambiguous network interpretations and difficult programmatic processing. The Systems Biology Graphical Notation (SBGN) is a standard developed to reduce ambiguity in the visual representation of biomolecular networks. It provides specific sets of well-defined symbols to represent various types of biological concepts.</a:t>
@@ -5474,8 +5327,8 @@
         </p:nvSpPr>
         <p:spPr>
           <a:xfrm>
-            <a:off x="88920" y="39956087"/>
-            <a:ext cx="21428942" cy="2677656"/>
+            <a:off x="473158" y="39144356"/>
+            <a:ext cx="20446160" cy="3477875"/>
           </a:xfrm>
           <a:prstGeom prst="rect">
             <a:avLst/>
@@ -5492,336 +5345,415 @@
           <a:p>
             <a:pPr algn="just"/>
             <a:r>
-              <a:rPr lang="en-US" sz="2400" dirty="0">
+              <a:rPr lang="en-US" sz="2200" dirty="0">
+                <a:latin typeface="Times New Roman"/>
                 <a:cs typeface="Times New Roman"/>
               </a:rPr>
               <a:t>[1] Nicolas Le </a:t>
             </a:r>
             <a:r>
-              <a:rPr lang="en-US" sz="2400" dirty="0" err="1">
+              <a:rPr lang="en-US" sz="2200" dirty="0" err="1">
+                <a:latin typeface="Times New Roman"/>
                 <a:cs typeface="Times New Roman"/>
               </a:rPr>
               <a:t>Novère</a:t>
             </a:r>
             <a:r>
-              <a:rPr lang="en-US" sz="2400" dirty="0">
+              <a:rPr lang="en-US" sz="2200" dirty="0">
+                <a:latin typeface="Times New Roman"/>
+                <a:cs typeface="Times New Roman"/>
+              </a:rPr>
+              <a:t>, Michael </a:t>
+            </a:r>
+            <a:r>
+              <a:rPr lang="en-US" sz="2200" dirty="0" err="1">
+                <a:latin typeface="Times New Roman"/>
+                <a:cs typeface="Times New Roman"/>
+              </a:rPr>
+              <a:t>Hucka</a:t>
+            </a:r>
+            <a:r>
+              <a:rPr lang="en-US" sz="2200" dirty="0">
+                <a:latin typeface="Times New Roman"/>
                 <a:cs typeface="Times New Roman"/>
               </a:rPr>
               <a:t>, </a:t>
             </a:r>
             <a:r>
-              <a:rPr lang="en-US" sz="2400" i="1" dirty="0">
-                <a:cs typeface="Times New Roman"/>
-              </a:rPr>
-              <a:t>et al</a:t>
-            </a:r>
-            <a:r>
-              <a:rPr lang="en-US" sz="2400" dirty="0">
-                <a:cs typeface="Times New Roman"/>
-              </a:rPr>
-              <a:t>. 2009. “The Systems Biology Graphical Notation.” </a:t>
-            </a:r>
-            <a:r>
-              <a:rPr lang="en-US" sz="2400" i="1" dirty="0">
+              <a:rPr lang="en-US" sz="2200" dirty="0" err="1">
+                <a:latin typeface="Times New Roman"/>
+                <a:cs typeface="Times New Roman"/>
+              </a:rPr>
+              <a:t>Huaiyu</a:t>
+            </a:r>
+            <a:r>
+              <a:rPr lang="en-US" sz="2200" dirty="0">
+                <a:latin typeface="Times New Roman"/>
+                <a:cs typeface="Times New Roman"/>
+              </a:rPr>
+              <a:t> Mi, et al. 2009. “The Systems Biology Graphical Notation.” </a:t>
+            </a:r>
+            <a:r>
+              <a:rPr lang="en-US" sz="2200" i="1" dirty="0">
+                <a:latin typeface="Times New Roman"/>
                 <a:cs typeface="Times New Roman"/>
               </a:rPr>
               <a:t>Nature Biotechnology</a:t>
             </a:r>
             <a:r>
-              <a:rPr lang="en-US" sz="2400" dirty="0">
+              <a:rPr lang="en-US" sz="2200" dirty="0">
+                <a:latin typeface="Times New Roman"/>
                 <a:cs typeface="Times New Roman"/>
               </a:rPr>
               <a:t> 27 (8): 735–41. </a:t>
             </a:r>
             <a:r>
-              <a:rPr lang="en-US" sz="2400" u="sng" dirty="0">
+              <a:rPr lang="en-US" sz="2200" u="sng" dirty="0">
                 <a:solidFill>
                   <a:srgbClr val="1155CC"/>
                 </a:solidFill>
+                <a:latin typeface="Times New Roman"/>
                 <a:cs typeface="Times New Roman"/>
                 <a:hlinkClick r:id="rId7"/>
               </a:rPr>
               <a:t>doi:10.1038/nbt.1558</a:t>
             </a:r>
             <a:r>
-              <a:rPr lang="en-US" sz="2400" dirty="0">
+              <a:rPr lang="en-US" sz="2200" dirty="0">
+                <a:latin typeface="Times New Roman"/>
                 <a:cs typeface="Times New Roman"/>
               </a:rPr>
               <a:t>.</a:t>
             </a:r>
-            <a:endParaRPr lang="en-US" sz="2400" dirty="0">
-              <a:cs typeface="Calibri"/>
+          </a:p>
+          <a:p>
+            <a:pPr algn="just"/>
+            <a:r>
+              <a:rPr lang="en-US" sz="2200" dirty="0">
+                <a:latin typeface="Times New Roman"/>
+                <a:cs typeface="Times New Roman"/>
+              </a:rPr>
+              <a:t>[2] Stuart Moodie, Nicolas Le </a:t>
+            </a:r>
+            <a:r>
+              <a:rPr lang="en-US" sz="2200" dirty="0" err="1">
+                <a:latin typeface="Times New Roman"/>
+                <a:cs typeface="Times New Roman"/>
+              </a:rPr>
+              <a:t>Novère</a:t>
+            </a:r>
+            <a:r>
+              <a:rPr lang="en-US" sz="2200" dirty="0">
+                <a:latin typeface="Times New Roman"/>
+                <a:cs typeface="Times New Roman"/>
+              </a:rPr>
+              <a:t>, Emek Demir, et al. 2010 “Systems Biology Graphical Notation: Process Description language Level 1 Version 1.3.” </a:t>
+            </a:r>
+            <a:r>
+              <a:rPr lang="en-US" sz="2200" u="sng" dirty="0">
+                <a:solidFill>
+                  <a:srgbClr val="1155CC"/>
+                </a:solidFill>
+                <a:latin typeface="Times New Roman"/>
+                <a:cs typeface="Times New Roman"/>
+                <a:hlinkClick r:id="rId8"/>
+              </a:rPr>
+              <a:t>doi:10.2390/biecoll-jib-2015-263</a:t>
+            </a:r>
+            <a:r>
+              <a:rPr lang="en-US" sz="2200" dirty="0">
+                <a:latin typeface="Times New Roman"/>
+                <a:cs typeface="Times New Roman"/>
+              </a:rPr>
+              <a:t>.</a:t>
+            </a:r>
+          </a:p>
+          <a:p>
+            <a:pPr algn="just"/>
+            <a:r>
+              <a:rPr lang="en-US" sz="2200" dirty="0">
+                <a:latin typeface="Times New Roman"/>
+                <a:cs typeface="Times New Roman"/>
+              </a:rPr>
+              <a:t>[3] Anatoly Sorokin, Nicolas Le </a:t>
+            </a:r>
+            <a:r>
+              <a:rPr lang="en-US" sz="2200" dirty="0" err="1">
+                <a:latin typeface="Times New Roman"/>
+                <a:cs typeface="Times New Roman"/>
+              </a:rPr>
+              <a:t>Novère</a:t>
+            </a:r>
+            <a:r>
+              <a:rPr lang="en-US" sz="2200" dirty="0">
+                <a:latin typeface="Times New Roman"/>
+                <a:cs typeface="Times New Roman"/>
+              </a:rPr>
+              <a:t>, Augustin Luna, et al. 2015. “Systems Biology Graphical Notation: Entity Relationship language Level 1, Version 2.” </a:t>
+            </a:r>
+            <a:r>
+              <a:rPr lang="en-US" sz="2200" u="sng" dirty="0">
+                <a:solidFill>
+                  <a:srgbClr val="1155CC"/>
+                </a:solidFill>
+                <a:latin typeface="Times New Roman"/>
+                <a:cs typeface="Times New Roman"/>
+                <a:hlinkClick r:id="rId9"/>
+              </a:rPr>
+              <a:t>doi:10.2390/biecoll-jib-2015-264</a:t>
+            </a:r>
+            <a:r>
+              <a:rPr lang="en-US" sz="2200" dirty="0">
+                <a:latin typeface="Times New Roman"/>
+                <a:cs typeface="Times New Roman"/>
+              </a:rPr>
+              <a:t>.</a:t>
+            </a:r>
+          </a:p>
+          <a:p>
+            <a:pPr algn="just"/>
+            <a:r>
+              <a:rPr lang="en-US" sz="2200" dirty="0">
+                <a:latin typeface="Times New Roman"/>
+                <a:cs typeface="Times New Roman"/>
+              </a:rPr>
+              <a:t>[4] </a:t>
+            </a:r>
+            <a:r>
+              <a:rPr lang="en-US" sz="2200" dirty="0" err="1">
+                <a:latin typeface="Times New Roman"/>
+                <a:cs typeface="Times New Roman"/>
+              </a:rPr>
+              <a:t>Huaiyu</a:t>
+            </a:r>
+            <a:r>
+              <a:rPr lang="en-US" sz="2200" dirty="0">
+                <a:latin typeface="Times New Roman"/>
+                <a:cs typeface="Times New Roman"/>
+              </a:rPr>
+              <a:t> Mi, Falk Schreiber, Stuart Moodie, et al. 2015. “Systems Biology Graphical Notation: Activity Flow language Level 1, Version 1.2.” </a:t>
+            </a:r>
+            <a:r>
+              <a:rPr lang="en-US" sz="2200" u="sng" dirty="0">
+                <a:solidFill>
+                  <a:srgbClr val="1155CC"/>
+                </a:solidFill>
+                <a:latin typeface="Times New Roman"/>
+                <a:cs typeface="Times New Roman"/>
+                <a:hlinkClick r:id="rId10"/>
+              </a:rPr>
+              <a:t>doi:10.2390/biecoll-jib-2015-265</a:t>
+            </a:r>
+            <a:r>
+              <a:rPr lang="en-US" sz="2200" dirty="0">
+                <a:latin typeface="Times New Roman"/>
+                <a:cs typeface="Times New Roman"/>
+              </a:rPr>
+              <a:t>.</a:t>
+            </a:r>
+          </a:p>
+          <a:p>
+            <a:pPr algn="just"/>
+            <a:r>
+              <a:rPr lang="en-US" sz="2200" dirty="0">
+                <a:latin typeface="Times New Roman"/>
+                <a:cs typeface="Times New Roman"/>
+              </a:rPr>
+              <a:t>[5] </a:t>
+            </a:r>
+            <a:r>
+              <a:rPr lang="en-US" sz="2200" dirty="0" err="1">
+                <a:latin typeface="Times New Roman"/>
+                <a:cs typeface="Times New Roman"/>
+              </a:rPr>
+              <a:t>Martijn</a:t>
+            </a:r>
+            <a:r>
+              <a:rPr lang="en-US" sz="2200" dirty="0">
+                <a:latin typeface="Times New Roman"/>
+                <a:cs typeface="Times New Roman"/>
+              </a:rPr>
+              <a:t> van </a:t>
+            </a:r>
+            <a:r>
+              <a:rPr lang="en-US" sz="2200" dirty="0" err="1">
+                <a:latin typeface="Times New Roman"/>
+                <a:cs typeface="Times New Roman"/>
+              </a:rPr>
+              <a:t>Iersel</a:t>
+            </a:r>
+            <a:r>
+              <a:rPr lang="en-US" sz="2200" dirty="0">
+                <a:latin typeface="Times New Roman"/>
+                <a:cs typeface="Times New Roman"/>
+              </a:rPr>
+              <a:t>, Alice </a:t>
+            </a:r>
+            <a:r>
+              <a:rPr lang="en-US" sz="2200" dirty="0" err="1">
+                <a:latin typeface="Times New Roman"/>
+                <a:cs typeface="Times New Roman"/>
+              </a:rPr>
+              <a:t>Villéger</a:t>
+            </a:r>
+            <a:r>
+              <a:rPr lang="en-US" sz="2200" dirty="0">
+                <a:latin typeface="Times New Roman"/>
+                <a:cs typeface="Times New Roman"/>
+              </a:rPr>
+              <a:t>, Tobias </a:t>
+            </a:r>
+            <a:r>
+              <a:rPr lang="en-US" sz="2200" dirty="0" err="1">
+                <a:latin typeface="Times New Roman"/>
+                <a:cs typeface="Times New Roman"/>
+              </a:rPr>
+              <a:t>Czauderna</a:t>
+            </a:r>
+            <a:r>
+              <a:rPr lang="en-US" sz="2200" dirty="0">
+                <a:latin typeface="Times New Roman"/>
+                <a:cs typeface="Times New Roman"/>
+              </a:rPr>
+              <a:t>, et al. 2012. “Software support for SBGN maps: SBGN-ML and </a:t>
+            </a:r>
+            <a:r>
+              <a:rPr lang="en-US" sz="2200" dirty="0" err="1">
+                <a:latin typeface="Times New Roman"/>
+                <a:cs typeface="Times New Roman"/>
+              </a:rPr>
+              <a:t>LibSBGN</a:t>
+            </a:r>
+            <a:r>
+              <a:rPr lang="en-US" sz="2200" dirty="0">
+                <a:latin typeface="Times New Roman"/>
+                <a:cs typeface="Times New Roman"/>
+              </a:rPr>
+              <a:t>.” </a:t>
+            </a:r>
+            <a:r>
+              <a:rPr lang="en-US" sz="2200" i="1" dirty="0">
+                <a:latin typeface="Times New Roman"/>
+                <a:cs typeface="Times New Roman"/>
+              </a:rPr>
+              <a:t>Bioinformatics</a:t>
+            </a:r>
+            <a:r>
+              <a:rPr lang="en-US" sz="2200" dirty="0">
+                <a:latin typeface="Times New Roman"/>
+                <a:cs typeface="Times New Roman"/>
+              </a:rPr>
+              <a:t>. </a:t>
+            </a:r>
+            <a:r>
+              <a:rPr lang="en-US" sz="2200" u="sng" dirty="0">
+                <a:latin typeface="Times New Roman"/>
+                <a:cs typeface="Times New Roman"/>
+                <a:hlinkClick r:id="rId11"/>
+              </a:rPr>
+              <a:t>doi:10.1093/bioinformatics/bts270</a:t>
+            </a:r>
+            <a:r>
+              <a:rPr lang="en-US" sz="2200" u="sng" dirty="0">
+                <a:latin typeface="Times New Roman"/>
+                <a:cs typeface="Times New Roman"/>
+              </a:rPr>
+              <a:t>.</a:t>
+            </a:r>
+            <a:endParaRPr lang="en-US" sz="2200" dirty="0">
+              <a:latin typeface="Times New Roman"/>
+              <a:cs typeface="Times New Roman"/>
             </a:endParaRPr>
           </a:p>
           <a:p>
             <a:pPr algn="just"/>
             <a:r>
-              <a:rPr lang="en-US" sz="2400" dirty="0">
-                <a:cs typeface="Times New Roman"/>
-              </a:rPr>
-              <a:t>[2] Stuart Moodie, </a:t>
-            </a:r>
-            <a:r>
-              <a:rPr lang="en-US" sz="2400" i="1" dirty="0">
-                <a:cs typeface="Times New Roman"/>
-              </a:rPr>
-              <a:t>et al</a:t>
-            </a:r>
-            <a:r>
-              <a:rPr lang="en-US" sz="2400" dirty="0">
-                <a:cs typeface="Times New Roman"/>
-              </a:rPr>
-              <a:t>. 2010 “Systems Biology Graphical Notation: Process Description language Level 1 Version 1.3.” </a:t>
-            </a:r>
-            <a:r>
-              <a:rPr lang="en-US" sz="2400" u="sng" dirty="0">
-                <a:solidFill>
-                  <a:srgbClr val="1155CC"/>
-                </a:solidFill>
-                <a:cs typeface="Times New Roman"/>
-                <a:hlinkClick r:id="rId8"/>
-              </a:rPr>
-              <a:t>doi:10.2390/biecoll-jib-2015-263</a:t>
-            </a:r>
-            <a:r>
-              <a:rPr lang="en-US" sz="2400" dirty="0">
+              <a:rPr lang="en-US" sz="2200" dirty="0">
+                <a:latin typeface="Times New Roman"/>
+                <a:cs typeface="Times New Roman"/>
+              </a:rPr>
+              <a:t>[6] </a:t>
+            </a:r>
+            <a:r>
+              <a:rPr lang="en-US" sz="2200" dirty="0" err="1">
+                <a:latin typeface="Times New Roman"/>
+                <a:cs typeface="Times New Roman"/>
+              </a:rPr>
+              <a:t>Vasundra</a:t>
+            </a:r>
+            <a:r>
+              <a:rPr lang="en-US" sz="2200" dirty="0">
+                <a:latin typeface="Times New Roman"/>
+                <a:cs typeface="Times New Roman"/>
+              </a:rPr>
+              <a:t> Touré, Nicolas Le </a:t>
+            </a:r>
+            <a:r>
+              <a:rPr lang="en-US" sz="2200" dirty="0" err="1">
+                <a:latin typeface="Times New Roman"/>
+                <a:cs typeface="Times New Roman"/>
+              </a:rPr>
+              <a:t>Novère</a:t>
+            </a:r>
+            <a:r>
+              <a:rPr lang="en-US" sz="2200" dirty="0">
+                <a:latin typeface="Times New Roman"/>
+                <a:cs typeface="Times New Roman"/>
+              </a:rPr>
+              <a:t>, Dagmar Waltemath, et al. 2018. “Quick tips for creating effective and impactful biological pathways using the Systems Biology Graphical Notation”. </a:t>
+            </a:r>
+            <a:r>
+              <a:rPr lang="en-US" sz="2200" i="1" dirty="0" err="1">
+                <a:latin typeface="Times New Roman"/>
+                <a:cs typeface="Times New Roman"/>
+              </a:rPr>
+              <a:t>PLoS</a:t>
+            </a:r>
+            <a:r>
+              <a:rPr lang="en-US" sz="2200" i="1" dirty="0">
+                <a:latin typeface="Times New Roman"/>
+                <a:cs typeface="Times New Roman"/>
+              </a:rPr>
+              <a:t> </a:t>
+            </a:r>
+            <a:r>
+              <a:rPr lang="en-US" sz="2200" i="1" dirty="0" err="1">
+                <a:latin typeface="Times New Roman"/>
+                <a:cs typeface="Times New Roman"/>
+              </a:rPr>
+              <a:t>Comput</a:t>
+            </a:r>
+            <a:r>
+              <a:rPr lang="en-US" sz="2200" i="1" dirty="0">
+                <a:latin typeface="Times New Roman"/>
+                <a:cs typeface="Times New Roman"/>
+              </a:rPr>
+              <a:t> Biol.</a:t>
+            </a:r>
+            <a:r>
+              <a:rPr lang="en-US" sz="2200" dirty="0">
+                <a:latin typeface="Times New Roman"/>
+                <a:cs typeface="Times New Roman"/>
+              </a:rPr>
+              <a:t> </a:t>
+            </a:r>
+            <a:r>
+              <a:rPr lang="en-US" sz="2200" u="sng" dirty="0">
+                <a:latin typeface="Times New Roman"/>
+                <a:cs typeface="Times New Roman"/>
+                <a:hlinkClick r:id="rId12"/>
+              </a:rPr>
+              <a:t>doi:10.1371/journal.pcbi.1005740</a:t>
+            </a:r>
+            <a:r>
+              <a:rPr lang="en-US" sz="2200" u="sng" dirty="0">
+                <a:latin typeface="Times New Roman"/>
                 <a:cs typeface="Times New Roman"/>
               </a:rPr>
               <a:t>.</a:t>
             </a:r>
-            <a:endParaRPr lang="en-US" sz="2400" dirty="0">
-              <a:cs typeface="Calibri"/>
-            </a:endParaRPr>
-          </a:p>
-          <a:p>
-            <a:pPr algn="just"/>
-            <a:r>
-              <a:rPr lang="en-US" sz="2400" dirty="0">
-                <a:cs typeface="Times New Roman"/>
-              </a:rPr>
-              <a:t>[3] Anatoly Sorokin, </a:t>
-            </a:r>
-            <a:r>
-              <a:rPr lang="en-US" sz="2400" i="1" dirty="0">
-                <a:cs typeface="Times New Roman"/>
-              </a:rPr>
-              <a:t>et al</a:t>
-            </a:r>
-            <a:r>
-              <a:rPr lang="en-US" sz="2400" dirty="0">
-                <a:cs typeface="Times New Roman"/>
-              </a:rPr>
-              <a:t>. 2015. “Systems Biology Graphical Notation: Entity Relationship language Level 1, Version 2.” </a:t>
-            </a:r>
-            <a:r>
-              <a:rPr lang="en-US" sz="2400" u="sng" dirty="0">
-                <a:solidFill>
-                  <a:srgbClr val="1155CC"/>
-                </a:solidFill>
-                <a:cs typeface="Times New Roman"/>
-                <a:hlinkClick r:id="rId9"/>
-              </a:rPr>
-              <a:t>doi:10.2390/biecoll-jib-2015-264</a:t>
-            </a:r>
-            <a:r>
-              <a:rPr lang="en-US" sz="2400" dirty="0">
-                <a:cs typeface="Times New Roman"/>
-              </a:rPr>
-              <a:t>.</a:t>
-            </a:r>
-            <a:endParaRPr lang="en-US" sz="2400" dirty="0">
-              <a:cs typeface="Calibri"/>
-            </a:endParaRPr>
-          </a:p>
-          <a:p>
-            <a:pPr algn="just"/>
-            <a:r>
-              <a:rPr lang="en-US" sz="2400" dirty="0">
-                <a:cs typeface="Times New Roman"/>
-              </a:rPr>
-              <a:t>[4] </a:t>
-            </a:r>
-            <a:r>
-              <a:rPr lang="en-US" sz="2400" dirty="0" err="1">
-                <a:cs typeface="Times New Roman"/>
-              </a:rPr>
-              <a:t>Huaiyu</a:t>
-            </a:r>
-            <a:r>
-              <a:rPr lang="en-US" sz="2400" dirty="0">
-                <a:cs typeface="Times New Roman"/>
-              </a:rPr>
-              <a:t> Mi, et al. 2015. “Systems Biology Graphical Notation: Activity Flow language Level 1, Version 1.2.” </a:t>
-            </a:r>
-            <a:r>
-              <a:rPr lang="en-US" sz="2400" u="sng" dirty="0">
-                <a:solidFill>
-                  <a:srgbClr val="1155CC"/>
-                </a:solidFill>
-                <a:cs typeface="Times New Roman"/>
-                <a:hlinkClick r:id="rId10"/>
-              </a:rPr>
-              <a:t>doi:10.2390/biecoll-jib-2015-265</a:t>
-            </a:r>
-            <a:r>
-              <a:rPr lang="en-US" sz="2400" dirty="0">
-                <a:cs typeface="Times New Roman"/>
-              </a:rPr>
-              <a:t>.</a:t>
-            </a:r>
-            <a:endParaRPr lang="en-US" sz="2400" dirty="0">
-              <a:cs typeface="Calibri"/>
-            </a:endParaRPr>
-          </a:p>
-          <a:p>
-            <a:pPr algn="just"/>
-            <a:r>
-              <a:rPr lang="en-US" sz="2400" dirty="0">
-                <a:cs typeface="Times New Roman"/>
-              </a:rPr>
-              <a:t>[5] Martijn van </a:t>
-            </a:r>
-            <a:r>
-              <a:rPr lang="en-US" sz="2400" dirty="0" err="1">
-                <a:cs typeface="Times New Roman"/>
-              </a:rPr>
-              <a:t>Iersel</a:t>
-            </a:r>
-            <a:r>
-              <a:rPr lang="en-US" sz="2400" dirty="0">
-                <a:cs typeface="Times New Roman"/>
-              </a:rPr>
-              <a:t>, </a:t>
-            </a:r>
-            <a:r>
-              <a:rPr lang="en-US" sz="2400" i="1" dirty="0">
-                <a:cs typeface="Times New Roman"/>
-              </a:rPr>
-              <a:t>et al</a:t>
-            </a:r>
-            <a:r>
-              <a:rPr lang="en-US" sz="2400" dirty="0">
-                <a:cs typeface="Times New Roman"/>
-              </a:rPr>
-              <a:t>. 2012. “Software support for SBGN maps: SBGN-ML and </a:t>
-            </a:r>
-            <a:r>
-              <a:rPr lang="en-US" sz="2400" dirty="0" err="1">
-                <a:cs typeface="Times New Roman"/>
-              </a:rPr>
-              <a:t>LibSBGN</a:t>
-            </a:r>
-            <a:r>
-              <a:rPr lang="en-US" sz="2400" dirty="0">
-                <a:cs typeface="Times New Roman"/>
-              </a:rPr>
-              <a:t>.” </a:t>
-            </a:r>
-            <a:r>
-              <a:rPr lang="en-US" sz="2400" i="1" dirty="0">
-                <a:cs typeface="Times New Roman"/>
-              </a:rPr>
-              <a:t>Bioinformatics</a:t>
-            </a:r>
-            <a:r>
-              <a:rPr lang="en-US" sz="2400" dirty="0">
-                <a:cs typeface="Times New Roman"/>
-              </a:rPr>
-              <a:t>. </a:t>
-            </a:r>
-            <a:r>
-              <a:rPr lang="en-US" sz="2400" u="sng" dirty="0">
-                <a:cs typeface="Times New Roman"/>
-                <a:hlinkClick r:id="rId11"/>
-              </a:rPr>
-              <a:t>doi:10.1093/bioinformatics/bts270</a:t>
-            </a:r>
-            <a:r>
-              <a:rPr lang="en-US" sz="2400" u="sng" dirty="0">
-                <a:cs typeface="Times New Roman"/>
-              </a:rPr>
-              <a:t>.</a:t>
-            </a:r>
-            <a:endParaRPr lang="en-US" sz="2400" dirty="0">
-              <a:cs typeface="Calibri"/>
-            </a:endParaRPr>
-          </a:p>
-          <a:p>
-            <a:pPr algn="just"/>
-            <a:r>
-              <a:rPr lang="en-US" sz="2400" dirty="0">
-                <a:cs typeface="Times New Roman"/>
-              </a:rPr>
-              <a:t>[6] </a:t>
-            </a:r>
-            <a:r>
-              <a:rPr lang="en-US" sz="2400" err="1">
-                <a:cs typeface="Times New Roman"/>
-              </a:rPr>
-              <a:t>Vasundra</a:t>
-            </a:r>
-            <a:r>
-              <a:rPr lang="en-US" sz="2400" dirty="0">
-                <a:cs typeface="Times New Roman"/>
-              </a:rPr>
-              <a:t> Touré, </a:t>
-            </a:r>
-            <a:r>
-              <a:rPr lang="en-US" sz="2400" i="1" dirty="0">
-                <a:cs typeface="Times New Roman"/>
-              </a:rPr>
-              <a:t>et al</a:t>
-            </a:r>
-            <a:r>
-              <a:rPr lang="en-US" sz="2400" dirty="0">
-                <a:cs typeface="Times New Roman"/>
-              </a:rPr>
-              <a:t>. 2018. “Quick tips for creating effective and impactful biological pathways using the Systems Biology Graphical Notation”. </a:t>
-            </a:r>
-            <a:r>
-              <a:rPr lang="en-US" sz="2400" i="1" err="1">
-                <a:cs typeface="Times New Roman"/>
-              </a:rPr>
-              <a:t>PLoS</a:t>
-            </a:r>
-            <a:r>
-              <a:rPr lang="en-US" sz="2400" i="1" dirty="0">
-                <a:cs typeface="Times New Roman"/>
-              </a:rPr>
-              <a:t> </a:t>
-            </a:r>
-            <a:r>
-              <a:rPr lang="en-US" sz="2400" i="1" err="1">
-                <a:cs typeface="Times New Roman"/>
-              </a:rPr>
-              <a:t>Comput</a:t>
-            </a:r>
-            <a:r>
-              <a:rPr lang="en-US" sz="2400" i="1" dirty="0">
-                <a:cs typeface="Times New Roman"/>
-              </a:rPr>
-              <a:t> Biol.</a:t>
-            </a:r>
-            <a:r>
-              <a:rPr lang="en-US" sz="2400" dirty="0">
-                <a:cs typeface="Times New Roman"/>
-              </a:rPr>
-              <a:t> </a:t>
-            </a:r>
-            <a:r>
-              <a:rPr lang="en-US" sz="2400" u="sng" dirty="0">
-                <a:cs typeface="Times New Roman"/>
-                <a:hlinkClick r:id="rId12"/>
-              </a:rPr>
-              <a:t>doi:10.1371/journal.pcbi.1005740</a:t>
-            </a:r>
-            <a:r>
-              <a:rPr lang="en-US" sz="2400" u="sng" dirty="0">
-                <a:cs typeface="Times New Roman"/>
-              </a:rPr>
-              <a:t>.</a:t>
-            </a:r>
-            <a:endParaRPr lang="en-US" sz="2400" dirty="0">
+            <a:endParaRPr lang="en-US" sz="2200" dirty="0">
+              <a:latin typeface="Calibri"/>
               <a:cs typeface="Calibri"/>
             </a:endParaRPr>
           </a:p>
@@ -5849,7 +5781,7 @@
         </p:blipFill>
         <p:spPr>
           <a:xfrm>
-            <a:off x="21092230" y="30531840"/>
+            <a:off x="21092232" y="30576687"/>
             <a:ext cx="1428750" cy="1428750"/>
           </a:xfrm>
           <a:prstGeom prst="rect">
@@ -5901,7 +5833,7 @@
         </p:nvSpPr>
         <p:spPr>
           <a:xfrm>
-            <a:off x="21876211" y="39909920"/>
+            <a:off x="21902100" y="39363015"/>
             <a:ext cx="4909501" cy="2554545"/>
           </a:xfrm>
           <a:prstGeom prst="rect">
@@ -5919,13 +5851,24 @@
           <a:p>
             <a:pPr algn="just"/>
             <a:r>
+              <a:rPr lang="en-US" sz="4000" b="1" dirty="0">
+                <a:solidFill>
+                  <a:srgbClr val="C00000"/>
+                </a:solidFill>
+                <a:latin typeface="Times New Roman"/>
+                <a:cs typeface="Times New Roman"/>
+              </a:rPr>
+              <a:t>P</a:t>
+            </a:r>
+            <a:r>
               <a:rPr lang="en-US" sz="4000" dirty="0">
                 <a:solidFill>
                   <a:srgbClr val="C00000"/>
                 </a:solidFill>
-                <a:cs typeface="Times New Roman"/>
-              </a:rPr>
-              <a:t>Publish your map in the SBGN format and get it advertised in our webpage!</a:t>
+                <a:latin typeface="Times New Roman"/>
+                <a:cs typeface="Times New Roman"/>
+              </a:rPr>
+              <a:t>ublish your map in the SBGN format and get it advertised in our webpage!</a:t>
             </a:r>
             <a:endParaRPr lang="en-US" sz="4000" dirty="0">
               <a:cs typeface="Calibri"/>
@@ -5948,7 +5891,7 @@
         <p:spPr>
           <a:xfrm>
             <a:off x="22336558" y="30145331"/>
-            <a:ext cx="6844729" cy="6494085"/>
+            <a:ext cx="6844729" cy="6555641"/>
           </a:xfrm>
           <a:prstGeom prst="rect">
             <a:avLst/>
@@ -5963,139 +5906,154 @@
           </a:bodyPr>
           <a:lstStyle/>
           <a:p>
-            <a:endParaRPr lang="en-US" sz="3200" dirty="0">
+            <a:endParaRPr lang="en-US" sz="3600">
+              <a:latin typeface="Times New Roman"/>
+              <a:cs typeface="Times New Roman"/>
+            </a:endParaRPr>
+          </a:p>
+          <a:p>
+            <a:r>
+              <a:rPr lang="en-US" sz="3200" b="1" dirty="0">
+                <a:latin typeface="Times New Roman"/>
+                <a:cs typeface="Times New Roman"/>
+              </a:rPr>
+              <a:t>An elected editorial board </a:t>
+            </a:r>
+            <a:r>
+              <a:rPr lang="en-US" sz="3200" dirty="0">
+                <a:latin typeface="Times New Roman"/>
+                <a:cs typeface="Times New Roman"/>
+              </a:rPr>
+              <a:t>is</a:t>
+            </a:r>
+            <a:r>
+              <a:rPr lang="en-US" sz="3200" b="1" dirty="0">
+                <a:latin typeface="Times New Roman"/>
+                <a:cs typeface="Times New Roman"/>
+              </a:rPr>
+              <a:t> </a:t>
+            </a:r>
+            <a:r>
+              <a:rPr lang="en-US" sz="3200" dirty="0">
+                <a:latin typeface="Times New Roman"/>
+                <a:cs typeface="Times New Roman"/>
+              </a:rPr>
+              <a:t>the voice and the hand of the community.</a:t>
+            </a:r>
+          </a:p>
+          <a:p>
+            <a:endParaRPr lang="en-US" sz="3200" b="1" dirty="0">
+              <a:latin typeface="Times New Roman"/>
+              <a:cs typeface="Times New Roman"/>
+            </a:endParaRPr>
+          </a:p>
+          <a:p>
+            <a:r>
+              <a:rPr lang="en-US" sz="3200" b="1" dirty="0">
+                <a:latin typeface="Times New Roman"/>
+                <a:cs typeface="Times New Roman"/>
+              </a:rPr>
+              <a:t>Bi-annual meetings</a:t>
+            </a:r>
+            <a:r>
+              <a:rPr lang="en-US" sz="3200" dirty="0">
+                <a:latin typeface="Times New Roman"/>
+                <a:cs typeface="Times New Roman"/>
+              </a:rPr>
+              <a:t> with the COMBINE community.</a:t>
+            </a:r>
+            <a:endParaRPr lang="en-US" dirty="0">
+              <a:latin typeface="Calibri"/>
               <a:cs typeface="Calibri"/>
             </a:endParaRPr>
           </a:p>
           <a:p>
+            <a:endParaRPr lang="en-US" sz="3200" dirty="0">
+              <a:latin typeface="Times New Roman"/>
+              <a:cs typeface="Times New Roman"/>
+            </a:endParaRPr>
+          </a:p>
+          <a:p>
             <a:r>
               <a:rPr lang="en-US" sz="3200" b="1" dirty="0">
-                <a:cs typeface="Times New Roman"/>
-              </a:rPr>
-              <a:t>An elected editorial board </a:t>
+                <a:latin typeface="Times New Roman"/>
+                <a:cs typeface="Times New Roman"/>
+              </a:rPr>
+              <a:t>Website</a:t>
             </a:r>
             <a:r>
               <a:rPr lang="en-US" sz="3200" dirty="0">
-                <a:cs typeface="Times New Roman"/>
-              </a:rPr>
-              <a:t>is</a:t>
-            </a:r>
+                <a:latin typeface="Times New Roman"/>
+                <a:cs typeface="Times New Roman"/>
+              </a:rPr>
+              <a:t>           </a:t>
+            </a:r>
+            <a:r>
+              <a:rPr lang="en-US" sz="3200" dirty="0">
+                <a:latin typeface="Times New Roman"/>
+                <a:cs typeface="Times New Roman"/>
+                <a:hlinkClick r:id="rId15"/>
+              </a:rPr>
+              <a:t>http://sbgn.org</a:t>
+            </a:r>
+            <a:endParaRPr lang="en-US" sz="3200" dirty="0">
+              <a:latin typeface="Times New Roman"/>
+              <a:cs typeface="Times New Roman"/>
+            </a:endParaRPr>
+          </a:p>
+          <a:p>
             <a:r>
               <a:rPr lang="en-US" sz="3200" b="1" dirty="0">
-                <a:cs typeface="Times New Roman"/>
-              </a:rPr>
-              <a:t> </a:t>
+                <a:latin typeface="Times New Roman"/>
+                <a:cs typeface="Times New Roman"/>
+              </a:rPr>
+              <a:t>Development</a:t>
             </a:r>
             <a:r>
               <a:rPr lang="en-US" sz="3200" dirty="0">
-                <a:cs typeface="Times New Roman"/>
-              </a:rPr>
-              <a:t>the voice and the hand of the community.</a:t>
-            </a:r>
+                <a:latin typeface="Times New Roman"/>
+                <a:cs typeface="Times New Roman"/>
+              </a:rPr>
+              <a:t>  </a:t>
+            </a:r>
+            <a:r>
+              <a:rPr lang="en-US" sz="3200" dirty="0">
+                <a:latin typeface="Times New Roman"/>
+                <a:cs typeface="Times New Roman"/>
+                <a:hlinkClick r:id="rId16"/>
+              </a:rPr>
+              <a:t>https://github.com/sbgn</a:t>
+            </a:r>
+            <a:endParaRPr lang="en-US"/>
+          </a:p>
+          <a:p>
             <a:endParaRPr lang="en-US" sz="3200" dirty="0">
-              <a:cs typeface="Calibri"/>
+              <a:latin typeface="Times New Roman"/>
+              <a:cs typeface="Times New Roman"/>
             </a:endParaRPr>
           </a:p>
           <a:p>
-            <a:endParaRPr lang="en-US" sz="3200" b="1" dirty="0">
-              <a:cs typeface="Calibri"/>
+            <a:r>
+              <a:rPr lang="en-US" sz="3200" b="1" dirty="0">
+                <a:latin typeface="Times New Roman"/>
+                <a:cs typeface="Times New Roman"/>
+              </a:rPr>
+              <a:t>Contact us, follow and participate in discussions.</a:t>
+            </a:r>
+            <a:endParaRPr lang="en-US" sz="3200" dirty="0">
+              <a:latin typeface="Times New Roman"/>
+              <a:cs typeface="Times New Roman"/>
             </a:endParaRPr>
           </a:p>
           <a:p>
             <a:r>
-              <a:rPr lang="en-US" sz="3200" b="1" dirty="0">
-                <a:cs typeface="Times New Roman"/>
-              </a:rPr>
-              <a:t>Bi-annual meetings</a:t>
-            </a:r>
-            <a:r>
               <a:rPr lang="en-US" sz="3200" dirty="0">
-                <a:cs typeface="Times New Roman"/>
-              </a:rPr>
-              <a:t> with the COMBINE community.</a:t>
-            </a:r>
-            <a:endParaRPr lang="en-US" sz="3200" dirty="0">
-              <a:cs typeface="Calibri"/>
-            </a:endParaRPr>
-          </a:p>
-          <a:p>
-            <a:endParaRPr lang="en-US" sz="3200" dirty="0">
-              <a:cs typeface="Calibri"/>
-            </a:endParaRPr>
-          </a:p>
-          <a:p>
-            <a:r>
-              <a:rPr lang="en-US" sz="3200" b="1" dirty="0">
-                <a:cs typeface="Times New Roman"/>
-              </a:rPr>
-              <a:t>Website</a:t>
-            </a:r>
-            <a:r>
-              <a:rPr lang="en-US" sz="3200" dirty="0">
-                <a:cs typeface="Times New Roman"/>
-              </a:rPr>
-              <a:t>           </a:t>
-            </a:r>
-            <a:r>
-              <a:rPr lang="en-US" sz="3200" dirty="0">
-                <a:cs typeface="Times New Roman"/>
-                <a:hlinkClick r:id="rId15"/>
-              </a:rPr>
-              <a:t>http://sbgn.org</a:t>
-            </a:r>
-            <a:endParaRPr lang="en-US" sz="3200" dirty="0">
-              <a:cs typeface="Calibri"/>
-            </a:endParaRPr>
-          </a:p>
-          <a:p>
-            <a:r>
-              <a:rPr lang="en-US" sz="3200" b="1" dirty="0">
-                <a:cs typeface="Times New Roman"/>
-              </a:rPr>
-              <a:t>Development</a:t>
-            </a:r>
-            <a:r>
-              <a:rPr lang="en-US" sz="3200" dirty="0">
-                <a:cs typeface="Times New Roman"/>
-              </a:rPr>
-              <a:t>  </a:t>
-            </a:r>
-            <a:r>
-              <a:rPr lang="en-US" sz="3200" dirty="0">
-                <a:cs typeface="Times New Roman"/>
-                <a:hlinkClick r:id="rId16"/>
-              </a:rPr>
-              <a:t>https://github.com/sbgn</a:t>
-            </a:r>
-            <a:endParaRPr lang="en-US" sz="3200" dirty="0">
-              <a:cs typeface="Calibri"/>
-            </a:endParaRPr>
-          </a:p>
-          <a:p>
-            <a:endParaRPr lang="en-US" sz="3200" dirty="0">
-              <a:cs typeface="Calibri"/>
-            </a:endParaRPr>
-          </a:p>
-          <a:p>
-            <a:r>
-              <a:rPr lang="en-US" sz="3200" b="1" dirty="0">
-                <a:cs typeface="Times New Roman"/>
-              </a:rPr>
-              <a:t>Contact us, follow and participate in discussions.</a:t>
-            </a:r>
-            <a:endParaRPr lang="en-US" sz="3200" dirty="0">
-              <a:cs typeface="Calibri"/>
-            </a:endParaRPr>
-          </a:p>
-          <a:p>
-            <a:r>
-              <a:rPr lang="en-US" sz="3200" dirty="0">
-                <a:cs typeface="Times New Roman"/>
-                <a:hlinkClick r:id="rId17"/>
+                <a:latin typeface="Times New Roman"/>
+                <a:cs typeface="Times New Roman"/>
               </a:rPr>
               <a:t>sbgn-discuss@googlegroups.com</a:t>
             </a:r>
-            <a:endParaRPr lang="en-US" sz="3200" dirty="0">
+            <a:endParaRPr lang="en-US" dirty="0">
               <a:cs typeface="Calibri"/>
             </a:endParaRPr>
           </a:p>
@@ -6115,7 +6073,7 @@
         </p:nvSpPr>
         <p:spPr>
           <a:xfrm>
-            <a:off x="1066995" y="10471160"/>
+            <a:off x="1066995" y="10297936"/>
             <a:ext cx="17445947" cy="1508105"/>
           </a:xfrm>
           <a:prstGeom prst="rect">
@@ -6146,15 +6104,20 @@
           <a:p>
             <a:pPr algn="just"/>
             <a:r>
-              <a:rPr lang="en-US" sz="5200" b="1" dirty="0"/>
+              <a:rPr lang="en-US" sz="5200" b="1" dirty="0">
+                <a:latin typeface="Times New Roman"/>
+              </a:rPr>
               <a:t>S</a:t>
             </a:r>
             <a:r>
-              <a:rPr lang="en-US" sz="4000" dirty="0"/>
+              <a:rPr lang="en-US" sz="4000" dirty="0">
+                <a:latin typeface="Times New Roman"/>
+              </a:rPr>
               <a:t>BGN comprises three complementary languages: Process Description (PD, [2]), Entity Relationship (ER, [3]), and Activity Flow (AF, [4])​</a:t>
             </a:r>
             <a:r>
               <a:rPr lang="en-US" sz="4000" dirty="0">
+                <a:latin typeface="Times New Roman"/>
                 <a:cs typeface="Times New Roman"/>
               </a:rPr>
               <a:t>:</a:t>
@@ -6176,7 +6139,7 @@
         </p:nvSpPr>
         <p:spPr>
           <a:xfrm>
-            <a:off x="19520119" y="10458857"/>
+            <a:off x="19520119" y="10285633"/>
             <a:ext cx="9654279" cy="1508105"/>
           </a:xfrm>
           <a:prstGeom prst="rect">
@@ -6207,12 +6170,14 @@
           <a:p>
             <a:r>
               <a:rPr lang="en-US" sz="5200" b="1" dirty="0">
+                <a:latin typeface="Times New Roman"/>
                 <a:cs typeface="Times New Roman"/>
               </a:rPr>
               <a:t>S</a:t>
             </a:r>
             <a:r>
               <a:rPr lang="en-US" sz="4000" dirty="0">
+                <a:latin typeface="Times New Roman"/>
                 <a:cs typeface="Times New Roman"/>
               </a:rPr>
               <a:t>BGN is both human readable and machine readable [5]</a:t>
@@ -6266,12 +6231,14 @@
           <a:p>
             <a:r>
               <a:rPr lang="en-US" sz="5200" b="1" dirty="0">
+                <a:latin typeface="Times New Roman"/>
                 <a:cs typeface="Times New Roman"/>
               </a:rPr>
               <a:t>E</a:t>
             </a:r>
             <a:r>
               <a:rPr lang="en-US" sz="4000" dirty="0">
+                <a:latin typeface="Times New Roman"/>
                 <a:cs typeface="Times New Roman"/>
               </a:rPr>
               <a:t>xamples of published maps</a:t>
@@ -6325,12 +6292,14 @@
           <a:p>
             <a:r>
               <a:rPr lang="en-US" sz="5200" b="1" dirty="0">
+                <a:latin typeface="Times New Roman"/>
                 <a:cs typeface="Times New Roman"/>
               </a:rPr>
               <a:t>T</a:t>
             </a:r>
             <a:r>
               <a:rPr lang="en-US" sz="4000" dirty="0">
+                <a:latin typeface="Times New Roman"/>
                 <a:cs typeface="Times New Roman"/>
               </a:rPr>
               <a:t>ips to create your own SBGN map [6]</a:t>
@@ -6353,7 +6322,7 @@
         <p:spPr>
           <a:xfrm>
             <a:off x="10313753" y="30630136"/>
-            <a:ext cx="9011814" cy="5509200"/>
+            <a:ext cx="9011814" cy="5016758"/>
           </a:xfrm>
           <a:prstGeom prst="rect">
             <a:avLst/>
@@ -6368,132 +6337,132 @@
           </a:bodyPr>
           <a:lstStyle/>
           <a:p>
-            <a:pPr marL="514350" indent="-514350" algn="just">
-              <a:buFont typeface="+mj-lt"/>
-              <a:buAutoNum type="arabicPeriod"/>
-            </a:pPr>
-            <a:r>
-              <a:rPr lang="en-US" sz="3200" dirty="0"/>
-              <a:t>​Know the message your network should convey​</a:t>
+            <a:pPr algn="just"/>
+            <a:r>
+              <a:rPr lang="en-US" sz="3200" dirty="0">
+                <a:latin typeface="Times New Roman"/>
+              </a:rPr>
+              <a:t>​1. Know the message your network should convey​</a:t>
             </a:r>
             <a:endParaRPr lang="en-US" sz="3200" dirty="0">
+              <a:latin typeface="Times New Roman"/>
               <a:cs typeface="Times New Roman"/>
             </a:endParaRPr>
           </a:p>
           <a:p>
-            <a:pPr marL="514350" indent="-514350" algn="just">
-              <a:buFont typeface="+mj-lt"/>
-              <a:buAutoNum type="arabicPeriod"/>
-            </a:pPr>
-            <a:r>
-              <a:rPr lang="en-US" sz="3200" dirty="0"/>
-              <a:t>Know your audience​</a:t>
+            <a:pPr algn="just"/>
+            <a:r>
+              <a:rPr lang="en-US" sz="3200" dirty="0">
+                <a:latin typeface="Times New Roman"/>
+              </a:rPr>
+              <a:t>2. Know your audience​</a:t>
             </a:r>
             <a:endParaRPr lang="en-US" sz="3200" dirty="0">
+              <a:latin typeface="Times New Roman"/>
               <a:cs typeface="Times New Roman"/>
             </a:endParaRPr>
           </a:p>
           <a:p>
-            <a:pPr marL="514350" indent="-514350" algn="just">
-              <a:buFont typeface="+mj-lt"/>
-              <a:buAutoNum type="arabicPeriod"/>
-            </a:pPr>
-            <a:r>
-              <a:rPr lang="en-US" sz="3200" dirty="0"/>
-              <a:t>Choose the right SBGN language​</a:t>
+            <a:pPr algn="just"/>
+            <a:r>
+              <a:rPr lang="en-US" sz="3200" dirty="0">
+                <a:latin typeface="Times New Roman"/>
+              </a:rPr>
+              <a:t>3. Choose the right SBGN language​</a:t>
             </a:r>
             <a:endParaRPr lang="en-US" sz="3200" dirty="0">
+              <a:latin typeface="Times New Roman"/>
               <a:cs typeface="Times New Roman"/>
             </a:endParaRPr>
           </a:p>
           <a:p>
-            <a:pPr marL="514350" indent="-514350" algn="just">
-              <a:buFont typeface="+mj-lt"/>
-              <a:buAutoNum type="arabicPeriod"/>
-            </a:pPr>
-            <a:r>
-              <a:rPr lang="en-US" sz="3200" dirty="0"/>
-              <a:t>Define components and interactions in the network​</a:t>
+            <a:pPr algn="just"/>
+            <a:r>
+              <a:rPr lang="en-US" sz="3200" dirty="0">
+                <a:latin typeface="Times New Roman"/>
+              </a:rPr>
+              <a:t>4. Define components and interactions in the network​</a:t>
             </a:r>
             <a:endParaRPr lang="en-US" sz="3200" dirty="0">
+              <a:latin typeface="Times New Roman"/>
               <a:cs typeface="Times New Roman"/>
             </a:endParaRPr>
           </a:p>
           <a:p>
-            <a:pPr marL="514350" indent="-514350" algn="just">
-              <a:buFont typeface="+mj-lt"/>
-              <a:buAutoNum type="arabicPeriod"/>
-            </a:pPr>
-            <a:r>
-              <a:rPr lang="en-US" sz="3200" dirty="0"/>
-              <a:t>Select the right level of granularity for your map​</a:t>
+            <a:pPr algn="just"/>
+            <a:r>
+              <a:rPr lang="en-US" sz="3200" dirty="0">
+                <a:latin typeface="Times New Roman"/>
+              </a:rPr>
+              <a:t>5. Select the right level of granularity for your map​</a:t>
             </a:r>
             <a:endParaRPr lang="en-US" sz="3200" dirty="0">
+              <a:latin typeface="Times New Roman"/>
               <a:cs typeface="Times New Roman"/>
             </a:endParaRPr>
           </a:p>
           <a:p>
-            <a:pPr marL="514350" indent="-514350" algn="just">
-              <a:buFont typeface="+mj-lt"/>
-              <a:buAutoNum type="arabicPeriod"/>
-            </a:pPr>
-            <a:r>
-              <a:rPr lang="en-US" sz="3200" dirty="0"/>
-              <a:t>Design your SBGN map​</a:t>
+            <a:pPr algn="just"/>
+            <a:r>
+              <a:rPr lang="en-US" sz="3200" dirty="0">
+                <a:latin typeface="Times New Roman"/>
+              </a:rPr>
+              <a:t>6. Design your SBGN map​</a:t>
             </a:r>
             <a:endParaRPr lang="en-US" sz="3200" dirty="0">
+              <a:latin typeface="Times New Roman"/>
               <a:cs typeface="Times New Roman"/>
             </a:endParaRPr>
           </a:p>
           <a:p>
-            <a:pPr marL="514350" indent="-514350" algn="just">
-              <a:buFont typeface="+mj-lt"/>
-              <a:buAutoNum type="arabicPeriod"/>
-            </a:pPr>
-            <a:r>
-              <a:rPr lang="en-US" sz="3200" dirty="0"/>
-              <a:t>Beautify your SBGN map​</a:t>
+            <a:pPr algn="just"/>
+            <a:r>
+              <a:rPr lang="en-US" sz="3200" dirty="0">
+                <a:latin typeface="Times New Roman"/>
+              </a:rPr>
+              <a:t>7. Beautify your SBGN map​</a:t>
             </a:r>
             <a:endParaRPr lang="en-US" sz="3200" dirty="0">
+              <a:latin typeface="Times New Roman"/>
               <a:cs typeface="Times New Roman"/>
             </a:endParaRPr>
           </a:p>
           <a:p>
-            <a:pPr marL="514350" indent="-514350" algn="just">
-              <a:buFont typeface="+mj-lt"/>
-              <a:buAutoNum type="arabicPeriod"/>
-            </a:pPr>
-            <a:r>
-              <a:rPr lang="en-US" sz="3200" dirty="0"/>
-              <a:t>Manage your SBGN map and its content​</a:t>
+            <a:pPr algn="just"/>
+            <a:r>
+              <a:rPr lang="en-US" sz="3200" dirty="0">
+                <a:latin typeface="Times New Roman"/>
+              </a:rPr>
+              <a:t>8. Manage your SBGN map and its content​</a:t>
             </a:r>
             <a:endParaRPr lang="en-US" sz="3200" dirty="0">
+              <a:latin typeface="Times New Roman"/>
               <a:cs typeface="Times New Roman"/>
             </a:endParaRPr>
           </a:p>
           <a:p>
-            <a:pPr marL="514350" indent="-514350" algn="just">
-              <a:buFont typeface="+mj-lt"/>
-              <a:buAutoNum type="arabicPeriod"/>
-            </a:pPr>
-            <a:r>
-              <a:rPr lang="en-US" sz="3200" dirty="0"/>
-              <a:t>Link the original data to your SBGN map​</a:t>
+            <a:pPr algn="just"/>
+            <a:r>
+              <a:rPr lang="en-US" sz="3200" dirty="0">
+                <a:latin typeface="Times New Roman"/>
+              </a:rPr>
+              <a:t>9. Link the original data to your SBGN map​</a:t>
             </a:r>
             <a:endParaRPr lang="en-US" sz="3200" dirty="0">
+              <a:latin typeface="Times New Roman"/>
               <a:cs typeface="Times New Roman"/>
             </a:endParaRPr>
           </a:p>
           <a:p>
-            <a:pPr marL="514350" indent="-514350" algn="just">
-              <a:buFont typeface="+mj-lt"/>
-              <a:buAutoNum type="arabicPeriod"/>
-            </a:pPr>
-            <a:r>
-              <a:rPr lang="en-US" sz="3200" dirty="0"/>
-              <a:t> Seek help from the SBGN community.​</a:t>
+            <a:pPr algn="just"/>
+            <a:r>
+              <a:rPr lang="en-US" sz="3200" dirty="0">
+                <a:latin typeface="Times New Roman"/>
+              </a:rPr>
+              <a:t>10. Seek help from the SBGN community.​</a:t>
             </a:r>
             <a:endParaRPr lang="en-US" sz="3200" dirty="0">
+              <a:latin typeface="Times New Roman"/>
               <a:cs typeface="Times New Roman"/>
             </a:endParaRPr>
           </a:p>
@@ -6514,15 +6483,15 @@
           <p:nvPr/>
         </p:nvPicPr>
         <p:blipFill>
-          <a:blip r:embed="rId18"/>
+          <a:blip r:embed="rId17"/>
           <a:stretch>
             <a:fillRect/>
           </a:stretch>
         </p:blipFill>
         <p:spPr>
           <a:xfrm>
-            <a:off x="860970" y="31010104"/>
-            <a:ext cx="3826719" cy="3602865"/>
+            <a:off x="1106194" y="31010105"/>
+            <a:ext cx="3581495" cy="3371986"/>
           </a:xfrm>
           <a:prstGeom prst="rect">
             <a:avLst/>
@@ -6544,15 +6513,15 @@
           <p:nvPr/>
         </p:nvPicPr>
         <p:blipFill>
-          <a:blip r:embed="rId19"/>
+          <a:blip r:embed="rId18"/>
           <a:stretch>
             <a:fillRect/>
           </a:stretch>
         </p:blipFill>
         <p:spPr>
           <a:xfrm>
-            <a:off x="5044894" y="31021601"/>
-            <a:ext cx="3826719" cy="4665463"/>
+            <a:off x="4975788" y="30974808"/>
+            <a:ext cx="3581495" cy="4366491"/>
           </a:xfrm>
           <a:prstGeom prst="rect">
             <a:avLst/>
@@ -6574,15 +6543,15 @@
           <p:nvPr/>
         </p:nvPicPr>
         <p:blipFill>
-          <a:blip r:embed="rId20"/>
+          <a:blip r:embed="rId19"/>
           <a:stretch>
             <a:fillRect/>
           </a:stretch>
         </p:blipFill>
         <p:spPr>
           <a:xfrm>
-            <a:off x="5011549" y="35875589"/>
-            <a:ext cx="3826718" cy="2790038"/>
+            <a:off x="4975793" y="35547823"/>
+            <a:ext cx="3581495" cy="2611247"/>
           </a:xfrm>
           <a:prstGeom prst="rect">
             <a:avLst/>
@@ -6604,15 +6573,15 @@
           <p:nvPr/>
         </p:nvPicPr>
         <p:blipFill>
-          <a:blip r:embed="rId21"/>
+          <a:blip r:embed="rId20"/>
           <a:stretch>
             <a:fillRect/>
           </a:stretch>
         </p:blipFill>
         <p:spPr>
           <a:xfrm>
-            <a:off x="860970" y="34668312"/>
-            <a:ext cx="3826719" cy="4052636"/>
+            <a:off x="1106194" y="34668312"/>
+            <a:ext cx="3581495" cy="3792935"/>
           </a:xfrm>
           <a:prstGeom prst="rect">
             <a:avLst/>
@@ -6664,12 +6633,14 @@
           <a:p>
             <a:r>
               <a:rPr lang="en-US" sz="5200" b="1" dirty="0">
+                <a:latin typeface="Times New Roman"/>
                 <a:cs typeface="Times New Roman"/>
               </a:rPr>
               <a:t>A</a:t>
             </a:r>
             <a:r>
               <a:rPr lang="en-US" sz="4000" dirty="0">
+                <a:latin typeface="Times New Roman"/>
                 <a:cs typeface="Times New Roman"/>
               </a:rPr>
               <a:t>dditional information</a:t>
@@ -6693,7 +6664,7 @@
           <p:nvPr/>
         </p:nvPicPr>
         <p:blipFill>
-          <a:blip r:embed="rId22"/>
+          <a:blip r:embed="rId21"/>
           <a:stretch>
             <a:fillRect/>
           </a:stretch>
@@ -6723,7 +6694,7 @@
           <p:nvPr/>
         </p:nvPicPr>
         <p:blipFill>
-          <a:blip r:embed="rId23"/>
+          <a:blip r:embed="rId22"/>
           <a:stretch>
             <a:fillRect/>
           </a:stretch>
@@ -6752,8 +6723,8 @@
         </p:nvSpPr>
         <p:spPr>
           <a:xfrm>
-            <a:off x="1134029" y="11959570"/>
-            <a:ext cx="17424622" cy="892552"/>
+            <a:off x="1134029" y="11786348"/>
+            <a:ext cx="17424622" cy="853426"/>
           </a:xfrm>
           <a:prstGeom prst="rect">
             <a:avLst/>
@@ -6769,33 +6740,38 @@
           <a:lstStyle/>
           <a:p>
             <a:r>
-              <a:rPr lang="en-US" sz="2600" i="1" dirty="0">
+              <a:rPr lang="en-US" sz="2400" i="1" dirty="0">
+                <a:latin typeface="Times New Roman"/>
                 <a:cs typeface="Times New Roman"/>
               </a:rPr>
               <a:t>Networks below are redesigned from Le </a:t>
             </a:r>
             <a:r>
-              <a:rPr lang="en-US" sz="2600" i="1" dirty="0" err="1">
+              <a:rPr lang="en-US" sz="2400" i="1" dirty="0" err="1">
+                <a:latin typeface="Times New Roman"/>
                 <a:cs typeface="Times New Roman"/>
               </a:rPr>
               <a:t>Novère</a:t>
             </a:r>
             <a:r>
-              <a:rPr lang="en-US" sz="2600" i="1" dirty="0">
+              <a:rPr lang="en-US" sz="2400" i="1" dirty="0">
+                <a:latin typeface="Times New Roman"/>
                 <a:cs typeface="Times New Roman"/>
               </a:rPr>
               <a:t> (2015): Quantitative and logic modelling of molecular and gene networks. </a:t>
             </a:r>
             <a:r>
-              <a:rPr lang="en-US" sz="2600" i="1" dirty="0">
-                <a:cs typeface="Times New Roman"/>
-                <a:hlinkClick r:id="rId24"/>
+              <a:rPr lang="en-US" sz="2400" i="1" dirty="0">
+                <a:latin typeface="Times New Roman"/>
+                <a:cs typeface="Times New Roman"/>
+                <a:hlinkClick r:id="rId23"/>
               </a:rPr>
               <a:t>doi:10.1038/nrg3885</a:t>
             </a:r>
-            <a:endParaRPr lang="en-US" sz="2600">
-              <a:cs typeface="Calibri"/>
-              <a:hlinkClick r:id="" action="ppaction://noaction"/>
+            <a:endParaRPr lang="en-US" sz="2400" dirty="0">
+              <a:latin typeface="Times New Roman"/>
+              <a:cs typeface="Times New Roman"/>
+              <a:hlinkClick r:id="rId23"/>
             </a:endParaRPr>
           </a:p>
         </p:txBody>
@@ -6814,8 +6790,8 @@
         </p:nvSpPr>
         <p:spPr>
           <a:xfrm>
-            <a:off x="906479" y="30298911"/>
-            <a:ext cx="3981758" cy="707886"/>
+            <a:off x="1162981" y="30298911"/>
+            <a:ext cx="3725256" cy="646331"/>
           </a:xfrm>
           <a:prstGeom prst="rect">
             <a:avLst/>
@@ -6831,19 +6807,22 @@
           <a:lstStyle/>
           <a:p>
             <a:r>
-              <a:rPr lang="en-US" sz="2000" dirty="0">
+              <a:rPr lang="en-US" dirty="0">
+                <a:latin typeface="Times New Roman"/>
                 <a:cs typeface="Times New Roman"/>
               </a:rPr>
               <a:t>PD map of the Drosophila cell cycle, </a:t>
             </a:r>
             <a:r>
-              <a:rPr lang="en-US" sz="2000" dirty="0">
-                <a:cs typeface="Times New Roman"/>
-                <a:hlinkClick r:id="rId25"/>
+              <a:rPr lang="en-US" dirty="0">
+                <a:latin typeface="Times New Roman"/>
+                <a:cs typeface="Times New Roman"/>
+                <a:hlinkClick r:id="rId24"/>
               </a:rPr>
               <a:t>doi:10.1371/journal.pcbi.1005740</a:t>
             </a:r>
-            <a:endParaRPr lang="en-US" sz="2000" dirty="0">
+            <a:endParaRPr lang="en-US">
+              <a:latin typeface="Times New Roman"/>
               <a:cs typeface="Times New Roman"/>
             </a:endParaRPr>
           </a:p>
@@ -6863,8 +6842,8 @@
         </p:nvSpPr>
         <p:spPr>
           <a:xfrm>
-            <a:off x="4901018" y="30254076"/>
-            <a:ext cx="3795561" cy="707886"/>
+            <a:off x="4923440" y="30321364"/>
+            <a:ext cx="3638604" cy="646331"/>
           </a:xfrm>
           <a:prstGeom prst="rect">
             <a:avLst/>
@@ -6880,32 +6859,37 @@
           <a:lstStyle/>
           <a:p>
             <a:r>
-              <a:rPr lang="en-US" sz="2000" dirty="0">
+              <a:rPr lang="en-US" dirty="0">
+                <a:latin typeface="Times New Roman"/>
                 <a:cs typeface="Times New Roman"/>
               </a:rPr>
               <a:t>PD map of two-gene system </a:t>
             </a:r>
             <a:r>
-              <a:rPr lang="en-US" sz="2000" dirty="0" err="1">
+              <a:rPr lang="en-US" dirty="0" err="1">
+                <a:latin typeface="Times New Roman"/>
                 <a:cs typeface="Times New Roman"/>
               </a:rPr>
               <a:t>behaviour</a:t>
             </a:r>
             <a:r>
-              <a:rPr lang="en-US" sz="2000" dirty="0">
+              <a:rPr lang="en-US" dirty="0">
+                <a:latin typeface="Times New Roman"/>
                 <a:cs typeface="Times New Roman"/>
               </a:rPr>
               <a:t>, </a:t>
             </a:r>
             <a:r>
-              <a:rPr lang="en-US" sz="2000" dirty="0">
-                <a:cs typeface="Times New Roman"/>
-                <a:hlinkClick r:id="rId24"/>
+              <a:rPr lang="en-US" dirty="0">
+                <a:latin typeface="Times New Roman"/>
+                <a:cs typeface="Times New Roman"/>
+                <a:hlinkClick r:id="rId23"/>
               </a:rPr>
               <a:t>doi:10.1038/nrg3885</a:t>
             </a:r>
-            <a:endParaRPr lang="en-US" sz="2000" dirty="0">
-              <a:cs typeface="Calibri"/>
+            <a:endParaRPr lang="en-US">
+              <a:latin typeface="Times New Roman"/>
+              <a:cs typeface="Times New Roman"/>
             </a:endParaRPr>
           </a:p>
         </p:txBody>
@@ -6924,8 +6908,8 @@
         </p:nvSpPr>
         <p:spPr>
           <a:xfrm>
-            <a:off x="1041417" y="38720948"/>
-            <a:ext cx="3725256" cy="707886"/>
+            <a:off x="1066616" y="38443578"/>
+            <a:ext cx="3725256" cy="646331"/>
           </a:xfrm>
           <a:prstGeom prst="rect">
             <a:avLst/>
@@ -6941,19 +6925,21 @@
           <a:lstStyle/>
           <a:p>
             <a:r>
-              <a:rPr lang="en-US" sz="2000" dirty="0">
+              <a:rPr lang="en-US" dirty="0">
+                <a:latin typeface="Times New Roman"/>
                 <a:cs typeface="Times New Roman"/>
               </a:rPr>
               <a:t>PD map of protein aggregation, </a:t>
             </a:r>
             <a:r>
-              <a:rPr lang="en-US" sz="2000" dirty="0">
-                <a:cs typeface="Times New Roman"/>
-                <a:hlinkClick r:id="rId26"/>
+              <a:rPr lang="en-US" dirty="0">
+                <a:latin typeface="Times New Roman"/>
+                <a:cs typeface="Times New Roman"/>
+                <a:hlinkClick r:id="rId25"/>
               </a:rPr>
               <a:t>doi:10.1002/psp4.12155</a:t>
             </a:r>
-            <a:endParaRPr lang="en-US" sz="2000" dirty="0">
+            <a:endParaRPr lang="en-US">
               <a:cs typeface="Calibri"/>
             </a:endParaRPr>
           </a:p>
@@ -6973,8 +6959,8 @@
         </p:nvSpPr>
         <p:spPr>
           <a:xfrm>
-            <a:off x="4836725" y="38756383"/>
-            <a:ext cx="4855547" cy="707886"/>
+            <a:off x="4836725" y="38145438"/>
+            <a:ext cx="4360704" cy="646331"/>
           </a:xfrm>
           <a:prstGeom prst="rect">
             <a:avLst/>
@@ -6990,22 +6976,234 @@
           <a:lstStyle/>
           <a:p>
             <a:r>
-              <a:rPr lang="en-US" sz="2000" dirty="0">
+              <a:rPr lang="en-US" dirty="0">
+                <a:latin typeface="Times New Roman"/>
                 <a:cs typeface="Times New Roman"/>
               </a:rPr>
               <a:t>AF map of interactions in a tumor microenvironment, </a:t>
             </a:r>
             <a:r>
-              <a:rPr lang="en-US" sz="2000" dirty="0">
-                <a:cs typeface="Times New Roman"/>
-                <a:hlinkClick r:id="rId27"/>
+              <a:rPr lang="en-US" dirty="0">
+                <a:latin typeface="Times New Roman"/>
+                <a:cs typeface="Times New Roman"/>
+                <a:hlinkClick r:id="rId26"/>
               </a:rPr>
               <a:t>doi:10.5301/tj.5000673</a:t>
             </a:r>
-            <a:endParaRPr lang="en-US" sz="2000" dirty="0"/>
-          </a:p>
-        </p:txBody>
-      </p:sp>
+            <a:endParaRPr lang="en-US"/>
+          </a:p>
+        </p:txBody>
+      </p:sp>
+      <p:pic>
+        <p:nvPicPr>
+          <p:cNvPr id="17" name="Picture 19" descr="A picture containing text&#10;&#10;Description generated with high confidence">
+            <a:extLst>
+              <a:ext uri="{FF2B5EF4-FFF2-40B4-BE49-F238E27FC236}">
+                <a16:creationId xmlns:a16="http://schemas.microsoft.com/office/drawing/2014/main" id="{30DEE0A3-95F9-4D61-A7B5-A0A1CC4514AF}"/>
+              </a:ext>
+            </a:extLst>
+          </p:cNvPr>
+          <p:cNvPicPr>
+            <a:picLocks noChangeAspect="1"/>
+          </p:cNvPicPr>
+          <p:nvPr/>
+        </p:nvPicPr>
+        <p:blipFill>
+          <a:blip r:embed="rId27"/>
+          <a:stretch>
+            <a:fillRect/>
+          </a:stretch>
+        </p:blipFill>
+        <p:spPr>
+          <a:xfrm>
+            <a:off x="19917865" y="13710187"/>
+            <a:ext cx="8838385" cy="4187496"/>
+          </a:xfrm>
+          <a:prstGeom prst="rect">
+            <a:avLst/>
+          </a:prstGeom>
+        </p:spPr>
+      </p:pic>
+      <p:sp>
+        <p:nvSpPr>
+          <p:cNvPr id="86" name="Rectangle 85">
+            <a:extLst>
+              <a:ext uri="{FF2B5EF4-FFF2-40B4-BE49-F238E27FC236}">
+                <a16:creationId xmlns:a16="http://schemas.microsoft.com/office/drawing/2014/main" id="{55124BA0-D842-4514-A837-9DA40A57054E}"/>
+              </a:ext>
+            </a:extLst>
+          </p:cNvPr>
+          <p:cNvSpPr/>
+          <p:nvPr/>
+        </p:nvSpPr>
+        <p:spPr>
+          <a:xfrm>
+            <a:off x="19553879" y="19508271"/>
+            <a:ext cx="9579604" cy="7498371"/>
+          </a:xfrm>
+          <a:prstGeom prst="rect">
+            <a:avLst/>
+          </a:prstGeom>
+          <a:noFill/>
+          <a:ln w="57150">
+            <a:solidFill>
+              <a:schemeClr val="accent5"/>
+            </a:solidFill>
+          </a:ln>
+        </p:spPr>
+        <p:style>
+          <a:lnRef idx="2">
+            <a:schemeClr val="accent1">
+              <a:shade val="50000"/>
+            </a:schemeClr>
+          </a:lnRef>
+          <a:fillRef idx="1">
+            <a:schemeClr val="accent1"/>
+          </a:fillRef>
+          <a:effectRef idx="0">
+            <a:schemeClr val="accent1"/>
+          </a:effectRef>
+          <a:fontRef idx="minor">
+            <a:schemeClr val="lt1"/>
+          </a:fontRef>
+        </p:style>
+        <p:txBody>
+          <a:bodyPr rtlCol="0" anchor="ctr"/>
+          <a:lstStyle/>
+          <a:p>
+            <a:pPr algn="ctr"/>
+            <a:endParaRPr lang="en-US"/>
+          </a:p>
+        </p:txBody>
+      </p:sp>
+      <p:sp>
+        <p:nvSpPr>
+          <p:cNvPr id="36" name="Arrow: Up-Down 35">
+            <a:extLst>
+              <a:ext uri="{FF2B5EF4-FFF2-40B4-BE49-F238E27FC236}">
+                <a16:creationId xmlns:a16="http://schemas.microsoft.com/office/drawing/2014/main" id="{8C2270F3-3EA9-4A9C-B2A8-1CC8D47D12A4}"/>
+              </a:ext>
+            </a:extLst>
+          </p:cNvPr>
+          <p:cNvSpPr/>
+          <p:nvPr/>
+        </p:nvSpPr>
+        <p:spPr>
+          <a:xfrm>
+            <a:off x="24101215" y="18087448"/>
+            <a:ext cx="484632" cy="1216152"/>
+          </a:xfrm>
+          <a:prstGeom prst="upDownArrow">
+            <a:avLst/>
+          </a:prstGeom>
+          <a:solidFill>
+            <a:schemeClr val="accent5"/>
+          </a:solidFill>
+          <a:ln>
+            <a:solidFill>
+              <a:schemeClr val="accent5"/>
+            </a:solidFill>
+          </a:ln>
+        </p:spPr>
+        <p:style>
+          <a:lnRef idx="2">
+            <a:schemeClr val="accent1">
+              <a:shade val="50000"/>
+            </a:schemeClr>
+          </a:lnRef>
+          <a:fillRef idx="1">
+            <a:schemeClr val="accent1"/>
+          </a:fillRef>
+          <a:effectRef idx="0">
+            <a:schemeClr val="accent1"/>
+          </a:effectRef>
+          <a:fontRef idx="minor">
+            <a:schemeClr val="lt1"/>
+          </a:fontRef>
+        </p:style>
+        <p:txBody>
+          <a:bodyPr rtlCol="0" anchor="ctr"/>
+          <a:lstStyle/>
+          <a:p>
+            <a:pPr algn="ctr"/>
+            <a:endParaRPr lang="en-US"/>
+          </a:p>
+        </p:txBody>
+      </p:sp>
+      <p:sp>
+        <p:nvSpPr>
+          <p:cNvPr id="89" name="TextBox 88">
+            <a:extLst>
+              <a:ext uri="{FF2B5EF4-FFF2-40B4-BE49-F238E27FC236}">
+                <a16:creationId xmlns:a16="http://schemas.microsoft.com/office/drawing/2014/main" id="{EDD72826-2670-411A-8985-CF37765EF0FF}"/>
+              </a:ext>
+            </a:extLst>
+          </p:cNvPr>
+          <p:cNvSpPr txBox="1"/>
+          <p:nvPr/>
+        </p:nvSpPr>
+        <p:spPr>
+          <a:xfrm>
+            <a:off x="19427626" y="18683710"/>
+            <a:ext cx="3272141" cy="892552"/>
+          </a:xfrm>
+          <a:prstGeom prst="rect">
+            <a:avLst/>
+          </a:prstGeom>
+        </p:spPr>
+        <p:txBody>
+          <a:bodyPr rot="0" spcFirstLastPara="0" vertOverflow="overflow" horzOverflow="overflow" vert="horz" wrap="square" lIns="91440" tIns="45720" rIns="91440" bIns="45720" numCol="1" spcCol="0" rtlCol="0" fromWordArt="0" anchor="t" anchorCtr="0" forceAA="0" compatLnSpc="1">
+            <a:prstTxWarp prst="textNoShape">
+              <a:avLst/>
+            </a:prstTxWarp>
+            <a:spAutoFit/>
+          </a:bodyPr>
+          <a:lstStyle/>
+          <a:p>
+            <a:pPr algn="ctr"/>
+            <a:r>
+              <a:rPr lang="en-US" sz="5200" dirty="0">
+                <a:solidFill>
+                  <a:srgbClr val="4472C4"/>
+                </a:solidFill>
+                <a:latin typeface="Times New Roman"/>
+                <a:cs typeface="Times New Roman"/>
+              </a:rPr>
+              <a:t>SBGN-ML</a:t>
+            </a:r>
+            <a:endParaRPr lang="en-US" dirty="0"/>
+          </a:p>
+        </p:txBody>
+      </p:sp>
+      <p:pic>
+        <p:nvPicPr>
+          <p:cNvPr id="38" name="Picture 38" descr="A screenshot of a cell phone&#10;&#10;Description generated with very high confidence">
+            <a:extLst>
+              <a:ext uri="{FF2B5EF4-FFF2-40B4-BE49-F238E27FC236}">
+                <a16:creationId xmlns:a16="http://schemas.microsoft.com/office/drawing/2014/main" id="{17C70A61-5B31-491A-B197-AD9665B5EF2B}"/>
+              </a:ext>
+            </a:extLst>
+          </p:cNvPr>
+          <p:cNvPicPr>
+            <a:picLocks noChangeAspect="1"/>
+          </p:cNvPicPr>
+          <p:nvPr/>
+        </p:nvPicPr>
+        <p:blipFill rotWithShape="1">
+          <a:blip r:embed="rId28"/>
+          <a:srcRect l="5268" t="3137" r="11009" b="10524"/>
+          <a:stretch/>
+        </p:blipFill>
+        <p:spPr>
+          <a:xfrm>
+            <a:off x="19544085" y="19590190"/>
+            <a:ext cx="9611742" cy="7428187"/>
+          </a:xfrm>
+          <a:prstGeom prst="rect">
+            <a:avLst/>
+          </a:prstGeom>
+        </p:spPr>
+      </p:pic>
       <p:pic>
         <p:nvPicPr>
           <p:cNvPr id="40" name="Picture 41">
@@ -7021,14 +7219,14 @@
           <p:nvPr/>
         </p:nvPicPr>
         <p:blipFill>
-          <a:blip r:embed="rId28"/>
+          <a:blip r:embed="rId29"/>
           <a:stretch>
             <a:fillRect/>
           </a:stretch>
         </p:blipFill>
         <p:spPr>
           <a:xfrm>
-            <a:off x="27530908" y="40119922"/>
+            <a:off x="27412066" y="39581886"/>
             <a:ext cx="2223182" cy="2222647"/>
           </a:xfrm>
           <a:prstGeom prst="rect">
@@ -7070,7 +7268,7 @@
         </p:blipFill>
         <p:spPr>
           <a:xfrm>
-            <a:off x="24929915" y="398312"/>
+            <a:off x="23618287" y="2988946"/>
             <a:ext cx="4251737" cy="2058473"/>
           </a:xfrm>
           <a:prstGeom prst="rect">
@@ -7093,15 +7291,45 @@
           <p:nvPr/>
         </p:nvPicPr>
         <p:blipFill>
-          <a:blip r:embed="rId29"/>
+          <a:blip r:embed="rId30"/>
           <a:stretch>
             <a:fillRect/>
           </a:stretch>
         </p:blipFill>
         <p:spPr>
           <a:xfrm>
-            <a:off x="26321296" y="32696097"/>
-            <a:ext cx="2431781" cy="631833"/>
+            <a:off x="26558468" y="32691080"/>
+            <a:ext cx="1576357" cy="409574"/>
+          </a:xfrm>
+          <a:prstGeom prst="rect">
+            <a:avLst/>
+          </a:prstGeom>
+        </p:spPr>
+      </p:pic>
+      <p:pic>
+        <p:nvPicPr>
+          <p:cNvPr id="28" name="Picture 27"/>
+          <p:cNvPicPr>
+            <a:picLocks noChangeAspect="1"/>
+          </p:cNvPicPr>
+          <p:nvPr/>
+        </p:nvPicPr>
+        <p:blipFill>
+          <a:blip r:embed="rId31" cstate="print">
+            <a:extLst>
+              <a:ext uri="{28A0092B-C50C-407E-A947-70E740481C1C}">
+                <a14:useLocalDpi xmlns:a14="http://schemas.microsoft.com/office/drawing/2010/main" val="0"/>
+              </a:ext>
+            </a:extLst>
+          </a:blip>
+          <a:stretch>
+            <a:fillRect/>
+          </a:stretch>
+        </p:blipFill>
+        <p:spPr>
+          <a:xfrm>
+            <a:off x="3188712" y="20925362"/>
+            <a:ext cx="393796" cy="97770"/>
           </a:xfrm>
           <a:prstGeom prst="rect">
             <a:avLst/>
@@ -7117,7 +7345,7 @@
           <p:nvPr/>
         </p:nvPicPr>
         <p:blipFill>
-          <a:blip r:embed="rId30" cstate="print">
+          <a:blip r:embed="rId32" cstate="print">
             <a:extLst>
               <a:ext uri="{28A0092B-C50C-407E-A947-70E740481C1C}">
                 <a14:useLocalDpi xmlns:a14="http://schemas.microsoft.com/office/drawing/2010/main" val="0"/>
@@ -7130,7 +7358,7 @@
         </p:blipFill>
         <p:spPr>
           <a:xfrm>
-            <a:off x="3193798" y="20297818"/>
+            <a:off x="3193798" y="20095723"/>
             <a:ext cx="355614" cy="355614"/>
           </a:xfrm>
           <a:prstGeom prst="rect">
@@ -7160,7 +7388,7 @@
         </p:blipFill>
         <p:spPr>
           <a:xfrm>
-            <a:off x="13193510" y="20801890"/>
+            <a:off x="13193509" y="20599795"/>
             <a:ext cx="393796" cy="97770"/>
           </a:xfrm>
           <a:prstGeom prst="rect">
@@ -7177,7 +7405,7 @@
           <p:nvPr/>
         </p:nvPicPr>
         <p:blipFill>
-          <a:blip r:embed="rId30" cstate="print">
+          <a:blip r:embed="rId32" cstate="print">
             <a:extLst>
               <a:ext uri="{28A0092B-C50C-407E-A947-70E740481C1C}">
                 <a14:useLocalDpi xmlns:a14="http://schemas.microsoft.com/office/drawing/2010/main" val="0"/>
@@ -7190,7 +7418,7 @@
         </p:blipFill>
         <p:spPr>
           <a:xfrm>
-            <a:off x="13198595" y="19972251"/>
+            <a:off x="13198595" y="19770156"/>
             <a:ext cx="355614" cy="355614"/>
           </a:xfrm>
           <a:prstGeom prst="rect">
@@ -7207,7 +7435,7 @@
           <p:nvPr/>
         </p:nvPicPr>
         <p:blipFill>
-          <a:blip r:embed="rId30" cstate="print">
+          <a:blip r:embed="rId32" cstate="print">
             <a:extLst>
               <a:ext uri="{28A0092B-C50C-407E-A947-70E740481C1C}">
                 <a14:useLocalDpi xmlns:a14="http://schemas.microsoft.com/office/drawing/2010/main" val="0"/>
@@ -7220,7 +7448,7 @@
         </p:blipFill>
         <p:spPr>
           <a:xfrm>
-            <a:off x="8342055" y="27204661"/>
+            <a:off x="8342053" y="27002565"/>
             <a:ext cx="355614" cy="355614"/>
           </a:xfrm>
           <a:prstGeom prst="rect">
@@ -7228,42 +7456,12 @@
           </a:prstGeom>
         </p:spPr>
       </p:pic>
-      <p:pic>
-        <p:nvPicPr>
-          <p:cNvPr id="91" name="Picture 90"/>
-          <p:cNvPicPr>
-            <a:picLocks noChangeAspect="1"/>
-          </p:cNvPicPr>
-          <p:nvPr/>
-        </p:nvPicPr>
-        <p:blipFill>
-          <a:blip r:embed="rId31" cstate="print">
-            <a:extLst>
-              <a:ext uri="{28A0092B-C50C-407E-A947-70E740481C1C}">
-                <a14:useLocalDpi xmlns:a14="http://schemas.microsoft.com/office/drawing/2010/main" val="0"/>
-              </a:ext>
-            </a:extLst>
-          </a:blip>
-          <a:stretch>
-            <a:fillRect/>
-          </a:stretch>
-        </p:blipFill>
-        <p:spPr>
-          <a:xfrm>
-            <a:off x="3171392" y="21113943"/>
-            <a:ext cx="393796" cy="97770"/>
-          </a:xfrm>
-          <a:prstGeom prst="rect">
-            <a:avLst/>
-          </a:prstGeom>
-        </p:spPr>
-      </p:pic>
-      <p:sp>
-        <p:nvSpPr>
-          <p:cNvPr id="93" name="Rectangle 85">
+      <p:sp>
+        <p:nvSpPr>
+          <p:cNvPr id="87" name="Rectangle 86">
             <a:extLst>
               <a:ext uri="{FF2B5EF4-FFF2-40B4-BE49-F238E27FC236}">
-                <a16:creationId xmlns:a16="http://schemas.microsoft.com/office/drawing/2014/main" id="{3560F447-19D5-FF49-9779-4F24270BB4E0}"/>
+                <a16:creationId xmlns:a16="http://schemas.microsoft.com/office/drawing/2014/main" id="{55124BA0-D842-4514-A837-9DA40A57054E}"/>
               </a:ext>
             </a:extLst>
           </p:cNvPr>
@@ -7272,137 +7470,50 @@
         </p:nvSpPr>
         <p:spPr>
           <a:xfrm>
-            <a:off x="19531455" y="19665505"/>
-            <a:ext cx="9624448" cy="8761425"/>
+            <a:off x="19541160" y="13738071"/>
+            <a:ext cx="9579604" cy="4248408"/>
           </a:xfrm>
           <a:prstGeom prst="rect">
             <a:avLst/>
           </a:prstGeom>
+          <a:noFill/>
           <a:ln w="57150">
             <a:solidFill>
               <a:schemeClr val="accent5"/>
             </a:solidFill>
-            <a:miter/>
           </a:ln>
         </p:spPr>
-        <p:txBody>
-          <a:bodyPr lIns="45719" rIns="45719" anchor="ctr"/>
-          <a:lstStyle/>
-          <a:p>
-            <a:pPr algn="ctr">
-              <a:defRPr>
-                <a:solidFill>
-                  <a:srgbClr val="FFFFFF"/>
-                </a:solidFill>
-              </a:defRPr>
-            </a:pPr>
-            <a:endParaRPr/>
-          </a:p>
-        </p:txBody>
-      </p:sp>
-      <p:sp>
-        <p:nvSpPr>
-          <p:cNvPr id="94" name="Arrow: Up-Down 35">
+        <p:style>
+          <a:lnRef idx="2">
+            <a:schemeClr val="accent1">
+              <a:shade val="50000"/>
+            </a:schemeClr>
+          </a:lnRef>
+          <a:fillRef idx="1">
+            <a:schemeClr val="accent1"/>
+          </a:fillRef>
+          <a:effectRef idx="0">
+            <a:schemeClr val="accent1"/>
+          </a:effectRef>
+          <a:fontRef idx="minor">
+            <a:schemeClr val="lt1"/>
+          </a:fontRef>
+        </p:style>
+        <p:txBody>
+          <a:bodyPr rtlCol="0" anchor="ctr"/>
+          <a:lstStyle/>
+          <a:p>
+            <a:pPr algn="ctr"/>
+            <a:endParaRPr lang="en-US"/>
+          </a:p>
+        </p:txBody>
+      </p:sp>
+      <p:sp>
+        <p:nvSpPr>
+          <p:cNvPr id="90" name="TextBox 89">
             <a:extLst>
               <a:ext uri="{FF2B5EF4-FFF2-40B4-BE49-F238E27FC236}">
-                <a16:creationId xmlns:a16="http://schemas.microsoft.com/office/drawing/2014/main" id="{E62DC3FF-6274-5542-AAB9-816951F4E5C4}"/>
-              </a:ext>
-            </a:extLst>
-          </p:cNvPr>
-          <p:cNvSpPr/>
-          <p:nvPr/>
-        </p:nvSpPr>
-        <p:spPr>
-          <a:xfrm>
-            <a:off x="24101215" y="18289540"/>
-            <a:ext cx="484633" cy="1216153"/>
-          </a:xfrm>
-          <a:custGeom>
-            <a:avLst/>
-            <a:gdLst/>
-            <a:ahLst/>
-            <a:cxnLst>
-              <a:cxn ang="0">
-                <a:pos x="wd2" y="hd2"/>
-              </a:cxn>
-              <a:cxn ang="5400000">
-                <a:pos x="wd2" y="hd2"/>
-              </a:cxn>
-              <a:cxn ang="10800000">
-                <a:pos x="wd2" y="hd2"/>
-              </a:cxn>
-              <a:cxn ang="16200000">
-                <a:pos x="wd2" y="hd2"/>
-              </a:cxn>
-            </a:cxnLst>
-            <a:rect l="0" t="0" r="r" b="b"/>
-            <a:pathLst>
-              <a:path w="21600" h="21600" extrusionOk="0">
-                <a:moveTo>
-                  <a:pt x="0" y="4304"/>
-                </a:moveTo>
-                <a:lnTo>
-                  <a:pt x="10800" y="0"/>
-                </a:lnTo>
-                <a:lnTo>
-                  <a:pt x="21600" y="4304"/>
-                </a:lnTo>
-                <a:lnTo>
-                  <a:pt x="16200" y="4304"/>
-                </a:lnTo>
-                <a:lnTo>
-                  <a:pt x="16200" y="17296"/>
-                </a:lnTo>
-                <a:lnTo>
-                  <a:pt x="21600" y="17296"/>
-                </a:lnTo>
-                <a:lnTo>
-                  <a:pt x="10800" y="21600"/>
-                </a:lnTo>
-                <a:lnTo>
-                  <a:pt x="0" y="17296"/>
-                </a:lnTo>
-                <a:lnTo>
-                  <a:pt x="5400" y="17296"/>
-                </a:lnTo>
-                <a:lnTo>
-                  <a:pt x="5400" y="4304"/>
-                </a:lnTo>
-                <a:close/>
-              </a:path>
-            </a:pathLst>
-          </a:custGeom>
-          <a:solidFill>
-            <a:schemeClr val="accent5"/>
-          </a:solidFill>
-          <a:ln w="12700">
-            <a:solidFill>
-              <a:schemeClr val="accent5"/>
-            </a:solidFill>
-            <a:miter/>
-          </a:ln>
-        </p:spPr>
-        <p:txBody>
-          <a:bodyPr lIns="45719" rIns="45719" anchor="ctr"/>
-          <a:lstStyle/>
-          <a:p>
-            <a:pPr algn="ctr">
-              <a:defRPr>
-                <a:solidFill>
-                  <a:srgbClr val="FFFFFF"/>
-                </a:solidFill>
-              </a:defRPr>
-            </a:pPr>
-            <a:endParaRPr/>
-          </a:p>
-        </p:txBody>
-      </p:sp>
-      <p:sp>
-        <p:nvSpPr>
-          <p:cNvPr id="95" name="TextBox 88">
-            <a:extLst>
-              <a:ext uri="{FF2B5EF4-FFF2-40B4-BE49-F238E27FC236}">
-                <a16:creationId xmlns:a16="http://schemas.microsoft.com/office/drawing/2014/main" id="{BA2FC371-3D80-F949-8CEC-2EF4D800F0D8}"/>
+                <a16:creationId xmlns:a16="http://schemas.microsoft.com/office/drawing/2014/main" id="{EDD72826-2670-411A-8985-CF37765EF0FF}"/>
               </a:ext>
             </a:extLst>
           </p:cNvPr>
@@ -7411,3181 +7522,34 @@
         </p:nvSpPr>
         <p:spPr>
           <a:xfrm>
-            <a:off x="19427627" y="18885806"/>
-            <a:ext cx="3272142" cy="904241"/>
+            <a:off x="18818026" y="12911560"/>
+            <a:ext cx="3272141" cy="892552"/>
           </a:xfrm>
           <a:prstGeom prst="rect">
             <a:avLst/>
           </a:prstGeom>
-          <a:ln w="12700">
-            <a:miter lim="400000"/>
-          </a:ln>
-          <a:extLst>
-            <a:ext uri="{C572A759-6A51-4108-AA02-DFA0A04FC94B}">
-              <ma14:wrappingTextBoxFlag xmlns="" xmlns:ma14="http://schemas.microsoft.com/office/mac/drawingml/2011/main" val="1"/>
-            </a:ext>
-          </a:extLst>
-        </p:spPr>
-        <p:txBody>
-          <a:bodyPr lIns="45719" rIns="45719">
+        </p:spPr>
+        <p:txBody>
+          <a:bodyPr rot="0" spcFirstLastPara="0" vertOverflow="overflow" horzOverflow="overflow" vert="horz" wrap="square" lIns="91440" tIns="45720" rIns="91440" bIns="45720" numCol="1" spcCol="0" rtlCol="0" fromWordArt="0" anchor="t" anchorCtr="0" forceAA="0" compatLnSpc="1">
+            <a:prstTxWarp prst="textNoShape">
+              <a:avLst/>
+            </a:prstTxWarp>
             <a:spAutoFit/>
           </a:bodyPr>
-          <a:lstStyle>
-            <a:lvl1pPr algn="ctr">
-              <a:defRPr sz="5200">
-                <a:solidFill>
-                  <a:schemeClr val="accent1"/>
-                </a:solidFill>
-              </a:defRPr>
-            </a:lvl1pPr>
-          </a:lstStyle>
-          <a:p>
-            <a:r>
-              <a:t>SBGN-ML</a:t>
-            </a:r>
-          </a:p>
-        </p:txBody>
-      </p:sp>
-      <p:sp>
-        <p:nvSpPr>
-          <p:cNvPr id="96" name="Rectangle 86">
-            <a:extLst>
-              <a:ext uri="{FF2B5EF4-FFF2-40B4-BE49-F238E27FC236}">
-                <a16:creationId xmlns:a16="http://schemas.microsoft.com/office/drawing/2014/main" id="{1C042691-7E70-7C47-BC39-72D87E33D5F1}"/>
-              </a:ext>
-            </a:extLst>
-          </p:cNvPr>
-          <p:cNvSpPr/>
-          <p:nvPr/>
-        </p:nvSpPr>
-        <p:spPr>
-          <a:xfrm>
-            <a:off x="19541159" y="13940164"/>
-            <a:ext cx="9579604" cy="4248409"/>
-          </a:xfrm>
-          <a:prstGeom prst="rect">
-            <a:avLst/>
-          </a:prstGeom>
-          <a:ln w="57150">
-            <a:solidFill>
-              <a:schemeClr val="accent5"/>
-            </a:solidFill>
-            <a:miter/>
-          </a:ln>
-        </p:spPr>
-        <p:txBody>
-          <a:bodyPr lIns="45719" rIns="45719" anchor="ctr"/>
-          <a:lstStyle/>
-          <a:p>
-            <a:pPr algn="ctr">
-              <a:defRPr>
-                <a:solidFill>
-                  <a:srgbClr val="FFFFFF"/>
-                </a:solidFill>
-              </a:defRPr>
-            </a:pPr>
-            <a:endParaRPr/>
-          </a:p>
-        </p:txBody>
-      </p:sp>
-      <p:sp>
-        <p:nvSpPr>
-          <p:cNvPr id="97" name="TextBox 89">
-            <a:extLst>
-              <a:ext uri="{FF2B5EF4-FFF2-40B4-BE49-F238E27FC236}">
-                <a16:creationId xmlns:a16="http://schemas.microsoft.com/office/drawing/2014/main" id="{A885AF0B-652E-3E45-BCE1-F5817139435F}"/>
-              </a:ext>
-            </a:extLst>
-          </p:cNvPr>
-          <p:cNvSpPr txBox="1"/>
-          <p:nvPr/>
-        </p:nvSpPr>
-        <p:spPr>
-          <a:xfrm>
-            <a:off x="18818025" y="13113656"/>
-            <a:ext cx="3272142" cy="904241"/>
-          </a:xfrm>
-          <a:prstGeom prst="rect">
-            <a:avLst/>
-          </a:prstGeom>
-          <a:ln w="12700">
-            <a:miter lim="400000"/>
-          </a:ln>
-          <a:extLst>
-            <a:ext uri="{C572A759-6A51-4108-AA02-DFA0A04FC94B}">
-              <ma14:wrappingTextBoxFlag xmlns="" xmlns:ma14="http://schemas.microsoft.com/office/mac/drawingml/2011/main" val="1"/>
-            </a:ext>
-          </a:extLst>
-        </p:spPr>
-        <p:txBody>
-          <a:bodyPr lIns="45719" rIns="45719">
-            <a:spAutoFit/>
-          </a:bodyPr>
-          <a:lstStyle>
-            <a:lvl1pPr algn="ctr">
-              <a:defRPr sz="5200">
-                <a:solidFill>
-                  <a:schemeClr val="accent1"/>
-                </a:solidFill>
-              </a:defRPr>
-            </a:lvl1pPr>
-          </a:lstStyle>
-          <a:p>
-            <a:r>
+          <a:lstStyle/>
+          <a:p>
+            <a:pPr algn="ctr"/>
+            <a:r>
+              <a:rPr lang="en-US" sz="5200" dirty="0">
+                <a:solidFill>
+                  <a:srgbClr val="4472C4"/>
+                </a:solidFill>
+                <a:latin typeface="Times New Roman"/>
+                <a:cs typeface="Times New Roman"/>
+              </a:rPr>
               <a:t>SBGN</a:t>
             </a:r>
-          </a:p>
-        </p:txBody>
-      </p:sp>
-      <p:grpSp>
-        <p:nvGrpSpPr>
-          <p:cNvPr id="98" name="Gruppieren">
-            <a:extLst>
-              <a:ext uri="{FF2B5EF4-FFF2-40B4-BE49-F238E27FC236}">
-                <a16:creationId xmlns:a16="http://schemas.microsoft.com/office/drawing/2014/main" id="{584FED90-AB9C-D741-9CD6-DA14FB7E2922}"/>
-              </a:ext>
-            </a:extLst>
-          </p:cNvPr>
-          <p:cNvGrpSpPr/>
-          <p:nvPr/>
-        </p:nvGrpSpPr>
-        <p:grpSpPr>
-          <a:xfrm>
-            <a:off x="22100946" y="16735356"/>
-            <a:ext cx="1328767" cy="1344766"/>
-            <a:chOff x="0" y="0"/>
-            <a:chExt cx="1328766" cy="1344764"/>
-          </a:xfrm>
-        </p:grpSpPr>
-        <p:sp>
-          <p:nvSpPr>
-            <p:cNvPr id="99" name="Kreis">
-              <a:extLst>
-                <a:ext uri="{FF2B5EF4-FFF2-40B4-BE49-F238E27FC236}">
-                  <a16:creationId xmlns:a16="http://schemas.microsoft.com/office/drawing/2014/main" id="{64DFD8A8-74B3-FA44-A0F6-74D75BEC683C}"/>
-                </a:ext>
-              </a:extLst>
-            </p:cNvPr>
-            <p:cNvSpPr/>
-            <p:nvPr/>
-          </p:nvSpPr>
-          <p:spPr>
-            <a:xfrm>
-              <a:off x="0" y="0"/>
-              <a:ext cx="1328767" cy="1331547"/>
-            </a:xfrm>
-            <a:prstGeom prst="ellipse">
-              <a:avLst/>
-            </a:prstGeom>
-            <a:gradFill flip="none" rotWithShape="1">
-              <a:gsLst>
-                <a:gs pos="0">
-                  <a:srgbClr val="51A7F9"/>
-                </a:gs>
-                <a:gs pos="100000">
-                  <a:srgbClr val="0365C0"/>
-                </a:gs>
-              </a:gsLst>
-              <a:lin ang="5400000" scaled="0"/>
-            </a:gradFill>
-            <a:ln w="25400" cap="flat">
-              <a:solidFill>
-                <a:schemeClr val="accent1"/>
-              </a:solidFill>
-              <a:prstDash val="solid"/>
-              <a:round/>
-            </a:ln>
-            <a:effectLst>
-              <a:outerShdw blurRad="76200" dist="25400" dir="5400000" rotWithShape="0">
-                <a:srgbClr val="000000">
-                  <a:alpha val="63000"/>
-                </a:srgbClr>
-              </a:outerShdw>
-            </a:effectLst>
-          </p:spPr>
-          <p:txBody>
-            <a:bodyPr wrap="square" lIns="50800" tIns="50800" rIns="50800" bIns="50800" numCol="1" anchor="ctr">
-              <a:noAutofit/>
-            </a:bodyPr>
-            <a:lstStyle/>
-            <a:p>
-              <a:pPr marL="40639" marR="40639" algn="ctr">
-                <a:defRPr>
-                  <a:uFill>
-                    <a:solidFill>
-                      <a:srgbClr val="000000"/>
-                    </a:solidFill>
-                  </a:uFill>
-                </a:defRPr>
-              </a:pPr>
-              <a:endParaRPr/>
-            </a:p>
-          </p:txBody>
-        </p:sp>
-        <p:sp>
-          <p:nvSpPr>
-            <p:cNvPr id="100" name="ATP">
-              <a:extLst>
-                <a:ext uri="{FF2B5EF4-FFF2-40B4-BE49-F238E27FC236}">
-                  <a16:creationId xmlns:a16="http://schemas.microsoft.com/office/drawing/2014/main" id="{14B546B3-2F66-8045-9F19-EA0F8884DD60}"/>
-                </a:ext>
-              </a:extLst>
-            </p:cNvPr>
-            <p:cNvSpPr txBox="1"/>
-            <p:nvPr/>
-          </p:nvSpPr>
-          <p:spPr>
-            <a:xfrm>
-              <a:off x="108382" y="241120"/>
-              <a:ext cx="1112001" cy="849307"/>
-            </a:xfrm>
-            <a:prstGeom prst="rect">
-              <a:avLst/>
-            </a:prstGeom>
-            <a:noFill/>
-            <a:ln w="12700" cap="flat">
-              <a:noFill/>
-              <a:miter lim="400000"/>
-            </a:ln>
-            <a:effectLst/>
-            <a:extLst>
-              <a:ext uri="{C572A759-6A51-4108-AA02-DFA0A04FC94B}">
-                <ma14:wrappingTextBoxFlag xmlns="" xmlns:ma14="http://schemas.microsoft.com/office/mac/drawingml/2011/main" val="1"/>
-              </a:ext>
-            </a:extLst>
-          </p:spPr>
-          <p:txBody>
-            <a:bodyPr wrap="square" lIns="50800" tIns="50800" rIns="50800" bIns="50800" numCol="1" anchor="ctr">
-              <a:noAutofit/>
-            </a:bodyPr>
-            <a:lstStyle>
-              <a:lvl1pPr marL="40639" marR="40639" algn="ctr">
-                <a:defRPr sz="3800">
-                  <a:solidFill>
-                    <a:srgbClr val="FFFFFF"/>
-                  </a:solidFill>
-                  <a:uFill>
-                    <a:solidFill>
-                      <a:srgbClr val="000000"/>
-                    </a:solidFill>
-                  </a:uFill>
-                </a:defRPr>
-              </a:lvl1pPr>
-            </a:lstStyle>
-            <a:p>
-              <a:r>
-                <a:t>ATP</a:t>
-              </a:r>
-            </a:p>
-          </p:txBody>
-        </p:sp>
-        <p:sp>
-          <p:nvSpPr>
-            <p:cNvPr id="101" name="Form">
-              <a:extLst>
-                <a:ext uri="{FF2B5EF4-FFF2-40B4-BE49-F238E27FC236}">
-                  <a16:creationId xmlns:a16="http://schemas.microsoft.com/office/drawing/2014/main" id="{04DDD2CC-B330-5343-A710-3C9F071472EA}"/>
-                </a:ext>
-              </a:extLst>
-            </p:cNvPr>
-            <p:cNvSpPr/>
-            <p:nvPr/>
-          </p:nvSpPr>
-          <p:spPr>
-            <a:xfrm>
-              <a:off x="95360" y="993041"/>
-              <a:ext cx="1138050" cy="351724"/>
-            </a:xfrm>
-            <a:custGeom>
-              <a:avLst/>
-              <a:gdLst/>
-              <a:ahLst/>
-              <a:cxnLst>
-                <a:cxn ang="0">
-                  <a:pos x="wd2" y="hd2"/>
-                </a:cxn>
-                <a:cxn ang="5400000">
-                  <a:pos x="wd2" y="hd2"/>
-                </a:cxn>
-                <a:cxn ang="10800000">
-                  <a:pos x="wd2" y="hd2"/>
-                </a:cxn>
-                <a:cxn ang="16200000">
-                  <a:pos x="wd2" y="hd2"/>
-                </a:cxn>
-              </a:cxnLst>
-              <a:rect l="0" t="0" r="r" b="b"/>
-              <a:pathLst>
-                <a:path w="21600" h="21329" extrusionOk="0">
-                  <a:moveTo>
-                    <a:pt x="0" y="221"/>
-                  </a:moveTo>
-                  <a:lnTo>
-                    <a:pt x="21600" y="0"/>
-                  </a:lnTo>
-                  <a:cubicBezTo>
-                    <a:pt x="20579" y="4723"/>
-                    <a:pt x="19317" y="8863"/>
-                    <a:pt x="17867" y="12247"/>
-                  </a:cubicBezTo>
-                  <a:cubicBezTo>
-                    <a:pt x="15904" y="16826"/>
-                    <a:pt x="13642" y="19924"/>
-                    <a:pt x="11251" y="21306"/>
-                  </a:cubicBezTo>
-                  <a:cubicBezTo>
-                    <a:pt x="8605" y="21600"/>
-                    <a:pt x="6002" y="19135"/>
-                    <a:pt x="3833" y="14284"/>
-                  </a:cubicBezTo>
-                  <a:cubicBezTo>
-                    <a:pt x="2215" y="10666"/>
-                    <a:pt x="899" y="5838"/>
-                    <a:pt x="0" y="221"/>
-                  </a:cubicBezTo>
-                  <a:close/>
-                </a:path>
-              </a:pathLst>
-            </a:custGeom>
-            <a:solidFill>
-              <a:srgbClr val="000000">
-                <a:alpha val="50366"/>
-              </a:srgbClr>
-            </a:solidFill>
-            <a:ln w="12700" cap="flat">
-              <a:noFill/>
-              <a:miter lim="400000"/>
-            </a:ln>
-            <a:effectLst/>
-          </p:spPr>
-          <p:txBody>
-            <a:bodyPr wrap="square" lIns="50800" tIns="50800" rIns="50800" bIns="50800" numCol="1" anchor="ctr">
-              <a:noAutofit/>
-            </a:bodyPr>
-            <a:lstStyle/>
-            <a:p>
-              <a:pPr algn="ctr" defTabSz="584200">
-                <a:defRPr sz="2400">
-                  <a:latin typeface="Helvetica Light"/>
-                  <a:ea typeface="Helvetica Light"/>
-                  <a:cs typeface="Helvetica Light"/>
-                  <a:sym typeface="Helvetica Light"/>
-                </a:defRPr>
-              </a:pPr>
-              <a:endParaRPr/>
-            </a:p>
-          </p:txBody>
-        </p:sp>
-      </p:grpSp>
-      <p:grpSp>
-        <p:nvGrpSpPr>
-          <p:cNvPr id="102" name="Gruppieren">
-            <a:extLst>
-              <a:ext uri="{FF2B5EF4-FFF2-40B4-BE49-F238E27FC236}">
-                <a16:creationId xmlns:a16="http://schemas.microsoft.com/office/drawing/2014/main" id="{F0B195DE-EE87-4548-A952-A82ECFCC0EB2}"/>
-              </a:ext>
-            </a:extLst>
-          </p:cNvPr>
-          <p:cNvGrpSpPr/>
-          <p:nvPr/>
-        </p:nvGrpSpPr>
-        <p:grpSpPr>
-          <a:xfrm>
-            <a:off x="19986867" y="15479505"/>
-            <a:ext cx="2649117" cy="1270001"/>
-            <a:chOff x="0" y="0"/>
-            <a:chExt cx="2649115" cy="1270000"/>
-          </a:xfrm>
-        </p:grpSpPr>
-        <p:sp>
-          <p:nvSpPr>
-            <p:cNvPr id="103" name="Abgerundetes Rechteck">
-              <a:extLst>
-                <a:ext uri="{FF2B5EF4-FFF2-40B4-BE49-F238E27FC236}">
-                  <a16:creationId xmlns:a16="http://schemas.microsoft.com/office/drawing/2014/main" id="{5C3EB545-8414-B048-9F54-FD74F8BFCE1E}"/>
-                </a:ext>
-              </a:extLst>
-            </p:cNvPr>
-            <p:cNvSpPr/>
-            <p:nvPr/>
-          </p:nvSpPr>
-          <p:spPr>
-            <a:xfrm>
-              <a:off x="0" y="0"/>
-              <a:ext cx="2649116" cy="1270000"/>
-            </a:xfrm>
-            <a:prstGeom prst="roundRect">
-              <a:avLst>
-                <a:gd name="adj" fmla="val 50000"/>
-              </a:avLst>
-            </a:prstGeom>
-            <a:gradFill flip="none" rotWithShape="1">
-              <a:gsLst>
-                <a:gs pos="0">
-                  <a:srgbClr val="80B860"/>
-                </a:gs>
-                <a:gs pos="50000">
-                  <a:srgbClr val="6FB242"/>
-                </a:gs>
-                <a:gs pos="100000">
-                  <a:srgbClr val="61A236"/>
-                </a:gs>
-              </a:gsLst>
-              <a:lin ang="5400000" scaled="0"/>
-            </a:gradFill>
-            <a:ln w="6350" cap="flat">
-              <a:solidFill>
-                <a:schemeClr val="accent1"/>
-              </a:solidFill>
-              <a:prstDash val="solid"/>
-              <a:miter lim="800000"/>
-            </a:ln>
-            <a:effectLst>
-              <a:outerShdw blurRad="63500" dist="19050" dir="5400000" rotWithShape="0">
-                <a:srgbClr val="000000">
-                  <a:alpha val="63000"/>
-                </a:srgbClr>
-              </a:outerShdw>
-            </a:effectLst>
-          </p:spPr>
-          <p:txBody>
-            <a:bodyPr wrap="square" lIns="45719" tIns="45719" rIns="45719" bIns="45719" numCol="1" anchor="ctr">
-              <a:noAutofit/>
-            </a:bodyPr>
-            <a:lstStyle/>
-            <a:p>
-              <a:pPr algn="ctr">
-                <a:defRPr sz="3700">
-                  <a:solidFill>
-                    <a:srgbClr val="FFFFFF"/>
-                  </a:solidFill>
-                </a:defRPr>
-              </a:pPr>
-              <a:endParaRPr/>
-            </a:p>
-          </p:txBody>
-        </p:sp>
-        <p:sp>
-          <p:nvSpPr>
-            <p:cNvPr id="104" name="glucose">
-              <a:extLst>
-                <a:ext uri="{FF2B5EF4-FFF2-40B4-BE49-F238E27FC236}">
-                  <a16:creationId xmlns:a16="http://schemas.microsoft.com/office/drawing/2014/main" id="{9F75A821-5F6B-2342-98AE-F9FC13E3AC66}"/>
-                </a:ext>
-              </a:extLst>
-            </p:cNvPr>
-            <p:cNvSpPr txBox="1"/>
-            <p:nvPr/>
-          </p:nvSpPr>
-          <p:spPr>
-            <a:xfrm>
-              <a:off x="535038" y="297180"/>
-              <a:ext cx="1579040" cy="675641"/>
-            </a:xfrm>
-            <a:prstGeom prst="rect">
-              <a:avLst/>
-            </a:prstGeom>
-            <a:noFill/>
-            <a:ln w="12700" cap="flat">
-              <a:noFill/>
-              <a:miter lim="400000"/>
-            </a:ln>
-            <a:effectLst/>
-            <a:extLst>
-              <a:ext uri="{C572A759-6A51-4108-AA02-DFA0A04FC94B}">
-                <ma14:wrappingTextBoxFlag xmlns="" xmlns:ma14="http://schemas.microsoft.com/office/mac/drawingml/2011/main" val="1"/>
-              </a:ext>
-            </a:extLst>
-          </p:spPr>
-          <p:txBody>
-            <a:bodyPr wrap="none" lIns="45719" tIns="45719" rIns="45719" bIns="45719" numCol="1" anchor="t">
-              <a:spAutoFit/>
-            </a:bodyPr>
-            <a:lstStyle>
-              <a:lvl1pPr algn="ctr">
-                <a:defRPr sz="3800">
-                  <a:solidFill>
-                    <a:srgbClr val="FFFFFF"/>
-                  </a:solidFill>
-                </a:defRPr>
-              </a:lvl1pPr>
-            </a:lstStyle>
-            <a:p>
-              <a:r>
-                <a:t>glucose</a:t>
-              </a:r>
-            </a:p>
-          </p:txBody>
-        </p:sp>
-      </p:grpSp>
-      <p:grpSp>
-        <p:nvGrpSpPr>
-          <p:cNvPr id="105" name="Gruppieren">
-            <a:extLst>
-              <a:ext uri="{FF2B5EF4-FFF2-40B4-BE49-F238E27FC236}">
-                <a16:creationId xmlns:a16="http://schemas.microsoft.com/office/drawing/2014/main" id="{67D780D9-FD43-764A-BFF0-8BCE7CAC1785}"/>
-              </a:ext>
-            </a:extLst>
-          </p:cNvPr>
-          <p:cNvGrpSpPr/>
-          <p:nvPr/>
-        </p:nvGrpSpPr>
-        <p:grpSpPr>
-          <a:xfrm>
-            <a:off x="26103959" y="15476014"/>
-            <a:ext cx="2649116" cy="1270001"/>
-            <a:chOff x="0" y="0"/>
-            <a:chExt cx="2649115" cy="1270000"/>
-          </a:xfrm>
-        </p:grpSpPr>
-        <p:sp>
-          <p:nvSpPr>
-            <p:cNvPr id="106" name="Abgerundetes Rechteck">
-              <a:extLst>
-                <a:ext uri="{FF2B5EF4-FFF2-40B4-BE49-F238E27FC236}">
-                  <a16:creationId xmlns:a16="http://schemas.microsoft.com/office/drawing/2014/main" id="{680D3C23-F893-B94B-AE65-0242208D9876}"/>
-                </a:ext>
-              </a:extLst>
-            </p:cNvPr>
-            <p:cNvSpPr/>
-            <p:nvPr/>
-          </p:nvSpPr>
-          <p:spPr>
-            <a:xfrm>
-              <a:off x="0" y="0"/>
-              <a:ext cx="2649116" cy="1270000"/>
-            </a:xfrm>
-            <a:prstGeom prst="roundRect">
-              <a:avLst>
-                <a:gd name="adj" fmla="val 50000"/>
-              </a:avLst>
-            </a:prstGeom>
-            <a:gradFill flip="none" rotWithShape="1">
-              <a:gsLst>
-                <a:gs pos="0">
-                  <a:srgbClr val="80B860"/>
-                </a:gs>
-                <a:gs pos="50000">
-                  <a:srgbClr val="6FB242"/>
-                </a:gs>
-                <a:gs pos="100000">
-                  <a:srgbClr val="61A236"/>
-                </a:gs>
-              </a:gsLst>
-              <a:lin ang="5400000" scaled="0"/>
-            </a:gradFill>
-            <a:ln w="6350" cap="flat">
-              <a:solidFill>
-                <a:schemeClr val="accent1"/>
-              </a:solidFill>
-              <a:prstDash val="solid"/>
-              <a:miter lim="800000"/>
-            </a:ln>
-            <a:effectLst>
-              <a:outerShdw blurRad="63500" dist="19050" dir="5400000" rotWithShape="0">
-                <a:srgbClr val="000000">
-                  <a:alpha val="63000"/>
-                </a:srgbClr>
-              </a:outerShdw>
-            </a:effectLst>
-          </p:spPr>
-          <p:txBody>
-            <a:bodyPr wrap="square" lIns="45719" tIns="45719" rIns="45719" bIns="45719" numCol="1" anchor="ctr">
-              <a:noAutofit/>
-            </a:bodyPr>
-            <a:lstStyle/>
-            <a:p>
-              <a:pPr algn="ctr">
-                <a:defRPr sz="3700">
-                  <a:solidFill>
-                    <a:srgbClr val="FFFFFF"/>
-                  </a:solidFill>
-                </a:defRPr>
-              </a:pPr>
-              <a:endParaRPr/>
-            </a:p>
-          </p:txBody>
-        </p:sp>
-        <p:sp>
-          <p:nvSpPr>
-            <p:cNvPr id="107" name="glucose 6P">
-              <a:extLst>
-                <a:ext uri="{FF2B5EF4-FFF2-40B4-BE49-F238E27FC236}">
-                  <a16:creationId xmlns:a16="http://schemas.microsoft.com/office/drawing/2014/main" id="{D748168A-0F12-0945-8E97-389A86EB11CC}"/>
-                </a:ext>
-              </a:extLst>
-            </p:cNvPr>
-            <p:cNvSpPr txBox="1"/>
-            <p:nvPr/>
-          </p:nvSpPr>
-          <p:spPr>
-            <a:xfrm>
-              <a:off x="233531" y="300676"/>
-              <a:ext cx="2182054" cy="675641"/>
-            </a:xfrm>
-            <a:prstGeom prst="rect">
-              <a:avLst/>
-            </a:prstGeom>
-            <a:noFill/>
-            <a:ln w="12700" cap="flat">
-              <a:noFill/>
-              <a:miter lim="400000"/>
-            </a:ln>
-            <a:effectLst/>
-            <a:extLst>
-              <a:ext uri="{C572A759-6A51-4108-AA02-DFA0A04FC94B}">
-                <ma14:wrappingTextBoxFlag xmlns="" xmlns:ma14="http://schemas.microsoft.com/office/mac/drawingml/2011/main" val="1"/>
-              </a:ext>
-            </a:extLst>
-          </p:spPr>
-          <p:txBody>
-            <a:bodyPr wrap="none" lIns="45719" tIns="45719" rIns="45719" bIns="45719" numCol="1" anchor="t">
-              <a:spAutoFit/>
-            </a:bodyPr>
-            <a:lstStyle>
-              <a:lvl1pPr algn="ctr">
-                <a:defRPr sz="3800">
-                  <a:solidFill>
-                    <a:srgbClr val="FFFFFF"/>
-                  </a:solidFill>
-                </a:defRPr>
-              </a:lvl1pPr>
-            </a:lstStyle>
-            <a:p>
-              <a:r>
-                <a:t>glucose 6P</a:t>
-              </a:r>
-            </a:p>
-          </p:txBody>
-        </p:sp>
-      </p:grpSp>
-      <p:grpSp>
-        <p:nvGrpSpPr>
-          <p:cNvPr id="108" name="Gruppieren">
-            <a:extLst>
-              <a:ext uri="{FF2B5EF4-FFF2-40B4-BE49-F238E27FC236}">
-                <a16:creationId xmlns:a16="http://schemas.microsoft.com/office/drawing/2014/main" id="{0301C2EC-3947-3A4B-B86E-43A40ADE5AB0}"/>
-              </a:ext>
-            </a:extLst>
-          </p:cNvPr>
-          <p:cNvGrpSpPr/>
-          <p:nvPr/>
-        </p:nvGrpSpPr>
-        <p:grpSpPr>
-          <a:xfrm>
-            <a:off x="25181383" y="16735356"/>
-            <a:ext cx="1328768" cy="1344248"/>
-            <a:chOff x="0" y="0"/>
-            <a:chExt cx="1328766" cy="1344246"/>
-          </a:xfrm>
-        </p:grpSpPr>
-        <p:sp>
-          <p:nvSpPr>
-            <p:cNvPr id="109" name="Kreis">
-              <a:extLst>
-                <a:ext uri="{FF2B5EF4-FFF2-40B4-BE49-F238E27FC236}">
-                  <a16:creationId xmlns:a16="http://schemas.microsoft.com/office/drawing/2014/main" id="{4F1A3DD6-B922-094C-8D14-F458CABA395D}"/>
-                </a:ext>
-              </a:extLst>
-            </p:cNvPr>
-            <p:cNvSpPr/>
-            <p:nvPr/>
-          </p:nvSpPr>
-          <p:spPr>
-            <a:xfrm>
-              <a:off x="0" y="0"/>
-              <a:ext cx="1328767" cy="1331547"/>
-            </a:xfrm>
-            <a:prstGeom prst="ellipse">
-              <a:avLst/>
-            </a:prstGeom>
-            <a:gradFill flip="none" rotWithShape="1">
-              <a:gsLst>
-                <a:gs pos="0">
-                  <a:srgbClr val="51A7F9"/>
-                </a:gs>
-                <a:gs pos="100000">
-                  <a:srgbClr val="0365C0"/>
-                </a:gs>
-              </a:gsLst>
-              <a:lin ang="5400000" scaled="0"/>
-            </a:gradFill>
-            <a:ln w="25400" cap="flat">
-              <a:solidFill>
-                <a:schemeClr val="accent1"/>
-              </a:solidFill>
-              <a:prstDash val="solid"/>
-              <a:round/>
-            </a:ln>
-            <a:effectLst>
-              <a:outerShdw blurRad="76200" dist="25400" dir="5400000" rotWithShape="0">
-                <a:srgbClr val="000000">
-                  <a:alpha val="63000"/>
-                </a:srgbClr>
-              </a:outerShdw>
-            </a:effectLst>
-          </p:spPr>
-          <p:txBody>
-            <a:bodyPr wrap="square" lIns="50800" tIns="50800" rIns="50800" bIns="50800" numCol="1" anchor="ctr">
-              <a:noAutofit/>
-            </a:bodyPr>
-            <a:lstStyle/>
-            <a:p>
-              <a:pPr marL="40639" marR="40639" algn="ctr">
-                <a:defRPr>
-                  <a:uFill>
-                    <a:solidFill>
-                      <a:srgbClr val="000000"/>
-                    </a:solidFill>
-                  </a:uFill>
-                </a:defRPr>
-              </a:pPr>
-              <a:endParaRPr/>
-            </a:p>
-          </p:txBody>
-        </p:sp>
-        <p:sp>
-          <p:nvSpPr>
-            <p:cNvPr id="110" name="ADP">
-              <a:extLst>
-                <a:ext uri="{FF2B5EF4-FFF2-40B4-BE49-F238E27FC236}">
-                  <a16:creationId xmlns:a16="http://schemas.microsoft.com/office/drawing/2014/main" id="{35A5FEA3-B6AC-5A44-AA3F-BD3F47467F2D}"/>
-                </a:ext>
-              </a:extLst>
-            </p:cNvPr>
-            <p:cNvSpPr txBox="1"/>
-            <p:nvPr/>
-          </p:nvSpPr>
-          <p:spPr>
-            <a:xfrm>
-              <a:off x="108382" y="241120"/>
-              <a:ext cx="1112001" cy="849307"/>
-            </a:xfrm>
-            <a:prstGeom prst="rect">
-              <a:avLst/>
-            </a:prstGeom>
-            <a:noFill/>
-            <a:ln w="12700" cap="flat">
-              <a:noFill/>
-              <a:miter lim="400000"/>
-            </a:ln>
-            <a:effectLst/>
-            <a:extLst>
-              <a:ext uri="{C572A759-6A51-4108-AA02-DFA0A04FC94B}">
-                <ma14:wrappingTextBoxFlag xmlns="" xmlns:ma14="http://schemas.microsoft.com/office/mac/drawingml/2011/main" val="1"/>
-              </a:ext>
-            </a:extLst>
-          </p:spPr>
-          <p:txBody>
-            <a:bodyPr wrap="square" lIns="50800" tIns="50800" rIns="50800" bIns="50800" numCol="1" anchor="ctr">
-              <a:noAutofit/>
-            </a:bodyPr>
-            <a:lstStyle>
-              <a:lvl1pPr marL="40639" marR="40639" algn="ctr">
-                <a:defRPr sz="3800">
-                  <a:solidFill>
-                    <a:srgbClr val="FFFFFF"/>
-                  </a:solidFill>
-                  <a:uFill>
-                    <a:solidFill>
-                      <a:srgbClr val="000000"/>
-                    </a:solidFill>
-                  </a:uFill>
-                </a:defRPr>
-              </a:lvl1pPr>
-            </a:lstStyle>
-            <a:p>
-              <a:r>
-                <a:t>ADP</a:t>
-              </a:r>
-            </a:p>
-          </p:txBody>
-        </p:sp>
-        <p:sp>
-          <p:nvSpPr>
-            <p:cNvPr id="111" name="Form">
-              <a:extLst>
-                <a:ext uri="{FF2B5EF4-FFF2-40B4-BE49-F238E27FC236}">
-                  <a16:creationId xmlns:a16="http://schemas.microsoft.com/office/drawing/2014/main" id="{C168194B-C294-AE4F-8433-EEE94556BD9B}"/>
-                </a:ext>
-              </a:extLst>
-            </p:cNvPr>
-            <p:cNvSpPr/>
-            <p:nvPr/>
-          </p:nvSpPr>
-          <p:spPr>
-            <a:xfrm>
-              <a:off x="108382" y="992523"/>
-              <a:ext cx="1138050" cy="351724"/>
-            </a:xfrm>
-            <a:custGeom>
-              <a:avLst/>
-              <a:gdLst/>
-              <a:ahLst/>
-              <a:cxnLst>
-                <a:cxn ang="0">
-                  <a:pos x="wd2" y="hd2"/>
-                </a:cxn>
-                <a:cxn ang="5400000">
-                  <a:pos x="wd2" y="hd2"/>
-                </a:cxn>
-                <a:cxn ang="10800000">
-                  <a:pos x="wd2" y="hd2"/>
-                </a:cxn>
-                <a:cxn ang="16200000">
-                  <a:pos x="wd2" y="hd2"/>
-                </a:cxn>
-              </a:cxnLst>
-              <a:rect l="0" t="0" r="r" b="b"/>
-              <a:pathLst>
-                <a:path w="21600" h="21329" extrusionOk="0">
-                  <a:moveTo>
-                    <a:pt x="0" y="221"/>
-                  </a:moveTo>
-                  <a:lnTo>
-                    <a:pt x="21600" y="0"/>
-                  </a:lnTo>
-                  <a:cubicBezTo>
-                    <a:pt x="20579" y="4723"/>
-                    <a:pt x="19317" y="8863"/>
-                    <a:pt x="17867" y="12247"/>
-                  </a:cubicBezTo>
-                  <a:cubicBezTo>
-                    <a:pt x="15904" y="16826"/>
-                    <a:pt x="13642" y="19924"/>
-                    <a:pt x="11251" y="21306"/>
-                  </a:cubicBezTo>
-                  <a:cubicBezTo>
-                    <a:pt x="8605" y="21600"/>
-                    <a:pt x="6002" y="19135"/>
-                    <a:pt x="3833" y="14284"/>
-                  </a:cubicBezTo>
-                  <a:cubicBezTo>
-                    <a:pt x="2215" y="10666"/>
-                    <a:pt x="899" y="5838"/>
-                    <a:pt x="0" y="221"/>
-                  </a:cubicBezTo>
-                  <a:close/>
-                </a:path>
-              </a:pathLst>
-            </a:custGeom>
-            <a:solidFill>
-              <a:srgbClr val="000000">
-                <a:alpha val="50366"/>
-              </a:srgbClr>
-            </a:solidFill>
-            <a:ln w="12700" cap="flat">
-              <a:noFill/>
-              <a:miter lim="400000"/>
-            </a:ln>
-            <a:effectLst/>
-          </p:spPr>
-          <p:txBody>
-            <a:bodyPr wrap="square" lIns="50800" tIns="50800" rIns="50800" bIns="50800" numCol="1" anchor="ctr">
-              <a:noAutofit/>
-            </a:bodyPr>
-            <a:lstStyle/>
-            <a:p>
-              <a:pPr algn="ctr" defTabSz="584200">
-                <a:defRPr sz="2400">
-                  <a:latin typeface="Helvetica Light"/>
-                  <a:ea typeface="Helvetica Light"/>
-                  <a:cs typeface="Helvetica Light"/>
-                  <a:sym typeface="Helvetica Light"/>
-                </a:defRPr>
-              </a:pPr>
-              <a:endParaRPr/>
-            </a:p>
-          </p:txBody>
-        </p:sp>
-      </p:grpSp>
-      <p:sp>
-        <p:nvSpPr>
-          <p:cNvPr id="112" name="hexokinase">
-            <a:extLst>
-              <a:ext uri="{FF2B5EF4-FFF2-40B4-BE49-F238E27FC236}">
-                <a16:creationId xmlns:a16="http://schemas.microsoft.com/office/drawing/2014/main" id="{575EDCFA-343F-6449-9BAD-AD9EC9D8D1FC}"/>
-              </a:ext>
-            </a:extLst>
-          </p:cNvPr>
-          <p:cNvSpPr/>
-          <p:nvPr/>
-        </p:nvSpPr>
-        <p:spPr>
-          <a:xfrm>
-            <a:off x="22595847" y="14153452"/>
-            <a:ext cx="3246742" cy="1062284"/>
-          </a:xfrm>
-          <a:prstGeom prst="roundRect">
-            <a:avLst>
-              <a:gd name="adj" fmla="val 17933"/>
-            </a:avLst>
-          </a:prstGeom>
-          <a:gradFill>
-            <a:gsLst>
-              <a:gs pos="0">
-                <a:schemeClr val="accent2">
-                  <a:lumOff val="21960"/>
-                </a:schemeClr>
-              </a:gs>
-              <a:gs pos="100000">
-                <a:schemeClr val="accent2">
-                  <a:satOff val="-18194"/>
-                  <a:lumOff val="-11215"/>
-                </a:schemeClr>
-              </a:gs>
-            </a:gsLst>
-            <a:lin ang="5400000"/>
-          </a:gradFill>
-          <a:ln w="6350">
-            <a:solidFill>
-              <a:schemeClr val="accent1"/>
-            </a:solidFill>
-          </a:ln>
-          <a:effectLst>
-            <a:outerShdw blurRad="63500" dist="25400" dir="5400000" rotWithShape="0">
-              <a:srgbClr val="000000">
-                <a:alpha val="63000"/>
-              </a:srgbClr>
-            </a:outerShdw>
-          </a:effectLst>
-          <a:extLst>
-            <a:ext uri="{C572A759-6A51-4108-AA02-DFA0A04FC94B}">
-              <ma14:wrappingTextBoxFlag xmlns="" xmlns:ma14="http://schemas.microsoft.com/office/mac/drawingml/2011/main" val="1"/>
-            </a:ext>
-          </a:extLst>
-        </p:spPr>
-        <p:txBody>
-          <a:bodyPr lIns="50800" tIns="50800" rIns="50800" bIns="50800" anchor="ctr"/>
-          <a:lstStyle>
-            <a:lvl1pPr marL="40639" marR="40639" algn="ctr">
-              <a:defRPr sz="3800">
-                <a:solidFill>
-                  <a:srgbClr val="FFFFFF"/>
-                </a:solidFill>
-                <a:uFill>
-                  <a:solidFill>
-                    <a:srgbClr val="000000"/>
-                  </a:solidFill>
-                </a:uFill>
-              </a:defRPr>
-            </a:lvl1pPr>
-          </a:lstStyle>
-          <a:p>
-            <a:r>
-              <a:t>hexokinase</a:t>
-            </a:r>
-          </a:p>
-        </p:txBody>
-      </p:sp>
-      <p:cxnSp>
-        <p:nvCxnSpPr>
-          <p:cNvPr id="113" name="Verbindungslinie">
-            <a:extLst>
-              <a:ext uri="{FF2B5EF4-FFF2-40B4-BE49-F238E27FC236}">
-                <a16:creationId xmlns:a16="http://schemas.microsoft.com/office/drawing/2014/main" id="{630694E7-180B-B94E-990A-1EB7C4C81261}"/>
-              </a:ext>
-            </a:extLst>
-          </p:cNvPr>
-          <p:cNvCxnSpPr>
-            <a:cxnSpLocks/>
-          </p:cNvCxnSpPr>
-          <p:nvPr/>
-        </p:nvCxnSpPr>
-        <p:spPr>
-          <a:xfrm flipV="1">
-            <a:off x="24219220" y="15215734"/>
-            <a:ext cx="0" cy="560954"/>
-          </a:xfrm>
-          <a:prstGeom prst="straightConnector1">
-            <a:avLst/>
-          </a:prstGeom>
-          <a:ln w="76200">
-            <a:solidFill>
-              <a:schemeClr val="accent1"/>
-            </a:solidFill>
-            <a:miter/>
-            <a:headEnd type="oval"/>
-          </a:ln>
-          <a:effectLst>
-            <a:outerShdw blurRad="76200" dist="25400" dir="5400000" rotWithShape="0">
-              <a:srgbClr val="000000">
-                <a:alpha val="63000"/>
-              </a:srgbClr>
-            </a:outerShdw>
-          </a:effectLst>
-        </p:spPr>
-      </p:cxnSp>
-      <p:sp>
-        <p:nvSpPr>
-          <p:cNvPr id="114" name="Verbindungslinie">
-            <a:extLst>
-              <a:ext uri="{FF2B5EF4-FFF2-40B4-BE49-F238E27FC236}">
-                <a16:creationId xmlns:a16="http://schemas.microsoft.com/office/drawing/2014/main" id="{EFB1E953-B7C5-6B44-9A2A-A8D782ADBF9F}"/>
-              </a:ext>
-            </a:extLst>
-          </p:cNvPr>
-          <p:cNvSpPr/>
-          <p:nvPr/>
-        </p:nvSpPr>
-        <p:spPr>
-          <a:xfrm>
-            <a:off x="23151526" y="16131885"/>
-            <a:ext cx="487695" cy="712024"/>
-          </a:xfrm>
-          <a:custGeom>
-            <a:avLst/>
-            <a:gdLst/>
-            <a:ahLst/>
-            <a:cxnLst>
-              <a:cxn ang="0">
-                <a:pos x="wd2" y="hd2"/>
-              </a:cxn>
-              <a:cxn ang="5400000">
-                <a:pos x="wd2" y="hd2"/>
-              </a:cxn>
-              <a:cxn ang="10800000">
-                <a:pos x="wd2" y="hd2"/>
-              </a:cxn>
-              <a:cxn ang="16200000">
-                <a:pos x="wd2" y="hd2"/>
-              </a:cxn>
-            </a:cxnLst>
-            <a:rect l="0" t="0" r="r" b="b"/>
-            <a:pathLst>
-              <a:path w="21600" h="21600" extrusionOk="0">
-                <a:moveTo>
-                  <a:pt x="0" y="21600"/>
-                </a:moveTo>
-                <a:lnTo>
-                  <a:pt x="21600" y="0"/>
-                </a:lnTo>
-              </a:path>
-            </a:pathLst>
-          </a:custGeom>
-          <a:ln w="76200">
-            <a:solidFill>
-              <a:schemeClr val="accent1"/>
-            </a:solidFill>
-            <a:miter/>
-          </a:ln>
-          <a:effectLst>
-            <a:outerShdw blurRad="76200" dist="25400" dir="5400000" rotWithShape="0">
-              <a:srgbClr val="000000">
-                <a:alpha val="63000"/>
-              </a:srgbClr>
-            </a:outerShdw>
-          </a:effectLst>
-        </p:spPr>
-        <p:txBody>
-          <a:bodyPr/>
-          <a:lstStyle/>
-          <a:p>
-            <a:endParaRPr/>
-          </a:p>
-        </p:txBody>
-      </p:sp>
-      <p:sp>
-        <p:nvSpPr>
-          <p:cNvPr id="115" name="Verbindungslinie">
-            <a:extLst>
-              <a:ext uri="{FF2B5EF4-FFF2-40B4-BE49-F238E27FC236}">
-                <a16:creationId xmlns:a16="http://schemas.microsoft.com/office/drawing/2014/main" id="{1AAF0080-E75F-F54D-B38A-810E0DD4A334}"/>
-              </a:ext>
-            </a:extLst>
-          </p:cNvPr>
-          <p:cNvSpPr/>
-          <p:nvPr/>
-        </p:nvSpPr>
-        <p:spPr>
-          <a:xfrm>
-            <a:off x="24731398" y="16113541"/>
-            <a:ext cx="668968" cy="776769"/>
-          </a:xfrm>
-          <a:custGeom>
-            <a:avLst/>
-            <a:gdLst/>
-            <a:ahLst/>
-            <a:cxnLst>
-              <a:cxn ang="0">
-                <a:pos x="wd2" y="hd2"/>
-              </a:cxn>
-              <a:cxn ang="5400000">
-                <a:pos x="wd2" y="hd2"/>
-              </a:cxn>
-              <a:cxn ang="10800000">
-                <a:pos x="wd2" y="hd2"/>
-              </a:cxn>
-              <a:cxn ang="16200000">
-                <a:pos x="wd2" y="hd2"/>
-              </a:cxn>
-            </a:cxnLst>
-            <a:rect l="0" t="0" r="r" b="b"/>
-            <a:pathLst>
-              <a:path w="21600" h="21600" extrusionOk="0">
-                <a:moveTo>
-                  <a:pt x="0" y="0"/>
-                </a:moveTo>
-                <a:lnTo>
-                  <a:pt x="21600" y="21600"/>
-                </a:lnTo>
-              </a:path>
-            </a:pathLst>
-          </a:custGeom>
-          <a:ln w="76200">
-            <a:solidFill>
-              <a:schemeClr val="accent1"/>
-            </a:solidFill>
-            <a:miter/>
-            <a:tailEnd type="triangle"/>
-          </a:ln>
-          <a:effectLst>
-            <a:outerShdw blurRad="76200" dist="25400" dir="5400000" rotWithShape="0">
-              <a:srgbClr val="000000">
-                <a:alpha val="63000"/>
-              </a:srgbClr>
-            </a:outerShdw>
-          </a:effectLst>
-        </p:spPr>
-        <p:txBody>
-          <a:bodyPr/>
-          <a:lstStyle/>
-          <a:p>
-            <a:endParaRPr/>
-          </a:p>
-        </p:txBody>
-      </p:sp>
-      <p:sp>
-        <p:nvSpPr>
-          <p:cNvPr id="116" name="Verbindungslinie">
-            <a:extLst>
-              <a:ext uri="{FF2B5EF4-FFF2-40B4-BE49-F238E27FC236}">
-                <a16:creationId xmlns:a16="http://schemas.microsoft.com/office/drawing/2014/main" id="{46A66557-00D0-A644-95E1-7D52E06463F9}"/>
-              </a:ext>
-            </a:extLst>
-          </p:cNvPr>
-          <p:cNvSpPr/>
-          <p:nvPr/>
-        </p:nvSpPr>
-        <p:spPr>
-          <a:xfrm>
-            <a:off x="24446298" y="16112175"/>
-            <a:ext cx="1654489" cy="1448"/>
-          </a:xfrm>
-          <a:custGeom>
-            <a:avLst/>
-            <a:gdLst/>
-            <a:ahLst/>
-            <a:cxnLst>
-              <a:cxn ang="0">
-                <a:pos x="wd2" y="hd2"/>
-              </a:cxn>
-              <a:cxn ang="5400000">
-                <a:pos x="wd2" y="hd2"/>
-              </a:cxn>
-              <a:cxn ang="10800000">
-                <a:pos x="wd2" y="hd2"/>
-              </a:cxn>
-              <a:cxn ang="16200000">
-                <a:pos x="wd2" y="hd2"/>
-              </a:cxn>
-            </a:cxnLst>
-            <a:rect l="0" t="0" r="r" b="b"/>
-            <a:pathLst>
-              <a:path w="21600" h="21600" extrusionOk="0">
-                <a:moveTo>
-                  <a:pt x="0" y="21600"/>
-                </a:moveTo>
-                <a:lnTo>
-                  <a:pt x="21600" y="0"/>
-                </a:lnTo>
-              </a:path>
-            </a:pathLst>
-          </a:custGeom>
-          <a:ln w="76200">
-            <a:solidFill>
-              <a:schemeClr val="accent1"/>
-            </a:solidFill>
-            <a:miter/>
-            <a:tailEnd type="triangle"/>
-          </a:ln>
-          <a:effectLst>
-            <a:outerShdw blurRad="76200" dist="25400" dir="5400000" rotWithShape="0">
-              <a:srgbClr val="000000">
-                <a:alpha val="63000"/>
-              </a:srgbClr>
-            </a:outerShdw>
-          </a:effectLst>
-        </p:spPr>
-        <p:txBody>
-          <a:bodyPr/>
-          <a:lstStyle/>
-          <a:p>
-            <a:endParaRPr/>
-          </a:p>
-        </p:txBody>
-      </p:sp>
-      <p:sp>
-        <p:nvSpPr>
-          <p:cNvPr id="117" name="Verbindungslinie">
-            <a:extLst>
-              <a:ext uri="{FF2B5EF4-FFF2-40B4-BE49-F238E27FC236}">
-                <a16:creationId xmlns:a16="http://schemas.microsoft.com/office/drawing/2014/main" id="{7D026AFC-52FD-DD4E-9248-F40EF8D6F804}"/>
-              </a:ext>
-            </a:extLst>
-          </p:cNvPr>
-          <p:cNvSpPr/>
-          <p:nvPr/>
-        </p:nvSpPr>
-        <p:spPr>
-          <a:xfrm>
-            <a:off x="22639187" y="16113876"/>
-            <a:ext cx="1353089" cy="322"/>
-          </a:xfrm>
-          <a:custGeom>
-            <a:avLst/>
-            <a:gdLst/>
-            <a:ahLst/>
-            <a:cxnLst>
-              <a:cxn ang="0">
-                <a:pos x="wd2" y="hd2"/>
-              </a:cxn>
-              <a:cxn ang="5400000">
-                <a:pos x="wd2" y="hd2"/>
-              </a:cxn>
-              <a:cxn ang="10800000">
-                <a:pos x="wd2" y="hd2"/>
-              </a:cxn>
-              <a:cxn ang="16200000">
-                <a:pos x="wd2" y="hd2"/>
-              </a:cxn>
-            </a:cxnLst>
-            <a:rect l="0" t="0" r="r" b="b"/>
-            <a:pathLst>
-              <a:path w="21600" h="21600" extrusionOk="0">
-                <a:moveTo>
-                  <a:pt x="0" y="21600"/>
-                </a:moveTo>
-                <a:lnTo>
-                  <a:pt x="21600" y="0"/>
-                </a:lnTo>
-              </a:path>
-            </a:pathLst>
-          </a:custGeom>
-          <a:ln w="76200">
-            <a:solidFill>
-              <a:schemeClr val="accent1"/>
-            </a:solidFill>
-            <a:miter/>
-          </a:ln>
-          <a:effectLst>
-            <a:outerShdw blurRad="76200" dist="25400" dir="5400000" rotWithShape="0">
-              <a:srgbClr val="000000">
-                <a:alpha val="63000"/>
-              </a:srgbClr>
-            </a:outerShdw>
-          </a:effectLst>
-        </p:spPr>
-        <p:txBody>
-          <a:bodyPr/>
-          <a:lstStyle/>
-          <a:p>
-            <a:endParaRPr/>
-          </a:p>
-        </p:txBody>
-      </p:sp>
-      <p:sp>
-        <p:nvSpPr>
-          <p:cNvPr id="118" name="Quadrat">
-            <a:extLst>
-              <a:ext uri="{FF2B5EF4-FFF2-40B4-BE49-F238E27FC236}">
-                <a16:creationId xmlns:a16="http://schemas.microsoft.com/office/drawing/2014/main" id="{3C62A031-39C7-2A40-B072-33DB19674333}"/>
-              </a:ext>
-            </a:extLst>
-          </p:cNvPr>
-          <p:cNvSpPr/>
-          <p:nvPr/>
-        </p:nvSpPr>
-        <p:spPr>
-          <a:xfrm>
-            <a:off x="24030374" y="15922789"/>
-            <a:ext cx="377693" cy="382062"/>
-          </a:xfrm>
-          <a:prstGeom prst="rect">
-            <a:avLst/>
-          </a:prstGeom>
-          <a:ln w="76200">
-            <a:solidFill>
-              <a:schemeClr val="accent1"/>
-            </a:solidFill>
-            <a:miter lim="400000"/>
-          </a:ln>
-          <a:effectLst>
-            <a:outerShdw blurRad="76200" dist="25400" dir="5400000" rotWithShape="0">
-              <a:srgbClr val="000000">
-                <a:alpha val="63000"/>
-              </a:srgbClr>
-            </a:outerShdw>
-          </a:effectLst>
-        </p:spPr>
-        <p:txBody>
-          <a:bodyPr lIns="50800" tIns="50800" rIns="50800" bIns="50800" anchor="ctr"/>
-          <a:lstStyle/>
-          <a:p>
-            <a:pPr marL="40639" marR="40639" algn="ctr">
-              <a:defRPr sz="2400">
-                <a:uFill>
-                  <a:solidFill>
-                    <a:srgbClr val="000000"/>
-                  </a:solidFill>
-                </a:uFill>
-                <a:latin typeface="Times"/>
-                <a:ea typeface="Times"/>
-                <a:cs typeface="Times"/>
-                <a:sym typeface="Times"/>
-              </a:defRPr>
-            </a:pPr>
-            <a:endParaRPr/>
-          </a:p>
-        </p:txBody>
-      </p:sp>
-      <p:sp>
-        <p:nvSpPr>
-          <p:cNvPr id="119" name="&lt;?xml version='1.0' encoding='UTF-8' standalone='yes'?&gt;…">
-            <a:extLst>
-              <a:ext uri="{FF2B5EF4-FFF2-40B4-BE49-F238E27FC236}">
-                <a16:creationId xmlns:a16="http://schemas.microsoft.com/office/drawing/2014/main" id="{F0B413C8-8B3E-4C45-BD69-796A0944002F}"/>
-              </a:ext>
-            </a:extLst>
-          </p:cNvPr>
-          <p:cNvSpPr txBox="1"/>
-          <p:nvPr/>
-        </p:nvSpPr>
-        <p:spPr>
-          <a:xfrm>
-            <a:off x="19645303" y="19789004"/>
-            <a:ext cx="9505909" cy="8533759"/>
-          </a:xfrm>
-          <a:prstGeom prst="rect">
-            <a:avLst/>
-          </a:prstGeom>
-          <a:ln w="12700">
-            <a:miter lim="400000"/>
-          </a:ln>
-          <a:extLst>
-            <a:ext uri="{C572A759-6A51-4108-AA02-DFA0A04FC94B}">
-              <ma14:wrappingTextBoxFlag xmlns="" xmlns:ma14="http://schemas.microsoft.com/office/mac/drawingml/2011/main" val="1"/>
-            </a:ext>
-          </a:extLst>
-        </p:spPr>
-        <p:txBody>
-          <a:bodyPr wrap="square" lIns="45719" rIns="45719" anchor="t">
-            <a:spAutoFit/>
-          </a:bodyPr>
-          <a:lstStyle/>
-          <a:p>
-            <a:pPr>
-              <a:defRPr sz="1900">
-                <a:latin typeface="Menlo"/>
-                <a:ea typeface="Menlo"/>
-                <a:cs typeface="Menlo"/>
-                <a:sym typeface="Menlo"/>
-              </a:defRPr>
-            </a:pPr>
-            <a:r>
-              <a:rPr sz="2200" dirty="0">
-                <a:solidFill>
-                  <a:srgbClr val="AD3D9E"/>
-                </a:solidFill>
-                <a:latin typeface="Courier New"/>
-                <a:cs typeface="Courier New"/>
-              </a:rPr>
-              <a:t>&lt;?xml version=</a:t>
-            </a:r>
-            <a:r>
-              <a:rPr sz="2200" dirty="0">
-                <a:solidFill>
-                  <a:srgbClr val="C33E2A"/>
-                </a:solidFill>
-                <a:latin typeface="Courier New"/>
-                <a:cs typeface="Courier New"/>
-              </a:rPr>
-              <a:t>'1.0'</a:t>
-            </a:r>
-            <a:r>
-              <a:rPr sz="2200" dirty="0">
-                <a:latin typeface="Courier New"/>
-                <a:cs typeface="Courier New"/>
-              </a:rPr>
-              <a:t> </a:t>
-            </a:r>
-            <a:r>
-              <a:rPr sz="2200" dirty="0">
-                <a:solidFill>
-                  <a:srgbClr val="AD3D9E"/>
-                </a:solidFill>
-                <a:latin typeface="Courier New"/>
-                <a:cs typeface="Courier New"/>
-              </a:rPr>
-              <a:t>encoding=</a:t>
-            </a:r>
-            <a:r>
-              <a:rPr sz="2200" dirty="0">
-                <a:solidFill>
-                  <a:srgbClr val="C33E2A"/>
-                </a:solidFill>
-                <a:latin typeface="Courier New"/>
-                <a:cs typeface="Courier New"/>
-              </a:rPr>
-              <a:t>'UTF-8'</a:t>
-            </a:r>
-            <a:r>
-              <a:rPr sz="2200" dirty="0">
-                <a:latin typeface="Courier New"/>
-                <a:cs typeface="Courier New"/>
-              </a:rPr>
-              <a:t> </a:t>
-            </a:r>
-            <a:r>
-              <a:rPr sz="2200" dirty="0">
-                <a:solidFill>
-                  <a:srgbClr val="AD3D9E"/>
-                </a:solidFill>
-                <a:latin typeface="Courier New"/>
-                <a:cs typeface="Courier New"/>
-              </a:rPr>
-              <a:t>standalone=</a:t>
-            </a:r>
-            <a:r>
-              <a:rPr sz="2200" dirty="0">
-                <a:solidFill>
-                  <a:srgbClr val="C33E2A"/>
-                </a:solidFill>
-                <a:latin typeface="Courier New"/>
-                <a:cs typeface="Courier New"/>
-              </a:rPr>
-              <a:t>'yes'</a:t>
-            </a:r>
-            <a:r>
-              <a:rPr sz="2200" dirty="0">
-                <a:solidFill>
-                  <a:srgbClr val="AD3D9E"/>
-                </a:solidFill>
-                <a:latin typeface="Courier New"/>
-                <a:cs typeface="Courier New"/>
-              </a:rPr>
-              <a:t>?&gt;</a:t>
-            </a:r>
-            <a:endParaRPr lang="en-US" sz="2200">
-              <a:solidFill>
-                <a:srgbClr val="AD3D9E"/>
-              </a:solidFill>
-              <a:latin typeface="Courier New"/>
-              <a:cs typeface="Courier New"/>
-            </a:endParaRPr>
-          </a:p>
-          <a:p>
-            <a:pPr>
-              <a:defRPr sz="1900">
-                <a:latin typeface="Menlo"/>
-                <a:ea typeface="Menlo"/>
-                <a:cs typeface="Menlo"/>
-                <a:sym typeface="Menlo"/>
-              </a:defRPr>
-            </a:pPr>
-            <a:r>
-              <a:rPr sz="2200" dirty="0">
-                <a:solidFill>
-                  <a:srgbClr val="AD3D9E"/>
-                </a:solidFill>
-                <a:latin typeface="Courier New"/>
-                <a:cs typeface="Courier New"/>
-              </a:rPr>
-              <a:t>&lt;</a:t>
-            </a:r>
-            <a:r>
-              <a:rPr sz="2200" dirty="0" err="1">
-                <a:solidFill>
-                  <a:srgbClr val="AD3D9E"/>
-                </a:solidFill>
-                <a:latin typeface="Courier New"/>
-                <a:cs typeface="Courier New"/>
-              </a:rPr>
-              <a:t>sbgn</a:t>
-            </a:r>
-            <a:r>
-              <a:rPr sz="2200" dirty="0">
-                <a:latin typeface="Courier New"/>
-                <a:cs typeface="Courier New"/>
-              </a:rPr>
-              <a:t> </a:t>
-            </a:r>
-            <a:r>
-              <a:rPr sz="2200" dirty="0" err="1">
-                <a:solidFill>
-                  <a:srgbClr val="927E41"/>
-                </a:solidFill>
-                <a:latin typeface="Courier New"/>
-                <a:cs typeface="Courier New"/>
-              </a:rPr>
-              <a:t>xmlns</a:t>
-            </a:r>
-            <a:r>
-              <a:rPr sz="2200" dirty="0">
-                <a:solidFill>
-                  <a:srgbClr val="AD3D9E"/>
-                </a:solidFill>
-                <a:latin typeface="Courier New"/>
-                <a:cs typeface="Courier New"/>
-              </a:rPr>
-              <a:t>=</a:t>
-            </a:r>
-            <a:r>
-              <a:rPr sz="2200" dirty="0">
-                <a:solidFill>
-                  <a:srgbClr val="C33E2A"/>
-                </a:solidFill>
-                <a:latin typeface="Courier New"/>
-                <a:cs typeface="Courier New"/>
-              </a:rPr>
-              <a:t>'</a:t>
-            </a:r>
-            <a:r>
-              <a:rPr sz="2200" dirty="0">
-                <a:solidFill>
-                  <a:srgbClr val="0F40F5"/>
-                </a:solidFill>
-                <a:latin typeface="Courier New"/>
-                <a:cs typeface="Courier New"/>
-              </a:rPr>
-              <a:t>http://sbgn.org/</a:t>
-            </a:r>
-            <a:r>
-              <a:rPr sz="2200" dirty="0" err="1">
-                <a:solidFill>
-                  <a:srgbClr val="0F40F5"/>
-                </a:solidFill>
-                <a:latin typeface="Courier New"/>
-                <a:cs typeface="Courier New"/>
-              </a:rPr>
-              <a:t>libsbgn</a:t>
-            </a:r>
-            <a:r>
-              <a:rPr sz="2200" dirty="0">
-                <a:solidFill>
-                  <a:srgbClr val="0F40F5"/>
-                </a:solidFill>
-                <a:latin typeface="Courier New"/>
-                <a:cs typeface="Courier New"/>
-              </a:rPr>
-              <a:t>/0.2</a:t>
-            </a:r>
-            <a:r>
-              <a:rPr sz="2200" dirty="0">
-                <a:solidFill>
-                  <a:srgbClr val="C33E2A"/>
-                </a:solidFill>
-                <a:latin typeface="Courier New"/>
-                <a:cs typeface="Courier New"/>
-              </a:rPr>
-              <a:t>'</a:t>
-            </a:r>
-            <a:r>
-              <a:rPr sz="2200" dirty="0">
-                <a:solidFill>
-                  <a:srgbClr val="AD3D9E"/>
-                </a:solidFill>
-                <a:latin typeface="Courier New"/>
-                <a:cs typeface="Courier New"/>
-              </a:rPr>
-              <a:t>&gt;</a:t>
-            </a:r>
-            <a:endParaRPr sz="2200">
-              <a:solidFill>
-                <a:srgbClr val="AD3D9E"/>
-              </a:solidFill>
-              <a:latin typeface="Courier New"/>
-              <a:cs typeface="Courier New"/>
-            </a:endParaRPr>
-          </a:p>
-          <a:p>
-            <a:pPr>
-              <a:defRPr sz="1900">
-                <a:latin typeface="Menlo"/>
-                <a:ea typeface="Menlo"/>
-                <a:cs typeface="Menlo"/>
-                <a:sym typeface="Menlo"/>
-              </a:defRPr>
-            </a:pPr>
-            <a:r>
-              <a:rPr lang="en-US" sz="2200" dirty="0">
-                <a:latin typeface="Courier New"/>
-                <a:cs typeface="Courier New"/>
-              </a:rPr>
-              <a:t> </a:t>
-            </a:r>
-            <a:r>
-              <a:rPr sz="2200" dirty="0">
-                <a:latin typeface="Courier New"/>
-                <a:cs typeface="Courier New"/>
-              </a:rPr>
-              <a:t> </a:t>
-            </a:r>
-            <a:r>
-              <a:rPr sz="2200" dirty="0">
-                <a:solidFill>
-                  <a:srgbClr val="C33E2A"/>
-                </a:solidFill>
-                <a:latin typeface="Courier New"/>
-                <a:cs typeface="Courier New"/>
-              </a:rPr>
-              <a:t>&lt;map language='</a:t>
-            </a:r>
-            <a:r>
-              <a:rPr sz="2200" dirty="0">
-                <a:solidFill>
-                  <a:srgbClr val="927E41"/>
-                </a:solidFill>
-                <a:latin typeface="Courier New"/>
-                <a:cs typeface="Courier New"/>
-              </a:rPr>
-              <a:t>process description</a:t>
-            </a:r>
-            <a:r>
-              <a:rPr sz="2200" dirty="0">
-                <a:solidFill>
-                  <a:srgbClr val="C33E2A"/>
-                </a:solidFill>
-                <a:latin typeface="Courier New"/>
-                <a:cs typeface="Courier New"/>
-              </a:rPr>
-              <a:t>'&gt;</a:t>
-            </a:r>
-            <a:endParaRPr sz="2200">
-              <a:solidFill>
-                <a:srgbClr val="C33E2A"/>
-              </a:solidFill>
-              <a:latin typeface="Courier New"/>
-              <a:cs typeface="Courier New"/>
-            </a:endParaRPr>
-          </a:p>
-          <a:p>
-            <a:pPr>
-              <a:defRPr sz="1900">
-                <a:latin typeface="Menlo"/>
-                <a:ea typeface="Menlo"/>
-                <a:cs typeface="Menlo"/>
-                <a:sym typeface="Menlo"/>
-              </a:defRPr>
-            </a:pPr>
-            <a:r>
-              <a:rPr lang="en-US" sz="2200" dirty="0">
-                <a:latin typeface="Courier New"/>
-                <a:cs typeface="Courier New"/>
-              </a:rPr>
-              <a:t>   </a:t>
-            </a:r>
-            <a:r>
-              <a:rPr sz="2200" dirty="0">
-                <a:latin typeface="Courier New"/>
-                <a:cs typeface="Courier New"/>
-              </a:rPr>
-              <a:t> </a:t>
-            </a:r>
-            <a:r>
-              <a:rPr sz="2200" dirty="0">
-                <a:solidFill>
-                  <a:srgbClr val="C33E2A"/>
-                </a:solidFill>
-                <a:latin typeface="Courier New"/>
-                <a:cs typeface="Courier New"/>
-              </a:rPr>
-              <a:t>&lt;glyph id='</a:t>
-            </a:r>
-            <a:r>
-              <a:rPr sz="2200" dirty="0">
-                <a:solidFill>
-                  <a:srgbClr val="927E41"/>
-                </a:solidFill>
-                <a:latin typeface="Courier New"/>
-                <a:cs typeface="Courier New"/>
-              </a:rPr>
-              <a:t>glyph1</a:t>
-            </a:r>
-            <a:r>
-              <a:rPr sz="2200" dirty="0">
-                <a:solidFill>
-                  <a:srgbClr val="C33E2A"/>
-                </a:solidFill>
-                <a:latin typeface="Courier New"/>
-                <a:cs typeface="Courier New"/>
-              </a:rPr>
-              <a:t>' class='</a:t>
-            </a:r>
-            <a:r>
-              <a:rPr sz="2200" dirty="0">
-                <a:solidFill>
-                  <a:srgbClr val="927E41"/>
-                </a:solidFill>
-                <a:latin typeface="Courier New"/>
-                <a:cs typeface="Courier New"/>
-              </a:rPr>
-              <a:t>macromolecule</a:t>
-            </a:r>
-            <a:r>
-              <a:rPr sz="2200" dirty="0">
-                <a:solidFill>
-                  <a:srgbClr val="C33E2A"/>
-                </a:solidFill>
-                <a:latin typeface="Courier New"/>
-                <a:cs typeface="Courier New"/>
-              </a:rPr>
-              <a:t>'&gt;</a:t>
-            </a:r>
-            <a:endParaRPr sz="2200">
-              <a:solidFill>
-                <a:srgbClr val="C33E2A"/>
-              </a:solidFill>
-              <a:latin typeface="Courier New"/>
-              <a:cs typeface="Courier New"/>
-            </a:endParaRPr>
-          </a:p>
-          <a:p>
-            <a:pPr>
-              <a:defRPr sz="1900">
-                <a:latin typeface="Menlo"/>
-                <a:ea typeface="Menlo"/>
-                <a:cs typeface="Menlo"/>
-                <a:sym typeface="Menlo"/>
-              </a:defRPr>
-            </a:pPr>
-            <a:r>
-              <a:rPr lang="en-US" sz="2200" dirty="0">
-                <a:latin typeface="Courier New"/>
-                <a:cs typeface="Courier New"/>
-              </a:rPr>
-              <a:t>     </a:t>
-            </a:r>
-            <a:r>
-              <a:rPr sz="2200" dirty="0">
-                <a:latin typeface="Courier New"/>
-                <a:cs typeface="Courier New"/>
-              </a:rPr>
-              <a:t> </a:t>
-            </a:r>
-            <a:r>
-              <a:rPr sz="2200" dirty="0">
-                <a:solidFill>
-                  <a:srgbClr val="C33E2A"/>
-                </a:solidFill>
-                <a:latin typeface="Courier New"/>
-                <a:cs typeface="Courier New"/>
-              </a:rPr>
-              <a:t>&lt;label text='</a:t>
-            </a:r>
-            <a:r>
-              <a:rPr sz="2200" dirty="0">
-                <a:solidFill>
-                  <a:srgbClr val="927E41"/>
-                </a:solidFill>
-                <a:latin typeface="Courier New"/>
-                <a:cs typeface="Courier New"/>
-              </a:rPr>
-              <a:t>hexokinase</a:t>
-            </a:r>
-            <a:r>
-              <a:rPr sz="2200" dirty="0">
-                <a:solidFill>
-                  <a:srgbClr val="C33E2A"/>
-                </a:solidFill>
-                <a:latin typeface="Courier New"/>
-                <a:cs typeface="Courier New"/>
-              </a:rPr>
-              <a:t>'/&gt;</a:t>
-            </a:r>
-            <a:endParaRPr sz="2200">
-              <a:solidFill>
-                <a:srgbClr val="C33E2A"/>
-              </a:solidFill>
-              <a:latin typeface="Courier New"/>
-              <a:cs typeface="Courier New"/>
-            </a:endParaRPr>
-          </a:p>
-          <a:p>
-            <a:pPr>
-              <a:defRPr sz="1900">
-                <a:latin typeface="Menlo"/>
-                <a:ea typeface="Menlo"/>
-                <a:cs typeface="Menlo"/>
-                <a:sym typeface="Menlo"/>
-              </a:defRPr>
-            </a:pPr>
-            <a:r>
-              <a:rPr lang="en-US" sz="2200" dirty="0">
-                <a:latin typeface="Courier New"/>
-                <a:cs typeface="Courier New"/>
-              </a:rPr>
-              <a:t>     </a:t>
-            </a:r>
-            <a:r>
-              <a:rPr sz="2200" dirty="0">
-                <a:latin typeface="Courier New"/>
-                <a:cs typeface="Courier New"/>
-              </a:rPr>
-              <a:t> </a:t>
-            </a:r>
-            <a:r>
-              <a:rPr sz="2200" dirty="0">
-                <a:solidFill>
-                  <a:srgbClr val="C33E2A"/>
-                </a:solidFill>
-                <a:latin typeface="Courier New"/>
-                <a:cs typeface="Courier New"/>
-              </a:rPr>
-              <a:t>&lt;</a:t>
-            </a:r>
-            <a:r>
-              <a:rPr sz="2200" dirty="0" err="1">
-                <a:solidFill>
-                  <a:srgbClr val="C33E2A"/>
-                </a:solidFill>
-                <a:latin typeface="Courier New"/>
-                <a:cs typeface="Courier New"/>
-              </a:rPr>
-              <a:t>bbox</a:t>
-            </a:r>
-            <a:r>
-              <a:rPr sz="2200" dirty="0">
-                <a:solidFill>
-                  <a:srgbClr val="C33E2A"/>
-                </a:solidFill>
-                <a:latin typeface="Courier New"/>
-                <a:cs typeface="Courier New"/>
-              </a:rPr>
-              <a:t> y='</a:t>
-            </a:r>
-            <a:r>
-              <a:rPr sz="2200" dirty="0">
-                <a:solidFill>
-                  <a:srgbClr val="AD3D9E"/>
-                </a:solidFill>
-                <a:latin typeface="Courier New"/>
-                <a:cs typeface="Courier New"/>
-              </a:rPr>
-              <a:t>15.0</a:t>
-            </a:r>
-            <a:r>
-              <a:rPr sz="2200" dirty="0">
-                <a:solidFill>
-                  <a:srgbClr val="C33E2A"/>
-                </a:solidFill>
-                <a:latin typeface="Courier New"/>
-                <a:cs typeface="Courier New"/>
-              </a:rPr>
-              <a:t>' x='</a:t>
-            </a:r>
-            <a:r>
-              <a:rPr sz="2200" dirty="0">
-                <a:solidFill>
-                  <a:srgbClr val="AD3D9E"/>
-                </a:solidFill>
-                <a:latin typeface="Courier New"/>
-                <a:cs typeface="Courier New"/>
-              </a:rPr>
-              <a:t>159.0</a:t>
-            </a:r>
-            <a:r>
-              <a:rPr sz="2200" dirty="0">
-                <a:solidFill>
-                  <a:srgbClr val="C33E2A"/>
-                </a:solidFill>
-                <a:latin typeface="Courier New"/>
-                <a:cs typeface="Courier New"/>
-              </a:rPr>
-              <a:t>' h='</a:t>
-            </a:r>
-            <a:r>
-              <a:rPr sz="2200" dirty="0">
-                <a:solidFill>
-                  <a:srgbClr val="AD3D9E"/>
-                </a:solidFill>
-                <a:latin typeface="Courier New"/>
-                <a:cs typeface="Courier New"/>
-              </a:rPr>
-              <a:t>60.0</a:t>
-            </a:r>
-            <a:r>
-              <a:rPr sz="2200" dirty="0">
-                <a:solidFill>
-                  <a:srgbClr val="C33E2A"/>
-                </a:solidFill>
-                <a:latin typeface="Courier New"/>
-                <a:cs typeface="Courier New"/>
-              </a:rPr>
-              <a:t>' w='</a:t>
-            </a:r>
-            <a:r>
-              <a:rPr sz="2200" dirty="0">
-                <a:solidFill>
-                  <a:srgbClr val="AD3D9E"/>
-                </a:solidFill>
-                <a:latin typeface="Courier New"/>
-                <a:cs typeface="Courier New"/>
-              </a:rPr>
-              <a:t>170.0</a:t>
-            </a:r>
-            <a:r>
-              <a:rPr sz="2200" dirty="0">
-                <a:solidFill>
-                  <a:srgbClr val="C33E2A"/>
-                </a:solidFill>
-                <a:latin typeface="Courier New"/>
-                <a:cs typeface="Courier New"/>
-              </a:rPr>
-              <a:t>'/&gt;</a:t>
-            </a:r>
-            <a:endParaRPr sz="2200">
-              <a:solidFill>
-                <a:srgbClr val="C33E2A"/>
-              </a:solidFill>
-              <a:latin typeface="Courier New"/>
-              <a:cs typeface="Courier New"/>
-            </a:endParaRPr>
-          </a:p>
-          <a:p>
-            <a:pPr>
-              <a:defRPr sz="1900">
-                <a:latin typeface="Menlo"/>
-                <a:ea typeface="Menlo"/>
-                <a:cs typeface="Menlo"/>
-                <a:sym typeface="Menlo"/>
-              </a:defRPr>
-            </a:pPr>
-            <a:r>
-              <a:rPr lang="en-US" sz="2200" dirty="0">
-                <a:latin typeface="Courier New"/>
-                <a:cs typeface="Courier New"/>
-              </a:rPr>
-              <a:t>   </a:t>
-            </a:r>
-            <a:r>
-              <a:rPr sz="2200" dirty="0">
-                <a:latin typeface="Courier New"/>
-                <a:cs typeface="Courier New"/>
-              </a:rPr>
-              <a:t> </a:t>
-            </a:r>
-            <a:r>
-              <a:rPr sz="2200" dirty="0">
-                <a:solidFill>
-                  <a:srgbClr val="C33E2A"/>
-                </a:solidFill>
-                <a:latin typeface="Courier New"/>
-                <a:cs typeface="Courier New"/>
-              </a:rPr>
-              <a:t>&lt;/glyph&gt;</a:t>
-            </a:r>
-            <a:endParaRPr sz="2200">
-              <a:solidFill>
-                <a:srgbClr val="C33E2A"/>
-              </a:solidFill>
-              <a:latin typeface="Courier New"/>
-              <a:cs typeface="Courier New"/>
-            </a:endParaRPr>
-          </a:p>
-          <a:p>
-            <a:pPr>
-              <a:defRPr sz="1900">
-                <a:latin typeface="Menlo"/>
-                <a:ea typeface="Menlo"/>
-                <a:cs typeface="Menlo"/>
-                <a:sym typeface="Menlo"/>
-              </a:defRPr>
-            </a:pPr>
-            <a:r>
-              <a:rPr lang="en-US" sz="2200" dirty="0">
-                <a:solidFill>
-                  <a:srgbClr val="C33E2A"/>
-                </a:solidFill>
-                <a:latin typeface="Courier New"/>
-                <a:cs typeface="Courier New"/>
-              </a:rPr>
-              <a:t>   </a:t>
-            </a:r>
-            <a:r>
-              <a:rPr sz="2200" dirty="0">
-                <a:solidFill>
-                  <a:srgbClr val="C33E2A"/>
-                </a:solidFill>
-                <a:latin typeface="Courier New"/>
-                <a:cs typeface="Courier New"/>
-              </a:rPr>
-              <a:t> &lt;glyph id='</a:t>
-            </a:r>
-            <a:r>
-              <a:rPr sz="2200" dirty="0">
-                <a:solidFill>
-                  <a:srgbClr val="927E41"/>
-                </a:solidFill>
-                <a:latin typeface="Courier New"/>
-                <a:cs typeface="Courier New"/>
-              </a:rPr>
-              <a:t>glyph2</a:t>
-            </a:r>
-            <a:r>
-              <a:rPr sz="2200" dirty="0">
-                <a:solidFill>
-                  <a:srgbClr val="C33E2A"/>
-                </a:solidFill>
-                <a:latin typeface="Courier New"/>
-                <a:cs typeface="Courier New"/>
-              </a:rPr>
-              <a:t>' class='</a:t>
-            </a:r>
-            <a:r>
-              <a:rPr sz="2200" dirty="0">
-                <a:solidFill>
-                  <a:srgbClr val="927E41"/>
-                </a:solidFill>
-                <a:latin typeface="Courier New"/>
-                <a:cs typeface="Courier New"/>
-              </a:rPr>
-              <a:t>simple chemical</a:t>
-            </a:r>
-            <a:r>
-              <a:rPr sz="2200" dirty="0">
-                <a:solidFill>
-                  <a:srgbClr val="C33E2A"/>
-                </a:solidFill>
-                <a:latin typeface="Courier New"/>
-                <a:cs typeface="Courier New"/>
-              </a:rPr>
-              <a:t>'&gt;</a:t>
-            </a:r>
-            <a:endParaRPr sz="2200">
-              <a:solidFill>
-                <a:srgbClr val="C33E2A"/>
-              </a:solidFill>
-              <a:latin typeface="Courier New"/>
-              <a:cs typeface="Courier New"/>
-            </a:endParaRPr>
-          </a:p>
-          <a:p>
-            <a:pPr>
-              <a:defRPr sz="1900">
-                <a:latin typeface="Menlo"/>
-                <a:ea typeface="Menlo"/>
-                <a:cs typeface="Menlo"/>
-                <a:sym typeface="Menlo"/>
-              </a:defRPr>
-            </a:pPr>
-            <a:r>
-              <a:rPr lang="en-US" sz="2200" dirty="0">
-                <a:solidFill>
-                  <a:srgbClr val="C33E2A"/>
-                </a:solidFill>
-                <a:latin typeface="Courier New"/>
-                <a:cs typeface="Courier New"/>
-              </a:rPr>
-              <a:t>     </a:t>
-            </a:r>
-            <a:r>
-              <a:rPr sz="2200" dirty="0">
-                <a:solidFill>
-                  <a:srgbClr val="C33E2A"/>
-                </a:solidFill>
-                <a:latin typeface="Courier New"/>
-                <a:cs typeface="Courier New"/>
-              </a:rPr>
-              <a:t> &lt;label text='</a:t>
-            </a:r>
-            <a:r>
-              <a:rPr sz="2200" dirty="0">
-                <a:solidFill>
-                  <a:srgbClr val="927E41"/>
-                </a:solidFill>
-                <a:latin typeface="Courier New"/>
-                <a:cs typeface="Courier New"/>
-              </a:rPr>
-              <a:t>glucose</a:t>
-            </a:r>
-            <a:r>
-              <a:rPr sz="2200" dirty="0">
-                <a:solidFill>
-                  <a:srgbClr val="C33E2A"/>
-                </a:solidFill>
-                <a:latin typeface="Courier New"/>
-                <a:cs typeface="Courier New"/>
-              </a:rPr>
-              <a:t>'/&gt;</a:t>
-            </a:r>
-            <a:endParaRPr sz="2200">
-              <a:solidFill>
-                <a:srgbClr val="C33E2A"/>
-              </a:solidFill>
-              <a:latin typeface="Courier New"/>
-              <a:cs typeface="Courier New"/>
-            </a:endParaRPr>
-          </a:p>
-          <a:p>
-            <a:pPr>
-              <a:defRPr sz="1900">
-                <a:latin typeface="Menlo"/>
-                <a:ea typeface="Menlo"/>
-                <a:cs typeface="Menlo"/>
-                <a:sym typeface="Menlo"/>
-              </a:defRPr>
-            </a:pPr>
-            <a:r>
-              <a:rPr lang="en-US" sz="2200" dirty="0">
-                <a:latin typeface="Courier New"/>
-                <a:cs typeface="Courier New"/>
-              </a:rPr>
-              <a:t>     </a:t>
-            </a:r>
-            <a:r>
-              <a:rPr sz="2200" dirty="0">
-                <a:latin typeface="Courier New"/>
-                <a:cs typeface="Courier New"/>
-              </a:rPr>
-              <a:t> </a:t>
-            </a:r>
-            <a:r>
-              <a:rPr sz="2200" dirty="0">
-                <a:solidFill>
-                  <a:srgbClr val="C33E2A"/>
-                </a:solidFill>
-                <a:latin typeface="Courier New"/>
-                <a:cs typeface="Courier New"/>
-              </a:rPr>
-              <a:t>&lt;</a:t>
-            </a:r>
-            <a:r>
-              <a:rPr sz="2200" dirty="0" err="1">
-                <a:solidFill>
-                  <a:srgbClr val="C33E2A"/>
-                </a:solidFill>
-                <a:latin typeface="Courier New"/>
-                <a:cs typeface="Courier New"/>
-              </a:rPr>
-              <a:t>bbox</a:t>
-            </a:r>
-            <a:r>
-              <a:rPr sz="2200" dirty="0">
-                <a:solidFill>
-                  <a:srgbClr val="C33E2A"/>
-                </a:solidFill>
-                <a:latin typeface="Courier New"/>
-                <a:cs typeface="Courier New"/>
-              </a:rPr>
-              <a:t> y='</a:t>
-            </a:r>
-            <a:r>
-              <a:rPr sz="2200" dirty="0">
-                <a:solidFill>
-                  <a:srgbClr val="927E41"/>
-                </a:solidFill>
-                <a:latin typeface="Courier New"/>
-                <a:cs typeface="Courier New"/>
-              </a:rPr>
-              <a:t>109.667</a:t>
-            </a:r>
-            <a:r>
-              <a:rPr sz="2200" dirty="0">
-                <a:solidFill>
-                  <a:srgbClr val="C33E2A"/>
-                </a:solidFill>
-                <a:latin typeface="Courier New"/>
-                <a:cs typeface="Courier New"/>
-              </a:rPr>
-              <a:t>' x='</a:t>
-            </a:r>
-            <a:r>
-              <a:rPr sz="2200" dirty="0">
-                <a:solidFill>
-                  <a:srgbClr val="AD3D9E"/>
-                </a:solidFill>
-                <a:latin typeface="Courier New"/>
-                <a:cs typeface="Courier New"/>
-              </a:rPr>
-              <a:t>22.0</a:t>
-            </a:r>
-            <a:r>
-              <a:rPr sz="2200" dirty="0">
-                <a:solidFill>
-                  <a:srgbClr val="C33E2A"/>
-                </a:solidFill>
-                <a:latin typeface="Courier New"/>
-                <a:cs typeface="Courier New"/>
-              </a:rPr>
-              <a:t>' h='</a:t>
-            </a:r>
-            <a:r>
-              <a:rPr sz="2200" dirty="0">
-                <a:solidFill>
-                  <a:srgbClr val="AD3D9E"/>
-                </a:solidFill>
-                <a:latin typeface="Courier New"/>
-                <a:cs typeface="Courier New"/>
-              </a:rPr>
-              <a:t>70.0</a:t>
-            </a:r>
-            <a:r>
-              <a:rPr sz="2200" dirty="0">
-                <a:solidFill>
-                  <a:srgbClr val="C33E2A"/>
-                </a:solidFill>
-                <a:latin typeface="Courier New"/>
-                <a:cs typeface="Courier New"/>
-              </a:rPr>
-              <a:t>' w='</a:t>
-            </a:r>
-            <a:r>
-              <a:rPr sz="2200" dirty="0">
-                <a:solidFill>
-                  <a:srgbClr val="AD3D9E"/>
-                </a:solidFill>
-                <a:latin typeface="Courier New"/>
-                <a:cs typeface="Courier New"/>
-              </a:rPr>
-              <a:t>140.0</a:t>
-            </a:r>
-            <a:r>
-              <a:rPr sz="2200" dirty="0">
-                <a:solidFill>
-                  <a:srgbClr val="C33E2A"/>
-                </a:solidFill>
-                <a:latin typeface="Courier New"/>
-                <a:cs typeface="Courier New"/>
-              </a:rPr>
-              <a:t>'/&gt;</a:t>
-            </a:r>
-            <a:endParaRPr sz="2200">
-              <a:solidFill>
-                <a:srgbClr val="C33E2A"/>
-              </a:solidFill>
-              <a:latin typeface="Courier New"/>
-              <a:cs typeface="Courier New"/>
-            </a:endParaRPr>
-          </a:p>
-          <a:p>
-            <a:pPr>
-              <a:defRPr sz="1900">
-                <a:latin typeface="Menlo"/>
-                <a:ea typeface="Menlo"/>
-                <a:cs typeface="Menlo"/>
-                <a:sym typeface="Menlo"/>
-              </a:defRPr>
-            </a:pPr>
-            <a:r>
-              <a:rPr lang="en-US" sz="2200" dirty="0">
-                <a:latin typeface="Courier New"/>
-                <a:cs typeface="Courier New"/>
-              </a:rPr>
-              <a:t>   </a:t>
-            </a:r>
-            <a:r>
-              <a:rPr sz="2200" dirty="0">
-                <a:latin typeface="Courier New"/>
-                <a:cs typeface="Courier New"/>
-              </a:rPr>
-              <a:t> </a:t>
-            </a:r>
-            <a:r>
-              <a:rPr sz="2200" dirty="0">
-                <a:solidFill>
-                  <a:srgbClr val="C33E2A"/>
-                </a:solidFill>
-                <a:latin typeface="Courier New"/>
-                <a:cs typeface="Courier New"/>
-              </a:rPr>
-              <a:t>&lt;glyph&gt;</a:t>
-            </a:r>
-            <a:endParaRPr sz="2200">
-              <a:solidFill>
-                <a:srgbClr val="C33E2A"/>
-              </a:solidFill>
-              <a:latin typeface="Courier New"/>
-              <a:cs typeface="Courier New"/>
-            </a:endParaRPr>
-          </a:p>
-          <a:p>
-            <a:pPr>
-              <a:defRPr sz="1900">
-                <a:latin typeface="Menlo"/>
-                <a:ea typeface="Menlo"/>
-                <a:cs typeface="Menlo"/>
-                <a:sym typeface="Menlo"/>
-              </a:defRPr>
-            </a:pPr>
-            <a:r>
-              <a:rPr lang="en-US" sz="2200" dirty="0">
-                <a:latin typeface="Courier New"/>
-                <a:cs typeface="Courier New"/>
-              </a:rPr>
-              <a:t>   </a:t>
-            </a:r>
-            <a:r>
-              <a:rPr sz="2200" dirty="0">
-                <a:latin typeface="Courier New"/>
-                <a:cs typeface="Courier New"/>
-              </a:rPr>
-              <a:t> [...]</a:t>
-            </a:r>
-            <a:endParaRPr sz="2200">
-              <a:latin typeface="Courier New"/>
-              <a:cs typeface="Courier New"/>
-            </a:endParaRPr>
-          </a:p>
-          <a:p>
-            <a:pPr>
-              <a:defRPr sz="1900">
-                <a:latin typeface="Menlo"/>
-                <a:ea typeface="Menlo"/>
-                <a:cs typeface="Menlo"/>
-                <a:sym typeface="Menlo"/>
-              </a:defRPr>
-            </a:pPr>
-            <a:r>
-              <a:rPr lang="en-US" sz="2200" dirty="0">
-                <a:latin typeface="Courier New"/>
-                <a:cs typeface="Courier New"/>
-              </a:rPr>
-              <a:t>   </a:t>
-            </a:r>
-            <a:r>
-              <a:rPr sz="2200" dirty="0">
-                <a:latin typeface="Courier New"/>
-                <a:cs typeface="Courier New"/>
-              </a:rPr>
-              <a:t> </a:t>
-            </a:r>
-            <a:r>
-              <a:rPr sz="2200" dirty="0">
-                <a:solidFill>
-                  <a:srgbClr val="C33E2A"/>
-                </a:solidFill>
-                <a:latin typeface="Courier New"/>
-                <a:cs typeface="Courier New"/>
-              </a:rPr>
-              <a:t>&lt;arc target='</a:t>
-            </a:r>
-            <a:r>
-              <a:rPr sz="2200" dirty="0">
-                <a:solidFill>
-                  <a:srgbClr val="927E41"/>
-                </a:solidFill>
-                <a:latin typeface="Courier New"/>
-                <a:cs typeface="Courier New"/>
-              </a:rPr>
-              <a:t>glyph6</a:t>
-            </a:r>
-            <a:r>
-              <a:rPr sz="2200" dirty="0">
-                <a:solidFill>
-                  <a:srgbClr val="C33E2A"/>
-                </a:solidFill>
-                <a:latin typeface="Courier New"/>
-                <a:cs typeface="Courier New"/>
-              </a:rPr>
-              <a:t>' source='</a:t>
-            </a:r>
-            <a:r>
-              <a:rPr sz="2200" dirty="0">
-                <a:solidFill>
-                  <a:srgbClr val="927E41"/>
-                </a:solidFill>
-                <a:latin typeface="Courier New"/>
-                <a:cs typeface="Courier New"/>
-              </a:rPr>
-              <a:t>glyph1</a:t>
-            </a:r>
-            <a:r>
-              <a:rPr sz="2200" dirty="0">
-                <a:solidFill>
-                  <a:srgbClr val="C33E2A"/>
-                </a:solidFill>
-                <a:latin typeface="Courier New"/>
-                <a:cs typeface="Courier New"/>
-              </a:rPr>
-              <a:t>' id='</a:t>
-            </a:r>
-            <a:r>
-              <a:rPr sz="2200" dirty="0">
-                <a:solidFill>
-                  <a:srgbClr val="927E41"/>
-                </a:solidFill>
-                <a:latin typeface="Courier New"/>
-                <a:cs typeface="Courier New"/>
-              </a:rPr>
-              <a:t>arc1</a:t>
-            </a:r>
-            <a:r>
-              <a:rPr sz="2200" dirty="0">
-                <a:solidFill>
-                  <a:srgbClr val="C33E2A"/>
-                </a:solidFill>
-                <a:latin typeface="Courier New"/>
-                <a:cs typeface="Courier New"/>
-              </a:rPr>
-              <a:t>'</a:t>
-            </a:r>
-            <a:r>
-              <a:rPr lang="en-US" sz="2200" dirty="0">
-                <a:solidFill>
-                  <a:srgbClr val="C33E2A"/>
-                </a:solidFill>
-                <a:latin typeface="Courier New"/>
-                <a:cs typeface="Courier New"/>
-              </a:rPr>
-              <a:t> </a:t>
-            </a:r>
-            <a:endParaRPr sz="2200">
-              <a:solidFill>
-                <a:srgbClr val="C33E2A"/>
-              </a:solidFill>
-              <a:latin typeface="Courier New"/>
-              <a:cs typeface="Courier New"/>
-            </a:endParaRPr>
-          </a:p>
-          <a:p>
-            <a:pPr>
-              <a:defRPr sz="1900">
-                <a:latin typeface="Menlo"/>
-                <a:ea typeface="Menlo"/>
-                <a:cs typeface="Menlo"/>
-                <a:sym typeface="Menlo"/>
-              </a:defRPr>
-            </a:pPr>
-            <a:r>
-              <a:rPr lang="en-US" sz="2200" dirty="0">
-                <a:solidFill>
-                  <a:srgbClr val="C33E2A"/>
-                </a:solidFill>
-                <a:latin typeface="Courier New"/>
-                <a:cs typeface="Courier New"/>
-              </a:rPr>
-              <a:t>     </a:t>
-            </a:r>
-            <a:r>
-              <a:rPr sz="2200" dirty="0">
-                <a:solidFill>
-                  <a:srgbClr val="C33E2A"/>
-                </a:solidFill>
-                <a:latin typeface="Courier New"/>
-                <a:cs typeface="Courier New"/>
-              </a:rPr>
-              <a:t> class='</a:t>
-            </a:r>
-            <a:r>
-              <a:rPr sz="2200" dirty="0">
-                <a:solidFill>
-                  <a:srgbClr val="927E41"/>
-                </a:solidFill>
-                <a:latin typeface="Courier New"/>
-                <a:cs typeface="Courier New"/>
-              </a:rPr>
-              <a:t>catalysis</a:t>
-            </a:r>
-            <a:r>
-              <a:rPr sz="2200" dirty="0">
-                <a:solidFill>
-                  <a:srgbClr val="C33E2A"/>
-                </a:solidFill>
-                <a:latin typeface="Courier New"/>
-                <a:cs typeface="Courier New"/>
-              </a:rPr>
-              <a:t>'&gt;</a:t>
-            </a:r>
-            <a:endParaRPr sz="2200">
-              <a:solidFill>
-                <a:srgbClr val="C33E2A"/>
-              </a:solidFill>
-              <a:latin typeface="Courier New"/>
-              <a:cs typeface="Courier New"/>
-            </a:endParaRPr>
-          </a:p>
-          <a:p>
-            <a:pPr>
-              <a:defRPr sz="1900">
-                <a:latin typeface="Menlo"/>
-                <a:ea typeface="Menlo"/>
-                <a:cs typeface="Menlo"/>
-                <a:sym typeface="Menlo"/>
-              </a:defRPr>
-            </a:pPr>
-            <a:r>
-              <a:rPr lang="en-US" sz="2200" dirty="0">
-                <a:solidFill>
-                  <a:srgbClr val="C33E2A"/>
-                </a:solidFill>
-                <a:latin typeface="Courier New"/>
-                <a:cs typeface="Courier New"/>
-              </a:rPr>
-              <a:t>     </a:t>
-            </a:r>
-            <a:r>
-              <a:rPr sz="2200" dirty="0">
-                <a:solidFill>
-                  <a:srgbClr val="C33E2A"/>
-                </a:solidFill>
-                <a:latin typeface="Courier New"/>
-                <a:cs typeface="Courier New"/>
-              </a:rPr>
-              <a:t> &lt;start y='</a:t>
-            </a:r>
-            <a:r>
-              <a:rPr sz="2200" dirty="0">
-                <a:solidFill>
-                  <a:srgbClr val="927E41"/>
-                </a:solidFill>
-                <a:latin typeface="Courier New"/>
-                <a:cs typeface="Courier New"/>
-              </a:rPr>
-              <a:t>75.0</a:t>
-            </a:r>
-            <a:r>
-              <a:rPr sz="2200" dirty="0">
-                <a:solidFill>
-                  <a:srgbClr val="C33E2A"/>
-                </a:solidFill>
-                <a:latin typeface="Courier New"/>
-                <a:cs typeface="Courier New"/>
-              </a:rPr>
-              <a:t>' x='</a:t>
-            </a:r>
-            <a:r>
-              <a:rPr sz="2200" dirty="0">
-                <a:solidFill>
-                  <a:srgbClr val="927E41"/>
-                </a:solidFill>
-                <a:latin typeface="Courier New"/>
-                <a:cs typeface="Courier New"/>
-              </a:rPr>
-              <a:t>244.0</a:t>
-            </a:r>
-            <a:r>
-              <a:rPr sz="2200" dirty="0">
-                <a:solidFill>
-                  <a:srgbClr val="C33E2A"/>
-                </a:solidFill>
-                <a:latin typeface="Courier New"/>
-                <a:cs typeface="Courier New"/>
-              </a:rPr>
-              <a:t>'/&gt;</a:t>
-            </a:r>
-            <a:endParaRPr sz="2200">
-              <a:solidFill>
-                <a:srgbClr val="C33E2A"/>
-              </a:solidFill>
-              <a:latin typeface="Courier New"/>
-              <a:cs typeface="Courier New"/>
-            </a:endParaRPr>
-          </a:p>
-          <a:p>
-            <a:pPr>
-              <a:defRPr sz="1900">
-                <a:latin typeface="Menlo"/>
-                <a:ea typeface="Menlo"/>
-                <a:cs typeface="Menlo"/>
-                <a:sym typeface="Menlo"/>
-              </a:defRPr>
-            </a:pPr>
-            <a:r>
-              <a:rPr lang="en-US" sz="2200" dirty="0">
-                <a:solidFill>
-                  <a:srgbClr val="C33E2A"/>
-                </a:solidFill>
-                <a:latin typeface="Courier New"/>
-                <a:cs typeface="Courier New"/>
-              </a:rPr>
-              <a:t>     </a:t>
-            </a:r>
-            <a:r>
-              <a:rPr sz="2200" dirty="0">
-                <a:solidFill>
-                  <a:srgbClr val="C33E2A"/>
-                </a:solidFill>
-                <a:latin typeface="Courier New"/>
-                <a:cs typeface="Courier New"/>
-              </a:rPr>
-              <a:t> &lt;end y='</a:t>
-            </a:r>
-            <a:r>
-              <a:rPr sz="2200" dirty="0">
-                <a:solidFill>
-                  <a:srgbClr val="927E41"/>
-                </a:solidFill>
-                <a:latin typeface="Courier New"/>
-                <a:cs typeface="Courier New"/>
-              </a:rPr>
-              <a:t>134.66667</a:t>
-            </a:r>
-            <a:r>
-              <a:rPr sz="2200" dirty="0">
-                <a:solidFill>
-                  <a:srgbClr val="C33E2A"/>
-                </a:solidFill>
-                <a:latin typeface="Courier New"/>
-                <a:cs typeface="Courier New"/>
-              </a:rPr>
-              <a:t>' x='</a:t>
-            </a:r>
-            <a:r>
-              <a:rPr sz="2200" dirty="0">
-                <a:solidFill>
-                  <a:srgbClr val="927E41"/>
-                </a:solidFill>
-                <a:latin typeface="Courier New"/>
-                <a:cs typeface="Courier New"/>
-              </a:rPr>
-              <a:t>244.0</a:t>
-            </a:r>
-            <a:r>
-              <a:rPr sz="2200" dirty="0">
-                <a:solidFill>
-                  <a:srgbClr val="C33E2A"/>
-                </a:solidFill>
-                <a:latin typeface="Courier New"/>
-                <a:cs typeface="Courier New"/>
-              </a:rPr>
-              <a:t>'/&gt;</a:t>
-            </a:r>
-            <a:endParaRPr sz="2200">
-              <a:solidFill>
-                <a:srgbClr val="C33E2A"/>
-              </a:solidFill>
-              <a:latin typeface="Courier New"/>
-              <a:cs typeface="Courier New"/>
-            </a:endParaRPr>
-          </a:p>
-          <a:p>
-            <a:pPr>
-              <a:defRPr sz="1900">
-                <a:solidFill>
-                  <a:srgbClr val="C33E2A"/>
-                </a:solidFill>
-                <a:latin typeface="Menlo"/>
-                <a:ea typeface="Menlo"/>
-                <a:cs typeface="Menlo"/>
-                <a:sym typeface="Menlo"/>
-              </a:defRPr>
-            </a:pPr>
-            <a:r>
-              <a:rPr lang="en-US" sz="2200" dirty="0">
-                <a:latin typeface="Courier New"/>
-                <a:cs typeface="Courier New"/>
-              </a:rPr>
-              <a:t>   </a:t>
-            </a:r>
-            <a:r>
-              <a:rPr sz="2200" dirty="0">
-                <a:latin typeface="Courier New"/>
-                <a:cs typeface="Courier New"/>
-              </a:rPr>
-              <a:t> &lt;/arc&gt;</a:t>
-            </a:r>
-            <a:endParaRPr sz="2200">
-              <a:latin typeface="Courier New"/>
-              <a:cs typeface="Courier New"/>
-            </a:endParaRPr>
-          </a:p>
-          <a:p>
-            <a:pPr>
-              <a:defRPr sz="1900">
-                <a:latin typeface="Menlo"/>
-                <a:ea typeface="Menlo"/>
-                <a:cs typeface="Menlo"/>
-                <a:sym typeface="Menlo"/>
-              </a:defRPr>
-            </a:pPr>
-            <a:r>
-              <a:rPr lang="en-US" sz="2200" dirty="0">
-                <a:solidFill>
-                  <a:srgbClr val="C33E2A"/>
-                </a:solidFill>
-                <a:latin typeface="Courier New"/>
-                <a:cs typeface="Courier New"/>
-              </a:rPr>
-              <a:t>   </a:t>
-            </a:r>
-            <a:r>
-              <a:rPr sz="2200" dirty="0">
-                <a:solidFill>
-                  <a:srgbClr val="C33E2A"/>
-                </a:solidFill>
-                <a:latin typeface="Courier New"/>
-                <a:cs typeface="Courier New"/>
-              </a:rPr>
-              <a:t> </a:t>
-            </a:r>
-            <a:r>
-              <a:rPr lang="en-US" sz="2200" dirty="0">
-                <a:solidFill>
-                  <a:srgbClr val="C33E2A"/>
-                </a:solidFill>
-                <a:latin typeface="Courier New"/>
-                <a:cs typeface="Courier New"/>
-              </a:rPr>
-              <a:t>&lt;arc target='</a:t>
-            </a:r>
-            <a:r>
-              <a:rPr lang="en-US" sz="2200" dirty="0">
-                <a:solidFill>
-                  <a:srgbClr val="927E41"/>
-                </a:solidFill>
-                <a:latin typeface="Courier New"/>
-                <a:cs typeface="Courier New"/>
-              </a:rPr>
-              <a:t>glyph6.1</a:t>
-            </a:r>
-            <a:r>
-              <a:rPr lang="en-US" sz="2200" dirty="0">
-                <a:solidFill>
-                  <a:srgbClr val="C33E2A"/>
-                </a:solidFill>
-                <a:latin typeface="Courier New"/>
-                <a:cs typeface="Courier New"/>
-              </a:rPr>
-              <a:t>' source='</a:t>
-            </a:r>
-            <a:r>
-              <a:rPr lang="en-US" sz="2200" dirty="0">
-                <a:solidFill>
-                  <a:srgbClr val="927E41"/>
-                </a:solidFill>
-                <a:latin typeface="Courier New"/>
-                <a:cs typeface="Courier New"/>
-              </a:rPr>
-              <a:t>glyph2</a:t>
-            </a:r>
-            <a:r>
-              <a:rPr lang="en-US" sz="2200" dirty="0">
-                <a:solidFill>
-                  <a:srgbClr val="C33E2A"/>
-                </a:solidFill>
-                <a:latin typeface="Courier New"/>
-                <a:cs typeface="Courier New"/>
-              </a:rPr>
-              <a:t>' id='</a:t>
-            </a:r>
-            <a:r>
-              <a:rPr lang="en-US" sz="2200" dirty="0">
-                <a:solidFill>
-                  <a:srgbClr val="927E41"/>
-                </a:solidFill>
-                <a:latin typeface="Courier New"/>
-                <a:cs typeface="Courier New"/>
-              </a:rPr>
-              <a:t>arc2</a:t>
-            </a:r>
-            <a:r>
-              <a:rPr lang="en-US" sz="2200" dirty="0">
-                <a:solidFill>
-                  <a:srgbClr val="C33E2A"/>
-                </a:solidFill>
-                <a:latin typeface="Courier New"/>
-                <a:cs typeface="Courier New"/>
-              </a:rPr>
-              <a:t>' </a:t>
-            </a:r>
-            <a:endParaRPr lang="en-US" sz="2200">
-              <a:solidFill>
-                <a:srgbClr val="C33E2A"/>
-              </a:solidFill>
-              <a:latin typeface="Courier New"/>
-              <a:cs typeface="Courier New"/>
-            </a:endParaRPr>
-          </a:p>
-          <a:p>
-            <a:pPr>
-              <a:defRPr sz="1900">
-                <a:latin typeface="Menlo"/>
-                <a:ea typeface="Menlo"/>
-                <a:cs typeface="Menlo"/>
-                <a:sym typeface="Menlo"/>
-              </a:defRPr>
-            </a:pPr>
-            <a:r>
-              <a:rPr lang="en-US" sz="2200" dirty="0">
-                <a:solidFill>
-                  <a:srgbClr val="C33E2A"/>
-                </a:solidFill>
-                <a:latin typeface="Courier New"/>
-                <a:cs typeface="Courier New"/>
-              </a:rPr>
-              <a:t>      class='</a:t>
-            </a:r>
-            <a:r>
-              <a:rPr lang="en-US" sz="2200" dirty="0">
-                <a:solidFill>
-                  <a:srgbClr val="927E41"/>
-                </a:solidFill>
-                <a:latin typeface="Courier New"/>
-                <a:cs typeface="Courier New"/>
-              </a:rPr>
-              <a:t>consumption</a:t>
-            </a:r>
-            <a:r>
-              <a:rPr lang="en-US" sz="2200" dirty="0">
-                <a:solidFill>
-                  <a:srgbClr val="C33E2A"/>
-                </a:solidFill>
-                <a:latin typeface="Courier New"/>
-                <a:cs typeface="Courier New"/>
-              </a:rPr>
-              <a:t>'&gt;</a:t>
-            </a:r>
-            <a:endParaRPr lang="en-US" sz="2200">
-              <a:latin typeface="Courier New"/>
-              <a:cs typeface="Courier New"/>
-            </a:endParaRPr>
-          </a:p>
-          <a:p>
-            <a:pPr>
-              <a:defRPr sz="1900">
-                <a:latin typeface="Menlo"/>
-                <a:ea typeface="Menlo"/>
-                <a:cs typeface="Menlo"/>
-                <a:sym typeface="Menlo"/>
-              </a:defRPr>
-            </a:pPr>
-            <a:r>
-              <a:rPr lang="en-US" sz="2200" dirty="0">
-                <a:solidFill>
-                  <a:srgbClr val="C33E2A"/>
-                </a:solidFill>
-                <a:latin typeface="Courier New"/>
-                <a:cs typeface="Courier New"/>
-              </a:rPr>
-              <a:t>      &lt;start y='</a:t>
-            </a:r>
-            <a:r>
-              <a:rPr lang="en-US" sz="2200" dirty="0">
-                <a:solidFill>
-                  <a:srgbClr val="927E41"/>
-                </a:solidFill>
-                <a:latin typeface="Courier New"/>
-                <a:cs typeface="Courier New"/>
-              </a:rPr>
-              <a:t>144.667</a:t>
-            </a:r>
-            <a:r>
-              <a:rPr lang="en-US" sz="2200" dirty="0">
-                <a:solidFill>
-                  <a:srgbClr val="C33E2A"/>
-                </a:solidFill>
-                <a:latin typeface="Courier New"/>
-                <a:cs typeface="Courier New"/>
-              </a:rPr>
-              <a:t>' x='</a:t>
-            </a:r>
-            <a:r>
-              <a:rPr lang="en-US" sz="2200" dirty="0">
-                <a:solidFill>
-                  <a:srgbClr val="927E41"/>
-                </a:solidFill>
-                <a:latin typeface="Courier New"/>
-                <a:cs typeface="Courier New"/>
-              </a:rPr>
-              <a:t>162.0</a:t>
-            </a:r>
-            <a:r>
-              <a:rPr lang="en-US" sz="2200" dirty="0">
-                <a:solidFill>
-                  <a:srgbClr val="C33E2A"/>
-                </a:solidFill>
-                <a:latin typeface="Courier New"/>
-                <a:cs typeface="Courier New"/>
-              </a:rPr>
-              <a:t>'/&gt;</a:t>
-            </a:r>
-            <a:endParaRPr lang="en-US" sz="2200">
-              <a:latin typeface="Courier New"/>
-              <a:cs typeface="Courier New"/>
-            </a:endParaRPr>
-          </a:p>
-          <a:p>
-            <a:pPr>
-              <a:defRPr sz="1900">
-                <a:latin typeface="Menlo"/>
-                <a:ea typeface="Menlo"/>
-                <a:cs typeface="Menlo"/>
-                <a:sym typeface="Menlo"/>
-              </a:defRPr>
-            </a:pPr>
-            <a:r>
-              <a:rPr lang="en-US" sz="2200" dirty="0">
-                <a:solidFill>
-                  <a:srgbClr val="C33E2A"/>
-                </a:solidFill>
-                <a:latin typeface="Courier New"/>
-                <a:cs typeface="Courier New"/>
-              </a:rPr>
-              <a:t>      &lt;end y='</a:t>
-            </a:r>
-            <a:r>
-              <a:rPr lang="en-US" sz="2200" dirty="0">
-                <a:solidFill>
-                  <a:srgbClr val="927E41"/>
-                </a:solidFill>
-                <a:latin typeface="Courier New"/>
-                <a:cs typeface="Courier New"/>
-              </a:rPr>
-              <a:t>144.66667</a:t>
-            </a:r>
-            <a:r>
-              <a:rPr lang="en-US" sz="2200" dirty="0">
-                <a:solidFill>
-                  <a:srgbClr val="C33E2A"/>
-                </a:solidFill>
-                <a:latin typeface="Courier New"/>
-                <a:cs typeface="Courier New"/>
-              </a:rPr>
-              <a:t>' x='</a:t>
-            </a:r>
-            <a:r>
-              <a:rPr lang="en-US" sz="2200" dirty="0">
-                <a:solidFill>
-                  <a:srgbClr val="927E41"/>
-                </a:solidFill>
-                <a:latin typeface="Courier New"/>
-                <a:cs typeface="Courier New"/>
-              </a:rPr>
-              <a:t>224.0</a:t>
-            </a:r>
-            <a:r>
-              <a:rPr lang="en-US" sz="2200" dirty="0">
-                <a:solidFill>
-                  <a:srgbClr val="C33E2A"/>
-                </a:solidFill>
-                <a:latin typeface="Courier New"/>
-                <a:cs typeface="Courier New"/>
-              </a:rPr>
-              <a:t>'/&gt;</a:t>
-            </a:r>
-            <a:endParaRPr lang="en-US" sz="2200">
-              <a:latin typeface="Courier New"/>
-              <a:cs typeface="Courier New"/>
-            </a:endParaRPr>
-          </a:p>
-          <a:p>
-            <a:pPr>
-              <a:defRPr sz="1900">
-                <a:latin typeface="Menlo"/>
-                <a:ea typeface="Menlo"/>
-                <a:cs typeface="Menlo"/>
-                <a:sym typeface="Menlo"/>
-              </a:defRPr>
-            </a:pPr>
-            <a:r>
-              <a:rPr lang="en-US" sz="2200" dirty="0">
-                <a:solidFill>
-                  <a:srgbClr val="C33E2A"/>
-                </a:solidFill>
-                <a:latin typeface="Courier New"/>
-                <a:cs typeface="Courier New"/>
-              </a:rPr>
-              <a:t>    &lt;/arc&gt;</a:t>
-            </a:r>
-            <a:endParaRPr lang="en-US" sz="2200">
-              <a:solidFill>
-                <a:srgbClr val="C33E2A"/>
-              </a:solidFill>
-              <a:latin typeface="Courier New"/>
-              <a:cs typeface="Courier New"/>
-            </a:endParaRPr>
-          </a:p>
-          <a:p>
-            <a:pPr>
-              <a:defRPr sz="1900">
-                <a:latin typeface="Menlo"/>
-                <a:ea typeface="Menlo"/>
-                <a:cs typeface="Menlo"/>
-                <a:sym typeface="Menlo"/>
-              </a:defRPr>
-            </a:pPr>
-            <a:r>
-              <a:rPr lang="en-US" sz="2200" dirty="0">
-                <a:latin typeface="Courier New"/>
-                <a:cs typeface="Courier New"/>
-              </a:rPr>
-              <a:t>    </a:t>
-            </a:r>
-            <a:r>
-              <a:rPr sz="2200" dirty="0">
-                <a:latin typeface="Courier New"/>
-                <a:cs typeface="Courier New"/>
-              </a:rPr>
-              <a:t>[...]</a:t>
-            </a:r>
-            <a:endParaRPr sz="2200">
-              <a:latin typeface="Courier New"/>
-              <a:cs typeface="Courier New"/>
-            </a:endParaRPr>
-          </a:p>
-          <a:p>
-            <a:pPr>
-              <a:defRPr sz="1900">
-                <a:latin typeface="Menlo"/>
-                <a:ea typeface="Menlo"/>
-                <a:cs typeface="Menlo"/>
-                <a:sym typeface="Menlo"/>
-              </a:defRPr>
-            </a:pPr>
-            <a:r>
-              <a:rPr lang="en-US" sz="2200" dirty="0">
-                <a:latin typeface="Courier New"/>
-                <a:cs typeface="Courier New"/>
-              </a:rPr>
-              <a:t> </a:t>
-            </a:r>
-            <a:r>
-              <a:rPr sz="2200" dirty="0">
-                <a:latin typeface="Courier New"/>
-                <a:cs typeface="Courier New"/>
-              </a:rPr>
-              <a:t> </a:t>
-            </a:r>
-            <a:r>
-              <a:rPr sz="2200" dirty="0">
-                <a:solidFill>
-                  <a:srgbClr val="C33E2A"/>
-                </a:solidFill>
-                <a:latin typeface="Courier New"/>
-                <a:cs typeface="Courier New"/>
-              </a:rPr>
-              <a:t>&lt;/map&gt;</a:t>
-            </a:r>
-            <a:endParaRPr sz="2200">
-              <a:solidFill>
-                <a:srgbClr val="C33E2A"/>
-              </a:solidFill>
-              <a:latin typeface="Courier New"/>
-              <a:cs typeface="Courier New"/>
-            </a:endParaRPr>
-          </a:p>
-          <a:p>
-            <a:pPr>
-              <a:defRPr sz="1900">
-                <a:solidFill>
-                  <a:srgbClr val="C33E2A"/>
-                </a:solidFill>
-                <a:latin typeface="Menlo"/>
-                <a:ea typeface="Menlo"/>
-                <a:cs typeface="Menlo"/>
-                <a:sym typeface="Menlo"/>
-              </a:defRPr>
-            </a:pPr>
-            <a:r>
-              <a:rPr sz="2200" dirty="0">
-                <a:latin typeface="Courier New"/>
-                <a:cs typeface="Courier New"/>
-              </a:rPr>
-              <a:t>&lt;/</a:t>
-            </a:r>
-            <a:r>
-              <a:rPr sz="2200" dirty="0" err="1">
-                <a:latin typeface="Courier New"/>
-                <a:cs typeface="Courier New"/>
-              </a:rPr>
-              <a:t>sbgn</a:t>
-            </a:r>
-            <a:r>
-              <a:rPr sz="2200" dirty="0">
-                <a:latin typeface="Courier New"/>
-                <a:cs typeface="Courier New"/>
-              </a:rPr>
-              <a:t>&gt;</a:t>
-            </a:r>
-            <a:endParaRPr sz="2200">
-              <a:latin typeface="Courier New"/>
-              <a:cs typeface="Courier New"/>
-            </a:endParaRPr>
-          </a:p>
-        </p:txBody>
-      </p:sp>
-      <p:sp>
-        <p:nvSpPr>
-          <p:cNvPr id="120" name="Oval 119">
-            <a:extLst>
-              <a:ext uri="{FF2B5EF4-FFF2-40B4-BE49-F238E27FC236}">
-                <a16:creationId xmlns:a16="http://schemas.microsoft.com/office/drawing/2014/main" id="{C374B70D-0F5F-694E-A426-21E636A18733}"/>
-              </a:ext>
-            </a:extLst>
-          </p:cNvPr>
-          <p:cNvSpPr/>
-          <p:nvPr/>
-        </p:nvSpPr>
-        <p:spPr>
-          <a:xfrm>
-            <a:off x="24139981" y="15717689"/>
-            <a:ext cx="138212" cy="141449"/>
-          </a:xfrm>
-          <a:prstGeom prst="ellipse">
-            <a:avLst/>
-          </a:prstGeom>
-          <a:solidFill>
-            <a:srgbClr val="FFFFFF"/>
-          </a:solidFill>
-          <a:ln w="12700" cap="flat">
-            <a:solidFill>
-              <a:schemeClr val="accent1"/>
-            </a:solidFill>
-            <a:prstDash val="solid"/>
-            <a:miter lim="800000"/>
-          </a:ln>
-          <a:effectLst/>
-          <a:sp3d/>
-        </p:spPr>
-        <p:style>
-          <a:lnRef idx="0">
-            <a:scrgbClr r="0" g="0" b="0"/>
-          </a:lnRef>
-          <a:fillRef idx="0">
-            <a:scrgbClr r="0" g="0" b="0"/>
-          </a:fillRef>
-          <a:effectRef idx="0">
-            <a:scrgbClr r="0" g="0" b="0"/>
-          </a:effectRef>
-          <a:fontRef idx="none"/>
-        </p:style>
-        <p:txBody>
-          <a:bodyPr rot="0" spcFirstLastPara="1" vertOverflow="overflow" horzOverflow="overflow" vert="horz" wrap="square" lIns="45719" tIns="45719" rIns="45719" bIns="45719" numCol="1" spcCol="38100" rtlCol="0" anchor="ctr">
-            <a:spAutoFit/>
-          </a:bodyPr>
-          <a:lstStyle/>
-          <a:p>
-            <a:pPr marL="0" marR="0" indent="0" algn="l" defTabSz="914400" rtl="0" fontAlgn="auto" latinLnBrk="0" hangingPunct="0">
-              <a:lnSpc>
-                <a:spcPct val="100000"/>
-              </a:lnSpc>
-              <a:spcBef>
-                <a:spcPts val="0"/>
-              </a:spcBef>
-              <a:spcAft>
-                <a:spcPts val="0"/>
-              </a:spcAft>
-              <a:buClrTx/>
-              <a:buSzTx/>
-              <a:buFontTx/>
-              <a:buNone/>
-              <a:tabLst/>
-            </a:pPr>
-            <a:endParaRPr kumimoji="0" lang="de-DE" sz="1800" b="0" i="0" u="none" strike="noStrike" cap="none" spc="0" normalizeH="0" baseline="0" dirty="0">
-              <a:ln>
-                <a:noFill/>
-              </a:ln>
-              <a:solidFill>
-                <a:srgbClr val="000000"/>
-              </a:solidFill>
-              <a:effectLst/>
-              <a:uFillTx/>
-              <a:latin typeface="+mn-lt"/>
-              <a:ea typeface="+mn-ea"/>
-              <a:cs typeface="+mn-cs"/>
-              <a:sym typeface="Calibri"/>
-            </a:endParaRPr>
+            <a:endParaRPr lang="en-US" dirty="0"/>
           </a:p>
         </p:txBody>
       </p:sp>
